--- a/Slides/ReachabilityTimedAutomata21.pptx
+++ b/Slides/ReachabilityTimedAutomata21.pptx
@@ -5,7 +5,7 @@
     <p:sldMasterId id="2147483648" r:id="rId1"/>
   </p:sldMasterIdLst>
   <p:notesMasterIdLst>
-    <p:notesMasterId r:id="rId47"/>
+    <p:notesMasterId r:id="rId50"/>
   </p:notesMasterIdLst>
   <p:sldIdLst>
     <p:sldId id="324" r:id="rId2"/>
@@ -20,39 +20,42 @@
     <p:sldId id="262" r:id="rId11"/>
     <p:sldId id="474" r:id="rId12"/>
     <p:sldId id="263" r:id="rId13"/>
-    <p:sldId id="264" r:id="rId14"/>
-    <p:sldId id="266" r:id="rId15"/>
-    <p:sldId id="271" r:id="rId16"/>
-    <p:sldId id="265" r:id="rId17"/>
-    <p:sldId id="267" r:id="rId18"/>
-    <p:sldId id="268" r:id="rId19"/>
-    <p:sldId id="269" r:id="rId20"/>
-    <p:sldId id="270" r:id="rId21"/>
-    <p:sldId id="434" r:id="rId22"/>
-    <p:sldId id="448" r:id="rId23"/>
-    <p:sldId id="449" r:id="rId24"/>
-    <p:sldId id="450" r:id="rId25"/>
-    <p:sldId id="451" r:id="rId26"/>
-    <p:sldId id="452" r:id="rId27"/>
-    <p:sldId id="453" r:id="rId28"/>
-    <p:sldId id="454" r:id="rId29"/>
-    <p:sldId id="455" r:id="rId30"/>
-    <p:sldId id="456" r:id="rId31"/>
-    <p:sldId id="457" r:id="rId32"/>
-    <p:sldId id="458" r:id="rId33"/>
-    <p:sldId id="459" r:id="rId34"/>
-    <p:sldId id="460" r:id="rId35"/>
-    <p:sldId id="461" r:id="rId36"/>
-    <p:sldId id="462" r:id="rId37"/>
-    <p:sldId id="463" r:id="rId38"/>
-    <p:sldId id="464" r:id="rId39"/>
-    <p:sldId id="465" r:id="rId40"/>
-    <p:sldId id="466" r:id="rId41"/>
-    <p:sldId id="469" r:id="rId42"/>
-    <p:sldId id="468" r:id="rId43"/>
-    <p:sldId id="472" r:id="rId44"/>
-    <p:sldId id="473" r:id="rId45"/>
-    <p:sldId id="471" r:id="rId46"/>
+    <p:sldId id="476" r:id="rId14"/>
+    <p:sldId id="264" r:id="rId15"/>
+    <p:sldId id="477" r:id="rId16"/>
+    <p:sldId id="266" r:id="rId17"/>
+    <p:sldId id="271" r:id="rId18"/>
+    <p:sldId id="265" r:id="rId19"/>
+    <p:sldId id="267" r:id="rId20"/>
+    <p:sldId id="268" r:id="rId21"/>
+    <p:sldId id="269" r:id="rId22"/>
+    <p:sldId id="270" r:id="rId23"/>
+    <p:sldId id="434" r:id="rId24"/>
+    <p:sldId id="478" r:id="rId25"/>
+    <p:sldId id="448" r:id="rId26"/>
+    <p:sldId id="449" r:id="rId27"/>
+    <p:sldId id="450" r:id="rId28"/>
+    <p:sldId id="451" r:id="rId29"/>
+    <p:sldId id="452" r:id="rId30"/>
+    <p:sldId id="453" r:id="rId31"/>
+    <p:sldId id="454" r:id="rId32"/>
+    <p:sldId id="455" r:id="rId33"/>
+    <p:sldId id="456" r:id="rId34"/>
+    <p:sldId id="457" r:id="rId35"/>
+    <p:sldId id="458" r:id="rId36"/>
+    <p:sldId id="459" r:id="rId37"/>
+    <p:sldId id="460" r:id="rId38"/>
+    <p:sldId id="461" r:id="rId39"/>
+    <p:sldId id="462" r:id="rId40"/>
+    <p:sldId id="463" r:id="rId41"/>
+    <p:sldId id="464" r:id="rId42"/>
+    <p:sldId id="465" r:id="rId43"/>
+    <p:sldId id="466" r:id="rId44"/>
+    <p:sldId id="469" r:id="rId45"/>
+    <p:sldId id="468" r:id="rId46"/>
+    <p:sldId id="472" r:id="rId47"/>
+    <p:sldId id="473" r:id="rId48"/>
+    <p:sldId id="471" r:id="rId49"/>
   </p:sldIdLst>
   <p:sldSz cx="9144000" cy="6858000" type="screen4x3"/>
   <p:notesSz cx="6858000" cy="9144000"/>
@@ -252,7 +255,7 @@
           <a:p>
             <a:fld id="{E84975BC-01F2-C145-9BB6-2C944BF42412}" type="datetimeFigureOut">
               <a:rPr lang="en-US" smtClean="0"/>
-              <a:t>10/14/21</a:t>
+              <a:t>10/19/21</a:t>
             </a:fld>
             <a:endParaRPr lang="en-US"/>
           </a:p>
@@ -652,7 +655,7 @@
           <a:p>
             <a:fld id="{6B62BFAB-8FF8-6341-B15F-2DC58818824E}" type="slidenum">
               <a:rPr lang="en-US" smtClean="0"/>
-              <a:t>45</a:t>
+              <a:t>48</a:t>
             </a:fld>
             <a:endParaRPr lang="en-US"/>
           </a:p>
@@ -850,7 +853,7 @@
           <a:p>
             <a:fld id="{522F6527-14CD-4906-9DC2-7F97B7374D8E}" type="datetimeFigureOut">
               <a:rPr lang="en-US" smtClean="0"/>
-              <a:t>10/14/21</a:t>
+              <a:t>10/19/21</a:t>
             </a:fld>
             <a:endParaRPr lang="en-US"/>
           </a:p>
@@ -1018,7 +1021,7 @@
           <a:p>
             <a:fld id="{522F6527-14CD-4906-9DC2-7F97B7374D8E}" type="datetimeFigureOut">
               <a:rPr lang="en-US" smtClean="0"/>
-              <a:t>10/14/21</a:t>
+              <a:t>10/19/21</a:t>
             </a:fld>
             <a:endParaRPr lang="en-US"/>
           </a:p>
@@ -1196,7 +1199,7 @@
           <a:p>
             <a:fld id="{522F6527-14CD-4906-9DC2-7F97B7374D8E}" type="datetimeFigureOut">
               <a:rPr lang="en-US" smtClean="0"/>
-              <a:t>10/14/21</a:t>
+              <a:t>10/19/21</a:t>
             </a:fld>
             <a:endParaRPr lang="en-US"/>
           </a:p>
@@ -1364,7 +1367,7 @@
           <a:p>
             <a:fld id="{522F6527-14CD-4906-9DC2-7F97B7374D8E}" type="datetimeFigureOut">
               <a:rPr lang="en-US" smtClean="0"/>
-              <a:t>10/14/21</a:t>
+              <a:t>10/19/21</a:t>
             </a:fld>
             <a:endParaRPr lang="en-US"/>
           </a:p>
@@ -1609,7 +1612,7 @@
           <a:p>
             <a:fld id="{522F6527-14CD-4906-9DC2-7F97B7374D8E}" type="datetimeFigureOut">
               <a:rPr lang="en-US" smtClean="0"/>
-              <a:t>10/14/21</a:t>
+              <a:t>10/19/21</a:t>
             </a:fld>
             <a:endParaRPr lang="en-US"/>
           </a:p>
@@ -1894,7 +1897,7 @@
           <a:p>
             <a:fld id="{522F6527-14CD-4906-9DC2-7F97B7374D8E}" type="datetimeFigureOut">
               <a:rPr lang="en-US" smtClean="0"/>
-              <a:t>10/14/21</a:t>
+              <a:t>10/19/21</a:t>
             </a:fld>
             <a:endParaRPr lang="en-US"/>
           </a:p>
@@ -2313,7 +2316,7 @@
           <a:p>
             <a:fld id="{522F6527-14CD-4906-9DC2-7F97B7374D8E}" type="datetimeFigureOut">
               <a:rPr lang="en-US" smtClean="0"/>
-              <a:t>10/14/21</a:t>
+              <a:t>10/19/21</a:t>
             </a:fld>
             <a:endParaRPr lang="en-US"/>
           </a:p>
@@ -2430,7 +2433,7 @@
           <a:p>
             <a:fld id="{522F6527-14CD-4906-9DC2-7F97B7374D8E}" type="datetimeFigureOut">
               <a:rPr lang="en-US" smtClean="0"/>
-              <a:t>10/14/21</a:t>
+              <a:t>10/19/21</a:t>
             </a:fld>
             <a:endParaRPr lang="en-US"/>
           </a:p>
@@ -2525,7 +2528,7 @@
           <a:p>
             <a:fld id="{522F6527-14CD-4906-9DC2-7F97B7374D8E}" type="datetimeFigureOut">
               <a:rPr lang="en-US" smtClean="0"/>
-              <a:t>10/14/21</a:t>
+              <a:t>10/19/21</a:t>
             </a:fld>
             <a:endParaRPr lang="en-US"/>
           </a:p>
@@ -2800,7 +2803,7 @@
           <a:p>
             <a:fld id="{522F6527-14CD-4906-9DC2-7F97B7374D8E}" type="datetimeFigureOut">
               <a:rPr lang="en-US" smtClean="0"/>
-              <a:t>10/14/21</a:t>
+              <a:t>10/19/21</a:t>
             </a:fld>
             <a:endParaRPr lang="en-US"/>
           </a:p>
@@ -3052,7 +3055,7 @@
           <a:p>
             <a:fld id="{522F6527-14CD-4906-9DC2-7F97B7374D8E}" type="datetimeFigureOut">
               <a:rPr lang="en-US" smtClean="0"/>
-              <a:t>10/14/21</a:t>
+              <a:t>10/19/21</a:t>
             </a:fld>
             <a:endParaRPr lang="en-US"/>
           </a:p>
@@ -3263,7 +3266,7 @@
           <a:p>
             <a:fld id="{522F6527-14CD-4906-9DC2-7F97B7374D8E}" type="datetimeFigureOut">
               <a:rPr lang="en-US" smtClean="0"/>
-              <a:t>10/14/21</a:t>
+              <a:t>10/19/21</a:t>
             </a:fld>
             <a:endParaRPr lang="en-US"/>
           </a:p>
@@ -5061,7 +5064,7 @@
           <a:p>
             <a:r>
               <a:rPr lang="en-US" sz="3200" dirty="0"/>
-              <a:t>Control State (Location) Reachability Problem</a:t>
+              <a:t>Control State (mode) Reachability Problem</a:t>
             </a:r>
           </a:p>
         </p:txBody>
@@ -5086,7 +5089,7 @@
             </p:spPr>
             <p:txBody>
               <a:bodyPr>
-                <a:normAutofit fontScale="70000" lnSpcReduction="20000"/>
+                <a:normAutofit/>
               </a:bodyPr>
               <a:lstStyle/>
               <a:p>
@@ -5112,7 +5115,7 @@
                 </a14:m>
                 <a:r>
                   <a:rPr lang="en-US" dirty="0"/>
-                  <a:t>, check if a particular (discrete) control state </a:t>
+                  <a:t>, check if a particular (mode) control state </a:t>
                 </a:r>
                 <a14:m>
                   <m:oMath xmlns:m="http://schemas.openxmlformats.org/officeDocument/2006/math">
@@ -5182,7 +5185,7 @@
                 </a:pPr>
                 <a:r>
                   <a:rPr lang="en-US" dirty="0"/>
-                  <a:t>Why is control state reachability (CSR) good enough even if we are interested in checking reachability of </a:t>
+                  <a:t>Why is mode reachability good enough even if we are interested in checking reachability of </a:t>
                 </a:r>
                 <a14:m>
                   <m:oMath xmlns:m="http://schemas.openxmlformats.org/officeDocument/2006/math">
@@ -5248,158 +5251,11 @@
                 </a:r>
               </a:p>
               <a:p>
-                <a:pPr>
+                <a:pPr marL="0" indent="0">
                   <a:lnSpc>
                     <a:spcPct val="120000"/>
                   </a:lnSpc>
-                </a:pPr>
-                <a:r>
-                  <a:rPr lang="en-US" dirty="0"/>
-                  <a:t>This problem is </a:t>
-                </a:r>
-                <a:r>
-                  <a:rPr lang="en-US" b="1" dirty="0"/>
-                  <a:t>decidable</a:t>
-                </a:r>
-                <a:r>
-                  <a:rPr lang="en-US" dirty="0"/>
-                  <a:t> [Alur Dill] </a:t>
-                </a:r>
-              </a:p>
-              <a:p>
-                <a:pPr>
-                  <a:lnSpc>
-                    <a:spcPct val="120000"/>
-                  </a:lnSpc>
-                </a:pPr>
-                <a:r>
-                  <a:rPr lang="en-US" dirty="0"/>
-                  <a:t>That is, there is an algorithm that takes in </a:t>
-                </a:r>
-                <a14:m>
-                  <m:oMath xmlns:m="http://schemas.openxmlformats.org/officeDocument/2006/math">
-                    <m:r>
-                      <a:rPr lang="en-US" i="1">
-                        <a:latin typeface="Cambria Math" panose="02040503050406030204" pitchFamily="18" charset="0"/>
-                        <a:ea typeface="Cambria Math" panose="02040503050406030204" pitchFamily="18" charset="0"/>
-                      </a:rPr>
-                      <m:t>𝒜</m:t>
-                    </m:r>
-                    <m:r>
-                      <a:rPr lang="en-US" b="0" i="1" smtClean="0">
-                        <a:latin typeface="Cambria Math" panose="02040503050406030204" pitchFamily="18" charset="0"/>
-                        <a:ea typeface="Cambria Math" panose="02040503050406030204" pitchFamily="18" charset="0"/>
-                      </a:rPr>
-                      <m:t>, </m:t>
-                    </m:r>
-                    <m:sSup>
-                      <m:sSupPr>
-                        <m:ctrlPr>
-                          <a:rPr lang="en-US" b="0" i="1" smtClean="0">
-                            <a:latin typeface="Cambria Math" panose="02040503050406030204" pitchFamily="18" charset="0"/>
-                            <a:ea typeface="Cambria Math" panose="02040503050406030204" pitchFamily="18" charset="0"/>
-                          </a:rPr>
-                        </m:ctrlPr>
-                      </m:sSupPr>
-                      <m:e>
-                        <m:r>
-                          <a:rPr lang="en-US" b="0" i="1" smtClean="0">
-                            <a:latin typeface="Cambria Math" panose="02040503050406030204" pitchFamily="18" charset="0"/>
-                            <a:ea typeface="Cambria Math" panose="02040503050406030204" pitchFamily="18" charset="0"/>
-                          </a:rPr>
-                          <m:t>𝑙</m:t>
-                        </m:r>
-                      </m:e>
-                      <m:sup>
-                        <m:r>
-                          <a:rPr lang="en-US" b="0" i="1" smtClean="0">
-                            <a:latin typeface="Cambria Math" panose="02040503050406030204" pitchFamily="18" charset="0"/>
-                            <a:ea typeface="Cambria Math" panose="02040503050406030204" pitchFamily="18" charset="0"/>
-                          </a:rPr>
-                          <m:t>∗</m:t>
-                        </m:r>
-                      </m:sup>
-                    </m:sSup>
-                  </m:oMath>
-                </a14:m>
-                <a:r>
-                  <a:rPr lang="en-US" dirty="0"/>
-                  <a:t> and terminates with the correct answer.</a:t>
-                </a:r>
-              </a:p>
-              <a:p>
-                <a:pPr>
-                  <a:lnSpc>
-                    <a:spcPct val="120000"/>
-                  </a:lnSpc>
-                </a:pPr>
-                <a:r>
-                  <a:rPr lang="en-US" dirty="0"/>
-                  <a:t>Key idea: </a:t>
-                </a:r>
-              </a:p>
-              <a:p>
-                <a:pPr lvl="1">
-                  <a:lnSpc>
-                    <a:spcPct val="120000"/>
-                  </a:lnSpc>
-                </a:pPr>
-                <a:r>
-                  <a:rPr lang="en-US" dirty="0"/>
-                  <a:t>Construct a finite automaton FA that is a </a:t>
-                </a:r>
-                <a:r>
-                  <a:rPr lang="en-US" b="1" i="1" dirty="0"/>
-                  <a:t>time-abstract </a:t>
-                </a:r>
-                <a:r>
-                  <a:rPr lang="en-US" b="1" i="1" dirty="0" err="1"/>
-                  <a:t>bisimilar</a:t>
-                </a:r>
-                <a:r>
-                  <a:rPr lang="en-US" b="1" i="1" dirty="0"/>
-                  <a:t> </a:t>
-                </a:r>
-                <a:r>
-                  <a:rPr lang="en-US" dirty="0"/>
-                  <a:t>to the ITA </a:t>
-                </a:r>
-              </a:p>
-              <a:p>
-                <a:pPr lvl="1">
-                  <a:lnSpc>
-                    <a:spcPct val="120000"/>
-                  </a:lnSpc>
-                </a:pPr>
-                <a:r>
-                  <a:rPr lang="en-US" dirty="0"/>
-                  <a:t>That is, FA behaves identically to ITA </a:t>
-                </a:r>
-                <a:r>
-                  <a:rPr lang="en-US" dirty="0" err="1"/>
-                  <a:t>w.r.t.</a:t>
-                </a:r>
-                <a:r>
-                  <a:rPr lang="en-US" dirty="0"/>
-                  <a:t> control state reachability, but does not preserve timing information</a:t>
-                </a:r>
-              </a:p>
-              <a:p>
-                <a:pPr lvl="1">
-                  <a:lnSpc>
-                    <a:spcPct val="120000"/>
-                  </a:lnSpc>
-                </a:pPr>
-                <a:r>
-                  <a:rPr lang="en-US" dirty="0"/>
-                  <a:t>Check reachability of FSM </a:t>
-                </a:r>
-              </a:p>
-              <a:p>
-                <a:pPr>
-                  <a:lnSpc>
-                    <a:spcPct val="120000"/>
-                  </a:lnSpc>
+                  <a:buNone/>
                 </a:pPr>
                 <a:endParaRPr lang="en-US" dirty="0"/>
               </a:p>
@@ -5425,7 +5281,7 @@
               <a:blipFill>
                 <a:blip r:embed="rId2"/>
                 <a:stretch>
-                  <a:fillRect l="-901" t="-1018" r="-901"/>
+                  <a:fillRect l="-1652" t="-509" r="-150"/>
                 </a:stretch>
               </a:blipFill>
             </p:spPr>
@@ -5511,280 +5367,634 @@
                       </p:childTnLst>
                     </p:cTn>
                   </p:par>
+                </p:childTnLst>
+              </p:cTn>
+              <p:prevCondLst>
+                <p:cond evt="onPrev" delay="0">
+                  <p:tgtEl>
+                    <p:sldTgt/>
+                  </p:tgtEl>
+                </p:cond>
+              </p:prevCondLst>
+              <p:nextCondLst>
+                <p:cond evt="onNext" delay="0">
+                  <p:tgtEl>
+                    <p:sldTgt/>
+                  </p:tgtEl>
+                </p:cond>
+              </p:nextCondLst>
+            </p:seq>
+          </p:childTnLst>
+        </p:cTn>
+      </p:par>
+    </p:tnLst>
+  </p:timing>
+</p:sld>
+</file>
+
+<file path=ppt/slides/slide13.xml><?xml version="1.0" encoding="utf-8"?>
+<p:sld xmlns:a="http://schemas.openxmlformats.org/drawingml/2006/main" xmlns:r="http://schemas.openxmlformats.org/officeDocument/2006/relationships" xmlns:p="http://schemas.openxmlformats.org/presentationml/2006/main">
+  <p:cSld>
+    <p:spTree>
+      <p:nvGrpSpPr>
+        <p:cNvPr id="1" name=""/>
+        <p:cNvGrpSpPr/>
+        <p:nvPr/>
+      </p:nvGrpSpPr>
+      <p:grpSpPr>
+        <a:xfrm>
+          <a:off x="0" y="0"/>
+          <a:ext cx="0" cy="0"/>
+          <a:chOff x="0" y="0"/>
+          <a:chExt cx="0" cy="0"/>
+        </a:xfrm>
+      </p:grpSpPr>
+      <p:sp>
+        <p:nvSpPr>
+          <p:cNvPr id="2" name="Title 1">
+            <a:extLst>
+              <a:ext uri="{FF2B5EF4-FFF2-40B4-BE49-F238E27FC236}">
+                <a16:creationId xmlns:a16="http://schemas.microsoft.com/office/drawing/2014/main" id="{5AB3C986-626B-9548-932B-700EBEA1128F}"/>
+              </a:ext>
+            </a:extLst>
+          </p:cNvPr>
+          <p:cNvSpPr>
+            <a:spLocks noGrp="1"/>
+          </p:cNvSpPr>
+          <p:nvPr>
+            <p:ph type="title"/>
+          </p:nvPr>
+        </p:nvSpPr>
+        <p:spPr>
+          <a:xfrm>
+            <a:off x="457200" y="457200"/>
+            <a:ext cx="8229600" cy="1143000"/>
+          </a:xfrm>
+        </p:spPr>
+        <p:txBody>
+          <a:bodyPr>
+            <a:normAutofit fontScale="90000"/>
+          </a:bodyPr>
+          <a:lstStyle/>
+          <a:p>
+            <a:r>
+              <a:rPr lang="en-US" dirty="0"/>
+              <a:t>Model Reachability of Integral Timed Automata is Decidable [Alur Dill 94] </a:t>
+            </a:r>
+            <a:br>
+              <a:rPr lang="en-US" dirty="0"/>
+            </a:br>
+            <a:endParaRPr lang="en-US" dirty="0"/>
+          </a:p>
+        </p:txBody>
+      </p:sp>
+      <mc:AlternateContent xmlns:mc="http://schemas.openxmlformats.org/markup-compatibility/2006">
+        <mc:Choice xmlns:a14="http://schemas.microsoft.com/office/drawing/2010/main" Requires="a14">
+          <p:sp>
+            <p:nvSpPr>
+              <p:cNvPr id="3" name="Content Placeholder 2">
+                <a:extLst>
+                  <a:ext uri="{FF2B5EF4-FFF2-40B4-BE49-F238E27FC236}">
+                    <a16:creationId xmlns:a16="http://schemas.microsoft.com/office/drawing/2014/main" id="{5F46422F-CB10-9B40-9BE3-99A4434EF9AD}"/>
+                  </a:ext>
+                </a:extLst>
+              </p:cNvPr>
+              <p:cNvSpPr>
+                <a:spLocks noGrp="1"/>
+              </p:cNvSpPr>
+              <p:nvPr>
+                <p:ph idx="1"/>
+              </p:nvPr>
+            </p:nvSpPr>
+            <p:spPr/>
+            <p:txBody>
+              <a:bodyPr>
+                <a:normAutofit fontScale="85000" lnSpcReduction="10000"/>
+              </a:bodyPr>
+              <a:lstStyle/>
+              <a:p>
+                <a:pPr marL="0" indent="0">
+                  <a:lnSpc>
+                    <a:spcPct val="120000"/>
+                  </a:lnSpc>
+                  <a:buNone/>
+                </a:pPr>
+                <a:r>
+                  <a:rPr lang="en-US" dirty="0"/>
+                  <a:t>That is, there is an algorithm that takes in </a:t>
+                </a:r>
+                <a14:m>
+                  <m:oMath xmlns:m="http://schemas.openxmlformats.org/officeDocument/2006/math">
+                    <m:r>
+                      <a:rPr lang="en-US" i="1">
+                        <a:latin typeface="Cambria Math" panose="02040503050406030204" pitchFamily="18" charset="0"/>
+                        <a:ea typeface="Cambria Math" panose="02040503050406030204" pitchFamily="18" charset="0"/>
+                      </a:rPr>
+                      <m:t>𝒜</m:t>
+                    </m:r>
+                    <m:r>
+                      <a:rPr lang="en-US" i="1">
+                        <a:latin typeface="Cambria Math" panose="02040503050406030204" pitchFamily="18" charset="0"/>
+                        <a:ea typeface="Cambria Math" panose="02040503050406030204" pitchFamily="18" charset="0"/>
+                      </a:rPr>
+                      <m:t>, </m:t>
+                    </m:r>
+                    <m:sSup>
+                      <m:sSupPr>
+                        <m:ctrlPr>
+                          <a:rPr lang="en-US" i="1">
+                            <a:latin typeface="Cambria Math" panose="02040503050406030204" pitchFamily="18" charset="0"/>
+                            <a:ea typeface="Cambria Math" panose="02040503050406030204" pitchFamily="18" charset="0"/>
+                          </a:rPr>
+                        </m:ctrlPr>
+                      </m:sSupPr>
+                      <m:e>
+                        <m:r>
+                          <a:rPr lang="en-US" i="1">
+                            <a:latin typeface="Cambria Math" panose="02040503050406030204" pitchFamily="18" charset="0"/>
+                            <a:ea typeface="Cambria Math" panose="02040503050406030204" pitchFamily="18" charset="0"/>
+                          </a:rPr>
+                          <m:t>𝑙</m:t>
+                        </m:r>
+                      </m:e>
+                      <m:sup>
+                        <m:r>
+                          <a:rPr lang="en-US" i="1">
+                            <a:latin typeface="Cambria Math" panose="02040503050406030204" pitchFamily="18" charset="0"/>
+                            <a:ea typeface="Cambria Math" panose="02040503050406030204" pitchFamily="18" charset="0"/>
+                          </a:rPr>
+                          <m:t>∗</m:t>
+                        </m:r>
+                      </m:sup>
+                    </m:sSup>
+                  </m:oMath>
+                </a14:m>
+                <a:r>
+                  <a:rPr lang="en-US" dirty="0"/>
+                  <a:t> and terminates with the correct answer.</a:t>
+                </a:r>
+              </a:p>
+              <a:p>
+                <a:pPr marL="0" indent="0">
+                  <a:lnSpc>
+                    <a:spcPct val="120000"/>
+                  </a:lnSpc>
+                  <a:buNone/>
+                </a:pPr>
+                <a:endParaRPr lang="en-US" dirty="0"/>
+              </a:p>
+              <a:p>
+                <a:pPr marL="0" indent="0">
+                  <a:lnSpc>
+                    <a:spcPct val="120000"/>
+                  </a:lnSpc>
+                  <a:buNone/>
+                </a:pPr>
+                <a:r>
+                  <a:rPr lang="en-US" dirty="0"/>
+                  <a:t>Key idea: </a:t>
+                </a:r>
+              </a:p>
+              <a:p>
+                <a:pPr lvl="1">
+                  <a:lnSpc>
+                    <a:spcPct val="120000"/>
+                  </a:lnSpc>
+                </a:pPr>
+                <a:r>
+                  <a:rPr lang="en-US" dirty="0"/>
+                  <a:t>Construct a finite automaton </a:t>
+                </a:r>
+                <a14:m>
+                  <m:oMath xmlns:m="http://schemas.openxmlformats.org/officeDocument/2006/math">
+                    <m:r>
+                      <a:rPr lang="en-US" b="0" i="1" smtClean="0">
+                        <a:latin typeface="Cambria Math" panose="02040503050406030204" pitchFamily="18" charset="0"/>
+                        <a:ea typeface="Cambria Math" panose="02040503050406030204" pitchFamily="18" charset="0"/>
+                      </a:rPr>
+                      <m:t>𝐵</m:t>
+                    </m:r>
+                  </m:oMath>
+                </a14:m>
+                <a:r>
+                  <a:rPr lang="en-US" dirty="0"/>
+                  <a:t> that is a </a:t>
+                </a:r>
+                <a:r>
+                  <a:rPr lang="en-US" b="1" i="1" dirty="0"/>
+                  <a:t>time-abstract </a:t>
+                </a:r>
+                <a:r>
+                  <a:rPr lang="en-US" b="1" i="1" dirty="0" err="1"/>
+                  <a:t>bisimilar</a:t>
+                </a:r>
+                <a:r>
+                  <a:rPr lang="en-US" b="1" i="1" dirty="0"/>
+                  <a:t> </a:t>
+                </a:r>
+                <a:r>
+                  <a:rPr lang="en-US" dirty="0"/>
+                  <a:t>to the given ITA </a:t>
+                </a:r>
+                <a14:m>
+                  <m:oMath xmlns:m="http://schemas.openxmlformats.org/officeDocument/2006/math">
+                    <m:r>
+                      <a:rPr lang="en-US" i="1">
+                        <a:latin typeface="Cambria Math" panose="02040503050406030204" pitchFamily="18" charset="0"/>
+                        <a:ea typeface="Cambria Math" panose="02040503050406030204" pitchFamily="18" charset="0"/>
+                      </a:rPr>
+                      <m:t>𝒜</m:t>
+                    </m:r>
+                  </m:oMath>
+                </a14:m>
+                <a:endParaRPr lang="en-US" dirty="0"/>
+              </a:p>
+              <a:p>
+                <a:pPr lvl="1">
+                  <a:lnSpc>
+                    <a:spcPct val="120000"/>
+                  </a:lnSpc>
+                </a:pPr>
+                <a:r>
+                  <a:rPr lang="en-US" dirty="0"/>
+                  <a:t>That is, FA </a:t>
+                </a:r>
+                <a14:m>
+                  <m:oMath xmlns:m="http://schemas.openxmlformats.org/officeDocument/2006/math">
+                    <m:r>
+                      <a:rPr lang="en-US" i="1">
+                        <a:latin typeface="Cambria Math" panose="02040503050406030204" pitchFamily="18" charset="0"/>
+                        <a:ea typeface="Cambria Math" panose="02040503050406030204" pitchFamily="18" charset="0"/>
+                      </a:rPr>
+                      <m:t>𝐵</m:t>
+                    </m:r>
+                    <m:r>
+                      <a:rPr lang="en-US" i="1">
+                        <a:latin typeface="Cambria Math" panose="02040503050406030204" pitchFamily="18" charset="0"/>
+                        <a:ea typeface="Cambria Math" panose="02040503050406030204" pitchFamily="18" charset="0"/>
+                      </a:rPr>
+                      <m:t> </m:t>
+                    </m:r>
+                  </m:oMath>
+                </a14:m>
+                <a:r>
+                  <a:rPr lang="en-US" dirty="0"/>
+                  <a:t>behaves identically to ITA </a:t>
+                </a:r>
+                <a14:m>
+                  <m:oMath xmlns:m="http://schemas.openxmlformats.org/officeDocument/2006/math">
+                    <m:r>
+                      <a:rPr lang="en-US" i="1">
+                        <a:latin typeface="Cambria Math" panose="02040503050406030204" pitchFamily="18" charset="0"/>
+                        <a:ea typeface="Cambria Math" panose="02040503050406030204" pitchFamily="18" charset="0"/>
+                      </a:rPr>
+                      <m:t>𝒜</m:t>
+                    </m:r>
+                  </m:oMath>
+                </a14:m>
+                <a:r>
+                  <a:rPr lang="en-US" dirty="0"/>
+                  <a:t> </a:t>
+                </a:r>
+                <a:r>
+                  <a:rPr lang="en-US" dirty="0" err="1"/>
+                  <a:t>w.r.t.</a:t>
+                </a:r>
+                <a:r>
+                  <a:rPr lang="en-US" dirty="0"/>
+                  <a:t> control state reachability, but does not preserve timing information</a:t>
+                </a:r>
+              </a:p>
+              <a:p>
+                <a:pPr lvl="1">
+                  <a:lnSpc>
+                    <a:spcPct val="120000"/>
+                  </a:lnSpc>
+                </a:pPr>
+                <a:r>
+                  <a:rPr lang="en-US" dirty="0"/>
+                  <a:t>Check reachability of FA </a:t>
+                </a:r>
+                <a14:m>
+                  <m:oMath xmlns:m="http://schemas.openxmlformats.org/officeDocument/2006/math">
+                    <m:r>
+                      <a:rPr lang="en-US" i="1">
+                        <a:latin typeface="Cambria Math" panose="02040503050406030204" pitchFamily="18" charset="0"/>
+                        <a:ea typeface="Cambria Math" panose="02040503050406030204" pitchFamily="18" charset="0"/>
+                      </a:rPr>
+                      <m:t>𝐵</m:t>
+                    </m:r>
+                  </m:oMath>
+                </a14:m>
+                <a:endParaRPr lang="en-US" dirty="0"/>
+              </a:p>
+              <a:p>
+                <a:endParaRPr lang="en-US" dirty="0"/>
+              </a:p>
+            </p:txBody>
+          </p:sp>
+        </mc:Choice>
+        <mc:Fallback>
+          <p:sp>
+            <p:nvSpPr>
+              <p:cNvPr id="3" name="Content Placeholder 2">
+                <a:extLst>
+                  <a:ext uri="{FF2B5EF4-FFF2-40B4-BE49-F238E27FC236}">
+                    <a16:creationId xmlns:a16="http://schemas.microsoft.com/office/drawing/2014/main" id="{5F46422F-CB10-9B40-9BE3-99A4434EF9AD}"/>
+                  </a:ext>
+                </a:extLst>
+              </p:cNvPr>
+              <p:cNvSpPr>
+                <a:spLocks noGrp="1" noRot="1" noChangeAspect="1" noMove="1" noResize="1" noEditPoints="1" noAdjustHandles="1" noChangeArrowheads="1" noChangeShapeType="1" noTextEdit="1"/>
+              </p:cNvSpPr>
+              <p:nvPr>
+                <p:ph idx="1"/>
+              </p:nvPr>
+            </p:nvSpPr>
+            <p:spPr>
+              <a:blipFill>
+                <a:blip r:embed="rId2"/>
+                <a:stretch>
+                  <a:fillRect l="-1543" t="-840" r="-1543"/>
+                </a:stretch>
+              </a:blipFill>
+            </p:spPr>
+            <p:txBody>
+              <a:bodyPr/>
+              <a:lstStyle/>
+              <a:p>
+                <a:r>
+                  <a:rPr lang="en-US">
+                    <a:noFill/>
+                  </a:rPr>
+                  <a:t> </a:t>
+                </a:r>
+              </a:p>
+            </p:txBody>
+          </p:sp>
+        </mc:Fallback>
+      </mc:AlternateContent>
+      <p:pic>
+        <p:nvPicPr>
+          <p:cNvPr id="4" name="Picture 3">
+            <a:extLst>
+              <a:ext uri="{FF2B5EF4-FFF2-40B4-BE49-F238E27FC236}">
+                <a16:creationId xmlns:a16="http://schemas.microsoft.com/office/drawing/2014/main" id="{AD1C9584-A151-B749-A331-D3FF3ECA95AA}"/>
+              </a:ext>
+            </a:extLst>
+          </p:cNvPr>
+          <p:cNvPicPr>
+            <a:picLocks noChangeAspect="1"/>
+          </p:cNvPicPr>
+          <p:nvPr/>
+        </p:nvPicPr>
+        <p:blipFill>
+          <a:blip r:embed="rId3"/>
+          <a:stretch>
+            <a:fillRect/>
+          </a:stretch>
+        </p:blipFill>
+        <p:spPr>
+          <a:xfrm>
+            <a:off x="5410200" y="5984558"/>
+            <a:ext cx="3733800" cy="873442"/>
+          </a:xfrm>
+          <a:prstGeom prst="rect">
+            <a:avLst/>
+          </a:prstGeom>
+        </p:spPr>
+      </p:pic>
+    </p:spTree>
+    <p:extLst>
+      <p:ext uri="{BB962C8B-B14F-4D97-AF65-F5344CB8AC3E}">
+        <p14:creationId xmlns:p14="http://schemas.microsoft.com/office/powerpoint/2010/main" val="978660447"/>
+      </p:ext>
+    </p:extLst>
+  </p:cSld>
+  <p:clrMapOvr>
+    <a:masterClrMapping/>
+  </p:clrMapOvr>
+</p:sld>
+</file>
+
+<file path=ppt/slides/slide14.xml><?xml version="1.0" encoding="utf-8"?>
+<p:sld xmlns:a="http://schemas.openxmlformats.org/drawingml/2006/main" xmlns:r="http://schemas.openxmlformats.org/officeDocument/2006/relationships" xmlns:p="http://schemas.openxmlformats.org/presentationml/2006/main">
+  <p:cSld>
+    <p:spTree>
+      <p:nvGrpSpPr>
+        <p:cNvPr id="1" name=""/>
+        <p:cNvGrpSpPr/>
+        <p:nvPr/>
+      </p:nvGrpSpPr>
+      <p:grpSpPr>
+        <a:xfrm>
+          <a:off x="0" y="0"/>
+          <a:ext cx="0" cy="0"/>
+          <a:chOff x="0" y="0"/>
+          <a:chExt cx="0" cy="0"/>
+        </a:xfrm>
+      </p:grpSpPr>
+      <p:sp>
+        <p:nvSpPr>
+          <p:cNvPr id="2" name="Title 1"/>
+          <p:cNvSpPr>
+            <a:spLocks noGrp="1"/>
+          </p:cNvSpPr>
+          <p:nvPr>
+            <p:ph type="title"/>
+          </p:nvPr>
+        </p:nvSpPr>
+        <p:spPr/>
+        <p:txBody>
+          <a:bodyPr>
+            <a:noAutofit/>
+          </a:bodyPr>
+          <a:lstStyle/>
+          <a:p>
+            <a:r>
+              <a:rPr lang="en-US" sz="3200" dirty="0"/>
+              <a:t>An equivalence relation with a finite quotient</a:t>
+            </a:r>
+          </a:p>
+        </p:txBody>
+      </p:sp>
+      <mc:AlternateContent xmlns:mc="http://schemas.openxmlformats.org/markup-compatibility/2006">
+        <mc:Choice xmlns:a14="http://schemas.microsoft.com/office/drawing/2010/main" Requires="a14">
+          <p:sp>
+            <p:nvSpPr>
+              <p:cNvPr id="3" name="Content Placeholder 2"/>
+              <p:cNvSpPr>
+                <a:spLocks noGrp="1"/>
+              </p:cNvSpPr>
+              <p:nvPr>
+                <p:ph idx="1"/>
+              </p:nvPr>
+            </p:nvSpPr>
+            <p:spPr>
+              <a:xfrm>
+                <a:off x="457200" y="1600200"/>
+                <a:ext cx="8229600" cy="2057400"/>
+              </a:xfrm>
+            </p:spPr>
+            <p:txBody>
+              <a:bodyPr>
+                <a:normAutofit fontScale="77500" lnSpcReduction="20000"/>
+              </a:bodyPr>
+              <a:lstStyle/>
+              <a:p>
+                <a:pPr marL="0" indent="0">
+                  <a:buNone/>
+                </a:pPr>
+                <a:r>
+                  <a:rPr lang="en-US" dirty="0"/>
+                  <a:t>Under what conditions do two states </a:t>
+                </a:r>
+                <a:r>
+                  <a:rPr lang="en-US" b="1" dirty="0"/>
+                  <a:t>x</a:t>
+                </a:r>
+                <a:r>
+                  <a:rPr lang="en-US" b="1" baseline="-25000" dirty="0"/>
+                  <a:t>1 </a:t>
+                </a:r>
+                <a:r>
+                  <a:rPr lang="en-US" dirty="0"/>
+                  <a:t>and </a:t>
+                </a:r>
+                <a:r>
+                  <a:rPr lang="en-US" b="1" dirty="0"/>
+                  <a:t>x</a:t>
+                </a:r>
+                <a:r>
+                  <a:rPr lang="en-US" b="1" baseline="-25000" dirty="0"/>
+                  <a:t>2 </a:t>
+                </a:r>
+                <a:r>
+                  <a:rPr lang="en-US" dirty="0"/>
+                  <a:t>of the automaton  </a:t>
+                </a:r>
+                <a14:m>
+                  <m:oMath xmlns:m="http://schemas.openxmlformats.org/officeDocument/2006/math">
+                    <m:r>
+                      <a:rPr lang="en-US" i="1">
+                        <a:latin typeface="Cambria Math" panose="02040503050406030204" pitchFamily="18" charset="0"/>
+                        <a:ea typeface="Cambria Math" panose="02040503050406030204" pitchFamily="18" charset="0"/>
+                      </a:rPr>
+                      <m:t>𝒜</m:t>
+                    </m:r>
+                  </m:oMath>
+                </a14:m>
+                <a:r>
+                  <a:rPr lang="en-US" dirty="0"/>
+                  <a:t>  behave identically with respect to control state reachability (CSR)?</a:t>
+                </a:r>
+              </a:p>
+              <a:p>
+                <a:pPr marL="457200" lvl="1" indent="0">
+                  <a:buNone/>
+                </a:pPr>
+                <a:r>
+                  <a:rPr lang="en-US" dirty="0"/>
+                  <a:t>When do they satisfy the same set of clock constraints? </a:t>
+                </a:r>
+              </a:p>
+              <a:p>
+                <a:pPr marL="457200" lvl="1" indent="0">
+                  <a:buNone/>
+                </a:pPr>
+                <a:r>
+                  <a:rPr lang="en-US" dirty="0"/>
+                  <a:t>When would they continue to satisfy the same set of clock constraints?</a:t>
+                </a:r>
+              </a:p>
+            </p:txBody>
+          </p:sp>
+        </mc:Choice>
+        <mc:Fallback>
+          <p:sp>
+            <p:nvSpPr>
+              <p:cNvPr id="3" name="Content Placeholder 2"/>
+              <p:cNvSpPr>
+                <a:spLocks noGrp="1" noRot="1" noChangeAspect="1" noMove="1" noResize="1" noEditPoints="1" noAdjustHandles="1" noChangeArrowheads="1" noChangeShapeType="1" noTextEdit="1"/>
+              </p:cNvSpPr>
+              <p:nvPr>
+                <p:ph idx="1"/>
+              </p:nvPr>
+            </p:nvSpPr>
+            <p:spPr>
+              <a:xfrm>
+                <a:off x="457200" y="1600200"/>
+                <a:ext cx="8229600" cy="2057400"/>
+              </a:xfrm>
+              <a:blipFill>
+                <a:blip r:embed="rId2"/>
+                <a:stretch>
+                  <a:fillRect l="-1389" t="-6173" r="-772" b="-1235"/>
+                </a:stretch>
+              </a:blipFill>
+            </p:spPr>
+            <p:txBody>
+              <a:bodyPr/>
+              <a:lstStyle/>
+              <a:p>
+                <a:r>
+                  <a:rPr lang="en-US">
+                    <a:noFill/>
+                  </a:rPr>
+                  <a:t> </a:t>
+                </a:r>
+              </a:p>
+            </p:txBody>
+          </p:sp>
+        </mc:Fallback>
+      </mc:AlternateContent>
+    </p:spTree>
+    <p:extLst>
+      <p:ext uri="{BB962C8B-B14F-4D97-AF65-F5344CB8AC3E}">
+        <p14:creationId xmlns:p14="http://schemas.microsoft.com/office/powerpoint/2010/main" val="4140766627"/>
+      </p:ext>
+    </p:extLst>
+  </p:cSld>
+  <p:clrMapOvr>
+    <a:masterClrMapping/>
+  </p:clrMapOvr>
+  <p:timing>
+    <p:tnLst>
+      <p:par>
+        <p:cTn id="1" dur="indefinite" restart="never" nodeType="tmRoot">
+          <p:childTnLst>
+            <p:seq concurrent="1" nextAc="seek">
+              <p:cTn id="2" dur="indefinite" nodeType="mainSeq">
+                <p:childTnLst>
                   <p:par>
-                    <p:cTn id="7" fill="hold">
+                    <p:cTn id="3" fill="hold">
                       <p:stCondLst>
                         <p:cond delay="indefinite"/>
                       </p:stCondLst>
                       <p:childTnLst>
                         <p:par>
-                          <p:cTn id="8" fill="hold">
+                          <p:cTn id="4" fill="hold">
                             <p:stCondLst>
                               <p:cond delay="0"/>
                             </p:stCondLst>
                             <p:childTnLst>
                               <p:par>
-                                <p:cTn id="9" presetID="1" presetClass="entr" presetSubtype="0" fill="hold" nodeType="clickEffect">
+                                <p:cTn id="5" presetID="1" presetClass="entr" presetSubtype="0" fill="hold" nodeType="clickEffect">
                                   <p:stCondLst>
                                     <p:cond delay="0"/>
                                   </p:stCondLst>
                                   <p:childTnLst>
                                     <p:set>
                                       <p:cBhvr>
-                                        <p:cTn id="10" dur="1" fill="hold">
+                                        <p:cTn id="6" dur="1" fill="hold">
                                           <p:stCondLst>
                                             <p:cond delay="0"/>
                                           </p:stCondLst>
                                         </p:cTn>
                                         <p:tgtEl>
-                                          <p:spTgt spid="6">
+                                          <p:spTgt spid="3">
                                             <p:txEl>
                                               <p:pRg st="2" end="2"/>
-                                            </p:txEl>
-                                          </p:spTgt>
-                                        </p:tgtEl>
-                                        <p:attrNameLst>
-                                          <p:attrName>style.visibility</p:attrName>
-                                        </p:attrNameLst>
-                                      </p:cBhvr>
-                                      <p:to>
-                                        <p:strVal val="visible"/>
-                                      </p:to>
-                                    </p:set>
-                                  </p:childTnLst>
-                                </p:cTn>
-                              </p:par>
-                            </p:childTnLst>
-                          </p:cTn>
-                        </p:par>
-                      </p:childTnLst>
-                    </p:cTn>
-                  </p:par>
-                  <p:par>
-                    <p:cTn id="11" fill="hold">
-                      <p:stCondLst>
-                        <p:cond delay="indefinite"/>
-                      </p:stCondLst>
-                      <p:childTnLst>
-                        <p:par>
-                          <p:cTn id="12" fill="hold">
-                            <p:stCondLst>
-                              <p:cond delay="0"/>
-                            </p:stCondLst>
-                            <p:childTnLst>
-                              <p:par>
-                                <p:cTn id="13" presetID="1" presetClass="entr" presetSubtype="0" fill="hold" nodeType="clickEffect">
-                                  <p:stCondLst>
-                                    <p:cond delay="0"/>
-                                  </p:stCondLst>
-                                  <p:childTnLst>
-                                    <p:set>
-                                      <p:cBhvr>
-                                        <p:cTn id="14" dur="1" fill="hold">
-                                          <p:stCondLst>
-                                            <p:cond delay="0"/>
-                                          </p:stCondLst>
-                                        </p:cTn>
-                                        <p:tgtEl>
-                                          <p:spTgt spid="6">
-                                            <p:txEl>
-                                              <p:pRg st="3" end="3"/>
-                                            </p:txEl>
-                                          </p:spTgt>
-                                        </p:tgtEl>
-                                        <p:attrNameLst>
-                                          <p:attrName>style.visibility</p:attrName>
-                                        </p:attrNameLst>
-                                      </p:cBhvr>
-                                      <p:to>
-                                        <p:strVal val="visible"/>
-                                      </p:to>
-                                    </p:set>
-                                  </p:childTnLst>
-                                </p:cTn>
-                              </p:par>
-                            </p:childTnLst>
-                          </p:cTn>
-                        </p:par>
-                      </p:childTnLst>
-                    </p:cTn>
-                  </p:par>
-                  <p:par>
-                    <p:cTn id="15" fill="hold">
-                      <p:stCondLst>
-                        <p:cond delay="indefinite"/>
-                      </p:stCondLst>
-                      <p:childTnLst>
-                        <p:par>
-                          <p:cTn id="16" fill="hold">
-                            <p:stCondLst>
-                              <p:cond delay="0"/>
-                            </p:stCondLst>
-                            <p:childTnLst>
-                              <p:par>
-                                <p:cTn id="17" presetID="1" presetClass="entr" presetSubtype="0" fill="hold" nodeType="clickEffect">
-                                  <p:stCondLst>
-                                    <p:cond delay="0"/>
-                                  </p:stCondLst>
-                                  <p:childTnLst>
-                                    <p:set>
-                                      <p:cBhvr>
-                                        <p:cTn id="18" dur="1" fill="hold">
-                                          <p:stCondLst>
-                                            <p:cond delay="0"/>
-                                          </p:stCondLst>
-                                        </p:cTn>
-                                        <p:tgtEl>
-                                          <p:spTgt spid="6">
-                                            <p:txEl>
-                                              <p:pRg st="4" end="4"/>
-                                            </p:txEl>
-                                          </p:spTgt>
-                                        </p:tgtEl>
-                                        <p:attrNameLst>
-                                          <p:attrName>style.visibility</p:attrName>
-                                        </p:attrNameLst>
-                                      </p:cBhvr>
-                                      <p:to>
-                                        <p:strVal val="visible"/>
-                                      </p:to>
-                                    </p:set>
-                                  </p:childTnLst>
-                                </p:cTn>
-                              </p:par>
-                            </p:childTnLst>
-                          </p:cTn>
-                        </p:par>
-                      </p:childTnLst>
-                    </p:cTn>
-                  </p:par>
-                  <p:par>
-                    <p:cTn id="19" fill="hold">
-                      <p:stCondLst>
-                        <p:cond delay="indefinite"/>
-                      </p:stCondLst>
-                      <p:childTnLst>
-                        <p:par>
-                          <p:cTn id="20" fill="hold">
-                            <p:stCondLst>
-                              <p:cond delay="0"/>
-                            </p:stCondLst>
-                            <p:childTnLst>
-                              <p:par>
-                                <p:cTn id="21" presetID="1" presetClass="entr" presetSubtype="0" fill="hold" nodeType="clickEffect">
-                                  <p:stCondLst>
-                                    <p:cond delay="0"/>
-                                  </p:stCondLst>
-                                  <p:childTnLst>
-                                    <p:set>
-                                      <p:cBhvr>
-                                        <p:cTn id="22" dur="1" fill="hold">
-                                          <p:stCondLst>
-                                            <p:cond delay="0"/>
-                                          </p:stCondLst>
-                                        </p:cTn>
-                                        <p:tgtEl>
-                                          <p:spTgt spid="6">
-                                            <p:txEl>
-                                              <p:pRg st="5" end="5"/>
-                                            </p:txEl>
-                                          </p:spTgt>
-                                        </p:tgtEl>
-                                        <p:attrNameLst>
-                                          <p:attrName>style.visibility</p:attrName>
-                                        </p:attrNameLst>
-                                      </p:cBhvr>
-                                      <p:to>
-                                        <p:strVal val="visible"/>
-                                      </p:to>
-                                    </p:set>
-                                  </p:childTnLst>
-                                </p:cTn>
-                              </p:par>
-                            </p:childTnLst>
-                          </p:cTn>
-                        </p:par>
-                      </p:childTnLst>
-                    </p:cTn>
-                  </p:par>
-                  <p:par>
-                    <p:cTn id="23" fill="hold">
-                      <p:stCondLst>
-                        <p:cond delay="indefinite"/>
-                      </p:stCondLst>
-                      <p:childTnLst>
-                        <p:par>
-                          <p:cTn id="24" fill="hold">
-                            <p:stCondLst>
-                              <p:cond delay="0"/>
-                            </p:stCondLst>
-                            <p:childTnLst>
-                              <p:par>
-                                <p:cTn id="25" presetID="1" presetClass="entr" presetSubtype="0" fill="hold" nodeType="clickEffect">
-                                  <p:stCondLst>
-                                    <p:cond delay="0"/>
-                                  </p:stCondLst>
-                                  <p:childTnLst>
-                                    <p:set>
-                                      <p:cBhvr>
-                                        <p:cTn id="26" dur="1" fill="hold">
-                                          <p:stCondLst>
-                                            <p:cond delay="0"/>
-                                          </p:stCondLst>
-                                        </p:cTn>
-                                        <p:tgtEl>
-                                          <p:spTgt spid="6">
-                                            <p:txEl>
-                                              <p:pRg st="6" end="6"/>
-                                            </p:txEl>
-                                          </p:spTgt>
-                                        </p:tgtEl>
-                                        <p:attrNameLst>
-                                          <p:attrName>style.visibility</p:attrName>
-                                        </p:attrNameLst>
-                                      </p:cBhvr>
-                                      <p:to>
-                                        <p:strVal val="visible"/>
-                                      </p:to>
-                                    </p:set>
-                                  </p:childTnLst>
-                                </p:cTn>
-                              </p:par>
-                            </p:childTnLst>
-                          </p:cTn>
-                        </p:par>
-                      </p:childTnLst>
-                    </p:cTn>
-                  </p:par>
-                  <p:par>
-                    <p:cTn id="27" fill="hold">
-                      <p:stCondLst>
-                        <p:cond delay="indefinite"/>
-                      </p:stCondLst>
-                      <p:childTnLst>
-                        <p:par>
-                          <p:cTn id="28" fill="hold">
-                            <p:stCondLst>
-                              <p:cond delay="0"/>
-                            </p:stCondLst>
-                            <p:childTnLst>
-                              <p:par>
-                                <p:cTn id="29" presetID="1" presetClass="entr" presetSubtype="0" fill="hold" nodeType="clickEffect">
-                                  <p:stCondLst>
-                                    <p:cond delay="0"/>
-                                  </p:stCondLst>
-                                  <p:childTnLst>
-                                    <p:set>
-                                      <p:cBhvr>
-                                        <p:cTn id="30" dur="1" fill="hold">
-                                          <p:stCondLst>
-                                            <p:cond delay="0"/>
-                                          </p:stCondLst>
-                                        </p:cTn>
-                                        <p:tgtEl>
-                                          <p:spTgt spid="6">
-                                            <p:txEl>
-                                              <p:pRg st="7" end="7"/>
                                             </p:txEl>
                                           </p:spTgt>
                                         </p:tgtEl>
@@ -5830,7 +6040,7 @@
 </p:sld>
 </file>
 
-<file path=ppt/slides/slide13.xml><?xml version="1.0" encoding="utf-8"?>
+<file path=ppt/slides/slide15.xml><?xml version="1.0" encoding="utf-8"?>
 <p:sld xmlns:a="http://schemas.openxmlformats.org/drawingml/2006/main" xmlns:r="http://schemas.openxmlformats.org/officeDocument/2006/relationships" xmlns:p="http://schemas.openxmlformats.org/presentationml/2006/main">
   <p:cSld>
     <p:spTree>
@@ -5939,7 +6149,7 @@
                 </a14:m>
                 <a:r>
                   <a:rPr lang="en-US" dirty="0"/>
-                  <a:t>  behave identically with respect to control state reachability (CSR)?</a:t>
+                  <a:t>  behave identically with respect to mode reachability ?</a:t>
                 </a:r>
               </a:p>
               <a:p>
@@ -7130,7 +7340,7 @@
                 </a:r>
                 <a:r>
                   <a:rPr lang="en-US" dirty="0"/>
-                  <a:t> This is a </a:t>
+                  <a:t> This is an </a:t>
                 </a:r>
                 <a:r>
                   <a:rPr lang="en-US" b="1" dirty="0"/>
@@ -7249,7 +7459,7 @@
     </p:spTree>
     <p:extLst>
       <p:ext uri="{BB962C8B-B14F-4D97-AF65-F5344CB8AC3E}">
-        <p14:creationId xmlns:p14="http://schemas.microsoft.com/office/powerpoint/2010/main" val="4140766627"/>
+        <p14:creationId xmlns:p14="http://schemas.microsoft.com/office/powerpoint/2010/main" val="709889952"/>
       </p:ext>
     </p:extLst>
   </p:cSld>
@@ -7681,7 +7891,7 @@
 </p:sld>
 </file>
 
-<file path=ppt/slides/slide14.xml><?xml version="1.0" encoding="utf-8"?>
+<file path=ppt/slides/slide16.xml><?xml version="1.0" encoding="utf-8"?>
 <p:sld xmlns:a="http://schemas.openxmlformats.org/drawingml/2006/main" xmlns:r="http://schemas.openxmlformats.org/officeDocument/2006/relationships" xmlns:p="http://schemas.openxmlformats.org/presentationml/2006/main">
   <p:cSld>
     <p:spTree>
@@ -7976,7 +8186,7 @@
 </p:sld>
 </file>
 
-<file path=ppt/slides/slide15.xml><?xml version="1.0" encoding="utf-8"?>
+<file path=ppt/slides/slide17.xml><?xml version="1.0" encoding="utf-8"?>
 <p:sld xmlns:a="http://schemas.openxmlformats.org/drawingml/2006/main" xmlns:r="http://schemas.openxmlformats.org/officeDocument/2006/relationships" xmlns:p="http://schemas.openxmlformats.org/presentationml/2006/main">
   <p:cSld>
     <p:spTree>
@@ -8015,8 +8225,8 @@
           </a:p>
         </p:txBody>
       </p:sp>
-      <mc:AlternateContent xmlns:mc="http://schemas.openxmlformats.org/markup-compatibility/2006" xmlns:a14="http://schemas.microsoft.com/office/drawing/2010/main">
-        <mc:Choice Requires="a14">
+      <mc:AlternateContent xmlns:mc="http://schemas.openxmlformats.org/markup-compatibility/2006">
+        <mc:Choice xmlns:a14="http://schemas.microsoft.com/office/drawing/2010/main" Requires="a14">
           <p:sp>
             <p:nvSpPr>
               <p:cNvPr id="3" name="Content Placeholder 2"/>
@@ -8032,6 +8242,9 @@
               <a:bodyPr/>
               <a:lstStyle/>
               <a:p>
+                <a:pPr marL="0" indent="0">
+                  <a:buNone/>
+                </a:pPr>
                 <a:r>
                   <a:rPr lang="en-US" b="1" dirty="0">
                     <a:solidFill>
@@ -8042,7 +8255,7 @@
                 </a:r>
                 <a:r>
                   <a:rPr lang="en-US" dirty="0"/>
-                  <a:t>. The number of clock regions is bounded by |X|! 2</a:t>
+                  <a:t>. The number of clock regions is bounded by |L||X|! 2</a:t>
                 </a:r>
                 <a:r>
                   <a:rPr lang="en-US" baseline="30000" dirty="0"/>
@@ -8143,7 +8356,7 @@
             </p:txBody>
           </p:sp>
         </mc:Choice>
-        <mc:Fallback xmlns="">
+        <mc:Fallback>
           <p:sp>
             <p:nvSpPr>
               <p:cNvPr id="3" name="Content Placeholder 2"/>
@@ -8155,10 +8368,10 @@
               </p:nvPr>
             </p:nvSpPr>
             <p:spPr>
-              <a:blipFill rotWithShape="1">
+              <a:blipFill>
                 <a:blip r:embed="rId2"/>
                 <a:stretch>
-                  <a:fillRect l="-1630" t="-1752"/>
+                  <a:fillRect l="-1852" t="-6723" r="-1698"/>
                 </a:stretch>
               </a:blipFill>
             </p:spPr>
@@ -8190,7 +8403,7 @@
 </p:sld>
 </file>
 
-<file path=ppt/slides/slide16.xml><?xml version="1.0" encoding="utf-8"?>
+<file path=ppt/slides/slide18.xml><?xml version="1.0" encoding="utf-8"?>
 <p:sld xmlns:a="http://schemas.openxmlformats.org/drawingml/2006/main" xmlns:r="http://schemas.openxmlformats.org/officeDocument/2006/relationships" xmlns:p="http://schemas.openxmlformats.org/presentationml/2006/main">
   <p:cSld>
     <p:spTree>
@@ -8305,8 +8518,8 @@
           </p:sp>
         </mc:Fallback>
       </mc:AlternateContent>
-      <mc:AlternateContent xmlns:mc="http://schemas.openxmlformats.org/markup-compatibility/2006" xmlns:a14="http://schemas.microsoft.com/office/drawing/2010/main">
-        <mc:Choice Requires="a14">
+      <mc:AlternateContent xmlns:mc="http://schemas.openxmlformats.org/markup-compatibility/2006">
+        <mc:Choice xmlns:a14="http://schemas.microsoft.com/office/drawing/2010/main" Requires="a14">
           <p:sp>
             <p:nvSpPr>
               <p:cNvPr id="3" name="Content Placeholder 2"/>
@@ -8330,9 +8543,6 @@
               <a:lstStyle/>
               <a:p>
                 <a:pPr marL="0" indent="0">
-                  <a:lnSpc>
-                    <a:spcPct val="120000"/>
-                  </a:lnSpc>
                   <a:buNone/>
                 </a:pPr>
                 <a:r>
@@ -8456,130 +8666,138 @@
                         <a:latin typeface="Cambria Math" panose="02040503050406030204" pitchFamily="18" charset="0"/>
                         <a:ea typeface="Cambria Math" panose="02040503050406030204" pitchFamily="18" charset="0"/>
                       </a:rPr>
-                      <m:t>=⟨</m:t>
-                    </m:r>
-                    <m:sSub>
-                      <m:sSubPr>
+                      <m:t>=</m:t>
+                    </m:r>
+                    <m:d>
+                      <m:dPr>
+                        <m:begChr m:val="⟨"/>
+                        <m:endChr m:val="⟩"/>
                         <m:ctrlPr>
                           <a:rPr lang="en-US" sz="2000" b="0" i="1" smtClean="0">
                             <a:latin typeface="Cambria Math" panose="02040503050406030204" pitchFamily="18" charset="0"/>
                             <a:ea typeface="Cambria Math" panose="02040503050406030204" pitchFamily="18" charset="0"/>
                           </a:rPr>
                         </m:ctrlPr>
-                      </m:sSubPr>
+                      </m:dPr>
                       <m:e>
+                        <m:sSub>
+                          <m:sSubPr>
+                            <m:ctrlPr>
+                              <a:rPr lang="en-US" sz="2000" b="0" i="1" smtClean="0">
+                                <a:latin typeface="Cambria Math" panose="02040503050406030204" pitchFamily="18" charset="0"/>
+                                <a:ea typeface="Cambria Math" panose="02040503050406030204" pitchFamily="18" charset="0"/>
+                              </a:rPr>
+                            </m:ctrlPr>
+                          </m:sSubPr>
+                          <m:e>
+                            <m:r>
+                              <a:rPr lang="en-US" sz="2000" b="0" i="1" smtClean="0">
+                                <a:latin typeface="Cambria Math" panose="02040503050406030204" pitchFamily="18" charset="0"/>
+                                <a:ea typeface="Cambria Math" panose="02040503050406030204" pitchFamily="18" charset="0"/>
+                              </a:rPr>
+                              <m:t>𝑄</m:t>
+                            </m:r>
+                          </m:e>
+                          <m:sub>
+                            <m:r>
+                              <a:rPr lang="en-US" sz="2000" b="0" i="1" smtClean="0">
+                                <a:latin typeface="Cambria Math" panose="02040503050406030204" pitchFamily="18" charset="0"/>
+                                <a:ea typeface="Cambria Math" panose="02040503050406030204" pitchFamily="18" charset="0"/>
+                              </a:rPr>
+                              <m:t>𝑅</m:t>
+                            </m:r>
+                          </m:sub>
+                        </m:sSub>
                         <m:r>
                           <a:rPr lang="en-US" sz="2000" b="0" i="1" smtClean="0">
                             <a:latin typeface="Cambria Math" panose="02040503050406030204" pitchFamily="18" charset="0"/>
                             <a:ea typeface="Cambria Math" panose="02040503050406030204" pitchFamily="18" charset="0"/>
                           </a:rPr>
-                          <m:t>𝑄</m:t>
+                          <m:t>,</m:t>
                         </m:r>
-                      </m:e>
-                      <m:sub>
+                        <m:sSub>
+                          <m:sSubPr>
+                            <m:ctrlPr>
+                              <a:rPr lang="en-US" sz="2000" b="0" i="1" smtClean="0">
+                                <a:latin typeface="Cambria Math" panose="02040503050406030204" pitchFamily="18" charset="0"/>
+                                <a:ea typeface="Cambria Math" panose="02040503050406030204" pitchFamily="18" charset="0"/>
+                              </a:rPr>
+                            </m:ctrlPr>
+                          </m:sSubPr>
+                          <m:e>
+                            <m:r>
+                              <m:rPr>
+                                <m:sty m:val="p"/>
+                              </m:rPr>
+                              <a:rPr lang="en-US" sz="2000" b="0" i="0" smtClean="0">
+                                <a:latin typeface="Cambria Math" panose="02040503050406030204" pitchFamily="18" charset="0"/>
+                                <a:ea typeface="Cambria Math" panose="02040503050406030204" pitchFamily="18" charset="0"/>
+                              </a:rPr>
+                              <m:t>Θ</m:t>
+                            </m:r>
+                          </m:e>
+                          <m:sub>
+                            <m:r>
+                              <a:rPr lang="en-US" sz="2000" b="0" i="1" smtClean="0">
+                                <a:latin typeface="Cambria Math" panose="02040503050406030204" pitchFamily="18" charset="0"/>
+                                <a:ea typeface="Cambria Math" panose="02040503050406030204" pitchFamily="18" charset="0"/>
+                              </a:rPr>
+                              <m:t>𝑅</m:t>
+                            </m:r>
+                          </m:sub>
+                        </m:sSub>
                         <m:r>
                           <a:rPr lang="en-US" sz="2000" b="0" i="1" smtClean="0">
                             <a:latin typeface="Cambria Math" panose="02040503050406030204" pitchFamily="18" charset="0"/>
                             <a:ea typeface="Cambria Math" panose="02040503050406030204" pitchFamily="18" charset="0"/>
                           </a:rPr>
-                          <m:t>𝑅</m:t>
+                          <m:t>,</m:t>
                         </m:r>
-                      </m:sub>
-                    </m:sSub>
-                    <m:r>
-                      <a:rPr lang="en-US" sz="2000" b="0" i="1" smtClean="0">
+                        <m:sSub>
+                          <m:sSubPr>
+                            <m:ctrlPr>
+                              <a:rPr lang="en-US" sz="2000" b="0" i="1" smtClean="0">
+                                <a:latin typeface="Cambria Math" panose="02040503050406030204" pitchFamily="18" charset="0"/>
+                                <a:ea typeface="Cambria Math" panose="02040503050406030204" pitchFamily="18" charset="0"/>
+                              </a:rPr>
+                            </m:ctrlPr>
+                          </m:sSubPr>
+                          <m:e>
+                            <m:r>
+                              <a:rPr lang="en-US" sz="2000" b="0" i="1" smtClean="0">
+                                <a:latin typeface="Cambria Math" panose="02040503050406030204" pitchFamily="18" charset="0"/>
+                                <a:ea typeface="Cambria Math" panose="02040503050406030204" pitchFamily="18" charset="0"/>
+                              </a:rPr>
+                              <m:t>𝐷</m:t>
+                            </m:r>
+                          </m:e>
+                          <m:sub>
+                            <m:r>
+                              <a:rPr lang="en-US" sz="2000" b="0" i="1" smtClean="0">
+                                <a:latin typeface="Cambria Math" panose="02040503050406030204" pitchFamily="18" charset="0"/>
+                                <a:ea typeface="Cambria Math" panose="02040503050406030204" pitchFamily="18" charset="0"/>
+                              </a:rPr>
+                              <m:t>𝑅</m:t>
+                            </m:r>
+                          </m:sub>
+                        </m:sSub>
+                      </m:e>
+                    </m:d>
+                    <m:r>
+                      <a:rPr lang="en-US" sz="2000" b="0" i="0" smtClean="0">
                         <a:latin typeface="Cambria Math" panose="02040503050406030204" pitchFamily="18" charset="0"/>
                         <a:ea typeface="Cambria Math" panose="02040503050406030204" pitchFamily="18" charset="0"/>
                       </a:rPr>
-                      <m:t>,</m:t>
-                    </m:r>
-                    <m:sSub>
-                      <m:sSubPr>
-                        <m:ctrlPr>
-                          <a:rPr lang="en-US" sz="2000" b="0" i="1" smtClean="0">
-                            <a:latin typeface="Cambria Math" panose="02040503050406030204" pitchFamily="18" charset="0"/>
-                            <a:ea typeface="Cambria Math" panose="02040503050406030204" pitchFamily="18" charset="0"/>
-                          </a:rPr>
-                        </m:ctrlPr>
-                      </m:sSubPr>
-                      <m:e>
-                        <m:r>
-                          <m:rPr>
-                            <m:sty m:val="p"/>
-                          </m:rPr>
-                          <a:rPr lang="en-US" sz="2000" b="0" i="0" smtClean="0">
-                            <a:latin typeface="Cambria Math" panose="02040503050406030204" pitchFamily="18" charset="0"/>
-                            <a:ea typeface="Cambria Math" panose="02040503050406030204" pitchFamily="18" charset="0"/>
-                          </a:rPr>
-                          <m:t>Θ</m:t>
-                        </m:r>
-                      </m:e>
-                      <m:sub>
-                        <m:r>
-                          <a:rPr lang="en-US" sz="2000" b="0" i="1" smtClean="0">
-                            <a:latin typeface="Cambria Math" panose="02040503050406030204" pitchFamily="18" charset="0"/>
-                            <a:ea typeface="Cambria Math" panose="02040503050406030204" pitchFamily="18" charset="0"/>
-                          </a:rPr>
-                          <m:t>𝑅</m:t>
-                        </m:r>
-                      </m:sub>
-                    </m:sSub>
-                    <m:r>
-                      <a:rPr lang="en-US" sz="2000" b="0" i="1" smtClean="0">
-                        <a:latin typeface="Cambria Math" panose="02040503050406030204" pitchFamily="18" charset="0"/>
-                        <a:ea typeface="Cambria Math" panose="02040503050406030204" pitchFamily="18" charset="0"/>
-                      </a:rPr>
-                      <m:t>,</m:t>
-                    </m:r>
-                    <m:sSub>
-                      <m:sSubPr>
-                        <m:ctrlPr>
-                          <a:rPr lang="en-US" sz="2000" b="0" i="1" smtClean="0">
-                            <a:latin typeface="Cambria Math" panose="02040503050406030204" pitchFamily="18" charset="0"/>
-                            <a:ea typeface="Cambria Math" panose="02040503050406030204" pitchFamily="18" charset="0"/>
-                          </a:rPr>
-                        </m:ctrlPr>
-                      </m:sSubPr>
-                      <m:e>
-                        <m:r>
-                          <a:rPr lang="en-US" sz="2000" b="0" i="1" smtClean="0">
-                            <a:latin typeface="Cambria Math" panose="02040503050406030204" pitchFamily="18" charset="0"/>
-                            <a:ea typeface="Cambria Math" panose="02040503050406030204" pitchFamily="18" charset="0"/>
-                          </a:rPr>
-                          <m:t>𝐷</m:t>
-                        </m:r>
-                      </m:e>
-                      <m:sub>
-                        <m:r>
-                          <a:rPr lang="en-US" sz="2000" b="0" i="1" smtClean="0">
-                            <a:latin typeface="Cambria Math" panose="02040503050406030204" pitchFamily="18" charset="0"/>
-                            <a:ea typeface="Cambria Math" panose="02040503050406030204" pitchFamily="18" charset="0"/>
-                          </a:rPr>
-                          <m:t>𝑅</m:t>
-                        </m:r>
-                      </m:sub>
-                    </m:sSub>
-                    <m:r>
-                      <a:rPr lang="en-US" sz="2000" b="0" i="1" smtClean="0">
-                        <a:latin typeface="Cambria Math" panose="02040503050406030204" pitchFamily="18" charset="0"/>
-                        <a:ea typeface="Cambria Math" panose="02040503050406030204" pitchFamily="18" charset="0"/>
-                      </a:rPr>
-                      <m:t>⟩</m:t>
+                      <m:t>. </m:t>
                     </m:r>
                   </m:oMath>
                 </a14:m>
-                <a:r>
-                  <a:rPr lang="en-US" sz="2000" dirty="0"/>
-                  <a:t> such that (</a:t>
-                </a:r>
-                <a:r>
-                  <a:rPr lang="en-US" sz="2000" dirty="0" err="1"/>
-                  <a:t>i</a:t>
-                </a:r>
-                <a:r>
-                  <a:rPr lang="en-US" sz="2000" dirty="0"/>
-                  <a:t>) </a:t>
-                </a:r>
+                <a:endParaRPr lang="en-US" sz="2000" dirty="0"/>
+              </a:p>
+              <a:p>
+                <a:pPr marL="514350" indent="-514350">
+                  <a:buAutoNum type="romanLcParenBoth"/>
+                </a:pPr>
                 <a14:m>
                   <m:oMath xmlns:m="http://schemas.openxmlformats.org/officeDocument/2006/math">
                     <m:r>
@@ -8617,8 +8835,13 @@
                 </a14:m>
                 <a:r>
                   <a:rPr lang="en-US" sz="2000" dirty="0"/>
-                  <a:t> visits the same set of locations (but does not have  timing information) and (ii) </a:t>
-                </a:r>
+                  <a:t> visits the same set of modes (but does not have  timing information) and </a:t>
+                </a:r>
+              </a:p>
+              <a:p>
+                <a:pPr marL="514350" indent="-514350">
+                  <a:buAutoNum type="romanLcParenBoth"/>
+                </a:pPr>
                 <a14:m>
                   <m:oMath xmlns:m="http://schemas.openxmlformats.org/officeDocument/2006/math">
                     <m:r>
@@ -8660,11 +8883,6 @@
                 </a:r>
               </a:p>
               <a:p>
-                <a:pPr>
-                  <a:lnSpc>
-                    <a:spcPct val="120000"/>
-                  </a:lnSpc>
-                </a:pPr>
                 <a:r>
                   <a:rPr lang="en-US" sz="2000" dirty="0"/>
                   <a:t>ITA (clock constants) defines a set of  clock regions, say </a:t>
@@ -8792,11 +9010,6 @@
                 <a:endParaRPr lang="en-US" sz="2000" dirty="0"/>
               </a:p>
               <a:p>
-                <a:pPr>
-                  <a:lnSpc>
-                    <a:spcPct val="120000"/>
-                  </a:lnSpc>
-                </a:pPr>
                 <a14:m>
                   <m:oMath xmlns:m="http://schemas.openxmlformats.org/officeDocument/2006/math">
                     <m:sSub>
@@ -8884,11 +9097,6 @@
                 <a:endParaRPr lang="en-US" sz="2000" dirty="0"/>
               </a:p>
               <a:p>
-                <a:pPr>
-                  <a:lnSpc>
-                    <a:spcPct val="120000"/>
-                  </a:lnSpc>
-                </a:pPr>
                 <a14:m>
                   <m:oMath xmlns:m="http://schemas.openxmlformats.org/officeDocument/2006/math">
                     <m:r>
@@ -8927,11 +9135,7 @@
                 </a:r>
               </a:p>
               <a:p>
-                <a:pPr lvl="1">
-                  <a:lnSpc>
-                    <a:spcPct val="120000"/>
-                  </a:lnSpc>
-                </a:pPr>
+                <a:pPr lvl="1"/>
                 <a:r>
                   <a:rPr lang="en-US" sz="1600" b="1" dirty="0"/>
                   <a:t>Time successors</a:t>
@@ -9077,11 +9281,7 @@
                 </a:r>
               </a:p>
               <a:p>
-                <a:pPr lvl="1">
-                  <a:lnSpc>
-                    <a:spcPct val="120000"/>
-                  </a:lnSpc>
-                </a:pPr>
+                <a:pPr lvl="1"/>
                 <a:r>
                   <a:rPr lang="en-US" sz="1600" b="1" dirty="0"/>
                   <a:t>Discrete transitions</a:t>
@@ -9094,9 +9294,6 @@
               </a:p>
               <a:p>
                 <a:pPr marL="0" indent="0">
-                  <a:lnSpc>
-                    <a:spcPct val="120000"/>
-                  </a:lnSpc>
                   <a:buNone/>
                 </a:pPr>
                 <a:r>
@@ -9105,7 +9302,7 @@
                 </a:r>
                 <a:r>
                   <a:rPr lang="en-US" sz="2000" dirty="0"/>
-                  <a:t> A location of ITA </a:t>
+                  <a:t> A mode of ITA </a:t>
                 </a:r>
                 <a14:m>
                   <m:oMath xmlns:m="http://schemas.openxmlformats.org/officeDocument/2006/math">
@@ -9181,9 +9378,6 @@
               </a:p>
               <a:p>
                 <a:pPr marL="0" indent="0">
-                  <a:lnSpc>
-                    <a:spcPct val="120000"/>
-                  </a:lnSpc>
                   <a:buNone/>
                 </a:pPr>
                 <a:r>
@@ -9261,9 +9455,6 @@
               </a:p>
               <a:p>
                 <a:pPr marL="0" indent="0">
-                  <a:lnSpc>
-                    <a:spcPct val="120000"/>
-                  </a:lnSpc>
                   <a:buNone/>
                 </a:pPr>
                 <a:endParaRPr lang="en-US" sz="2000" dirty="0"/>
@@ -9271,7 +9462,7 @@
             </p:txBody>
           </p:sp>
         </mc:Choice>
-        <mc:Fallback xmlns="">
+        <mc:Fallback>
           <p:sp>
             <p:nvSpPr>
               <p:cNvPr id="3" name="Content Placeholder 2"/>
@@ -9290,7 +9481,7 @@
               <a:blipFill>
                 <a:blip r:embed="rId3"/>
                 <a:stretch>
-                  <a:fillRect l="-772" b="-12885"/>
+                  <a:fillRect l="-772" t="-838" b="-6145"/>
                 </a:stretch>
               </a:blipFill>
             </p:spPr>
@@ -9319,10 +9510,481 @@
   <p:clrMapOvr>
     <a:masterClrMapping/>
   </p:clrMapOvr>
+  <p:timing>
+    <p:tnLst>
+      <p:par>
+        <p:cTn id="1" dur="indefinite" restart="never" nodeType="tmRoot">
+          <p:childTnLst>
+            <p:seq concurrent="1" nextAc="seek">
+              <p:cTn id="2" dur="indefinite" nodeType="mainSeq">
+                <p:childTnLst>
+                  <p:par>
+                    <p:cTn id="3" fill="hold">
+                      <p:stCondLst>
+                        <p:cond delay="indefinite"/>
+                      </p:stCondLst>
+                      <p:childTnLst>
+                        <p:par>
+                          <p:cTn id="4" fill="hold">
+                            <p:stCondLst>
+                              <p:cond delay="0"/>
+                            </p:stCondLst>
+                            <p:childTnLst>
+                              <p:par>
+                                <p:cTn id="5" presetID="1" presetClass="entr" presetSubtype="0" fill="hold" nodeType="clickEffect">
+                                  <p:stCondLst>
+                                    <p:cond delay="0"/>
+                                  </p:stCondLst>
+                                  <p:childTnLst>
+                                    <p:set>
+                                      <p:cBhvr>
+                                        <p:cTn id="6" dur="1" fill="hold">
+                                          <p:stCondLst>
+                                            <p:cond delay="0"/>
+                                          </p:stCondLst>
+                                        </p:cTn>
+                                        <p:tgtEl>
+                                          <p:spTgt spid="3">
+                                            <p:txEl>
+                                              <p:pRg st="1" end="1"/>
+                                            </p:txEl>
+                                          </p:spTgt>
+                                        </p:tgtEl>
+                                        <p:attrNameLst>
+                                          <p:attrName>style.visibility</p:attrName>
+                                        </p:attrNameLst>
+                                      </p:cBhvr>
+                                      <p:to>
+                                        <p:strVal val="visible"/>
+                                      </p:to>
+                                    </p:set>
+                                  </p:childTnLst>
+                                </p:cTn>
+                              </p:par>
+                            </p:childTnLst>
+                          </p:cTn>
+                        </p:par>
+                      </p:childTnLst>
+                    </p:cTn>
+                  </p:par>
+                  <p:par>
+                    <p:cTn id="7" fill="hold">
+                      <p:stCondLst>
+                        <p:cond delay="indefinite"/>
+                      </p:stCondLst>
+                      <p:childTnLst>
+                        <p:par>
+                          <p:cTn id="8" fill="hold">
+                            <p:stCondLst>
+                              <p:cond delay="0"/>
+                            </p:stCondLst>
+                            <p:childTnLst>
+                              <p:par>
+                                <p:cTn id="9" presetID="1" presetClass="entr" presetSubtype="0" fill="hold" nodeType="clickEffect">
+                                  <p:stCondLst>
+                                    <p:cond delay="0"/>
+                                  </p:stCondLst>
+                                  <p:childTnLst>
+                                    <p:set>
+                                      <p:cBhvr>
+                                        <p:cTn id="10" dur="1" fill="hold">
+                                          <p:stCondLst>
+                                            <p:cond delay="0"/>
+                                          </p:stCondLst>
+                                        </p:cTn>
+                                        <p:tgtEl>
+                                          <p:spTgt spid="3">
+                                            <p:txEl>
+                                              <p:pRg st="2" end="2"/>
+                                            </p:txEl>
+                                          </p:spTgt>
+                                        </p:tgtEl>
+                                        <p:attrNameLst>
+                                          <p:attrName>style.visibility</p:attrName>
+                                        </p:attrNameLst>
+                                      </p:cBhvr>
+                                      <p:to>
+                                        <p:strVal val="visible"/>
+                                      </p:to>
+                                    </p:set>
+                                  </p:childTnLst>
+                                </p:cTn>
+                              </p:par>
+                            </p:childTnLst>
+                          </p:cTn>
+                        </p:par>
+                      </p:childTnLst>
+                    </p:cTn>
+                  </p:par>
+                  <p:par>
+                    <p:cTn id="11" fill="hold">
+                      <p:stCondLst>
+                        <p:cond delay="indefinite"/>
+                      </p:stCondLst>
+                      <p:childTnLst>
+                        <p:par>
+                          <p:cTn id="12" fill="hold">
+                            <p:stCondLst>
+                              <p:cond delay="0"/>
+                            </p:stCondLst>
+                            <p:childTnLst>
+                              <p:par>
+                                <p:cTn id="13" presetID="1" presetClass="entr" presetSubtype="0" fill="hold" nodeType="clickEffect">
+                                  <p:stCondLst>
+                                    <p:cond delay="0"/>
+                                  </p:stCondLst>
+                                  <p:childTnLst>
+                                    <p:set>
+                                      <p:cBhvr>
+                                        <p:cTn id="14" dur="1" fill="hold">
+                                          <p:stCondLst>
+                                            <p:cond delay="0"/>
+                                          </p:stCondLst>
+                                        </p:cTn>
+                                        <p:tgtEl>
+                                          <p:spTgt spid="3">
+                                            <p:txEl>
+                                              <p:pRg st="3" end="3"/>
+                                            </p:txEl>
+                                          </p:spTgt>
+                                        </p:tgtEl>
+                                        <p:attrNameLst>
+                                          <p:attrName>style.visibility</p:attrName>
+                                        </p:attrNameLst>
+                                      </p:cBhvr>
+                                      <p:to>
+                                        <p:strVal val="visible"/>
+                                      </p:to>
+                                    </p:set>
+                                  </p:childTnLst>
+                                </p:cTn>
+                              </p:par>
+                            </p:childTnLst>
+                          </p:cTn>
+                        </p:par>
+                      </p:childTnLst>
+                    </p:cTn>
+                  </p:par>
+                  <p:par>
+                    <p:cTn id="15" fill="hold">
+                      <p:stCondLst>
+                        <p:cond delay="indefinite"/>
+                      </p:stCondLst>
+                      <p:childTnLst>
+                        <p:par>
+                          <p:cTn id="16" fill="hold">
+                            <p:stCondLst>
+                              <p:cond delay="0"/>
+                            </p:stCondLst>
+                            <p:childTnLst>
+                              <p:par>
+                                <p:cTn id="17" presetID="1" presetClass="entr" presetSubtype="0" fill="hold" nodeType="clickEffect">
+                                  <p:stCondLst>
+                                    <p:cond delay="0"/>
+                                  </p:stCondLst>
+                                  <p:childTnLst>
+                                    <p:set>
+                                      <p:cBhvr>
+                                        <p:cTn id="18" dur="1" fill="hold">
+                                          <p:stCondLst>
+                                            <p:cond delay="0"/>
+                                          </p:stCondLst>
+                                        </p:cTn>
+                                        <p:tgtEl>
+                                          <p:spTgt spid="3">
+                                            <p:txEl>
+                                              <p:pRg st="4" end="4"/>
+                                            </p:txEl>
+                                          </p:spTgt>
+                                        </p:tgtEl>
+                                        <p:attrNameLst>
+                                          <p:attrName>style.visibility</p:attrName>
+                                        </p:attrNameLst>
+                                      </p:cBhvr>
+                                      <p:to>
+                                        <p:strVal val="visible"/>
+                                      </p:to>
+                                    </p:set>
+                                  </p:childTnLst>
+                                </p:cTn>
+                              </p:par>
+                            </p:childTnLst>
+                          </p:cTn>
+                        </p:par>
+                      </p:childTnLst>
+                    </p:cTn>
+                  </p:par>
+                  <p:par>
+                    <p:cTn id="19" fill="hold">
+                      <p:stCondLst>
+                        <p:cond delay="indefinite"/>
+                      </p:stCondLst>
+                      <p:childTnLst>
+                        <p:par>
+                          <p:cTn id="20" fill="hold">
+                            <p:stCondLst>
+                              <p:cond delay="0"/>
+                            </p:stCondLst>
+                            <p:childTnLst>
+                              <p:par>
+                                <p:cTn id="21" presetID="1" presetClass="entr" presetSubtype="0" fill="hold" nodeType="clickEffect">
+                                  <p:stCondLst>
+                                    <p:cond delay="0"/>
+                                  </p:stCondLst>
+                                  <p:childTnLst>
+                                    <p:set>
+                                      <p:cBhvr>
+                                        <p:cTn id="22" dur="1" fill="hold">
+                                          <p:stCondLst>
+                                            <p:cond delay="0"/>
+                                          </p:stCondLst>
+                                        </p:cTn>
+                                        <p:tgtEl>
+                                          <p:spTgt spid="3">
+                                            <p:txEl>
+                                              <p:pRg st="5" end="5"/>
+                                            </p:txEl>
+                                          </p:spTgt>
+                                        </p:tgtEl>
+                                        <p:attrNameLst>
+                                          <p:attrName>style.visibility</p:attrName>
+                                        </p:attrNameLst>
+                                      </p:cBhvr>
+                                      <p:to>
+                                        <p:strVal val="visible"/>
+                                      </p:to>
+                                    </p:set>
+                                  </p:childTnLst>
+                                </p:cTn>
+                              </p:par>
+                            </p:childTnLst>
+                          </p:cTn>
+                        </p:par>
+                      </p:childTnLst>
+                    </p:cTn>
+                  </p:par>
+                  <p:par>
+                    <p:cTn id="23" fill="hold">
+                      <p:stCondLst>
+                        <p:cond delay="indefinite"/>
+                      </p:stCondLst>
+                      <p:childTnLst>
+                        <p:par>
+                          <p:cTn id="24" fill="hold">
+                            <p:stCondLst>
+                              <p:cond delay="0"/>
+                            </p:stCondLst>
+                            <p:childTnLst>
+                              <p:par>
+                                <p:cTn id="25" presetID="1" presetClass="entr" presetSubtype="0" fill="hold" nodeType="clickEffect">
+                                  <p:stCondLst>
+                                    <p:cond delay="0"/>
+                                  </p:stCondLst>
+                                  <p:childTnLst>
+                                    <p:set>
+                                      <p:cBhvr>
+                                        <p:cTn id="26" dur="1" fill="hold">
+                                          <p:stCondLst>
+                                            <p:cond delay="0"/>
+                                          </p:stCondLst>
+                                        </p:cTn>
+                                        <p:tgtEl>
+                                          <p:spTgt spid="3">
+                                            <p:txEl>
+                                              <p:pRg st="6" end="6"/>
+                                            </p:txEl>
+                                          </p:spTgt>
+                                        </p:tgtEl>
+                                        <p:attrNameLst>
+                                          <p:attrName>style.visibility</p:attrName>
+                                        </p:attrNameLst>
+                                      </p:cBhvr>
+                                      <p:to>
+                                        <p:strVal val="visible"/>
+                                      </p:to>
+                                    </p:set>
+                                  </p:childTnLst>
+                                </p:cTn>
+                              </p:par>
+                            </p:childTnLst>
+                          </p:cTn>
+                        </p:par>
+                      </p:childTnLst>
+                    </p:cTn>
+                  </p:par>
+                  <p:par>
+                    <p:cTn id="27" fill="hold">
+                      <p:stCondLst>
+                        <p:cond delay="indefinite"/>
+                      </p:stCondLst>
+                      <p:childTnLst>
+                        <p:par>
+                          <p:cTn id="28" fill="hold">
+                            <p:stCondLst>
+                              <p:cond delay="0"/>
+                            </p:stCondLst>
+                            <p:childTnLst>
+                              <p:par>
+                                <p:cTn id="29" presetID="1" presetClass="entr" presetSubtype="0" fill="hold" nodeType="clickEffect">
+                                  <p:stCondLst>
+                                    <p:cond delay="0"/>
+                                  </p:stCondLst>
+                                  <p:childTnLst>
+                                    <p:set>
+                                      <p:cBhvr>
+                                        <p:cTn id="30" dur="1" fill="hold">
+                                          <p:stCondLst>
+                                            <p:cond delay="0"/>
+                                          </p:stCondLst>
+                                        </p:cTn>
+                                        <p:tgtEl>
+                                          <p:spTgt spid="3">
+                                            <p:txEl>
+                                              <p:pRg st="7" end="7"/>
+                                            </p:txEl>
+                                          </p:spTgt>
+                                        </p:tgtEl>
+                                        <p:attrNameLst>
+                                          <p:attrName>style.visibility</p:attrName>
+                                        </p:attrNameLst>
+                                      </p:cBhvr>
+                                      <p:to>
+                                        <p:strVal val="visible"/>
+                                      </p:to>
+                                    </p:set>
+                                  </p:childTnLst>
+                                </p:cTn>
+                              </p:par>
+                            </p:childTnLst>
+                          </p:cTn>
+                        </p:par>
+                      </p:childTnLst>
+                    </p:cTn>
+                  </p:par>
+                  <p:par>
+                    <p:cTn id="31" fill="hold">
+                      <p:stCondLst>
+                        <p:cond delay="indefinite"/>
+                      </p:stCondLst>
+                      <p:childTnLst>
+                        <p:par>
+                          <p:cTn id="32" fill="hold">
+                            <p:stCondLst>
+                              <p:cond delay="0"/>
+                            </p:stCondLst>
+                            <p:childTnLst>
+                              <p:par>
+                                <p:cTn id="33" presetID="1" presetClass="entr" presetSubtype="0" fill="hold" nodeType="clickEffect">
+                                  <p:stCondLst>
+                                    <p:cond delay="0"/>
+                                  </p:stCondLst>
+                                  <p:childTnLst>
+                                    <p:set>
+                                      <p:cBhvr>
+                                        <p:cTn id="34" dur="1" fill="hold">
+                                          <p:stCondLst>
+                                            <p:cond delay="0"/>
+                                          </p:stCondLst>
+                                        </p:cTn>
+                                        <p:tgtEl>
+                                          <p:spTgt spid="3">
+                                            <p:txEl>
+                                              <p:pRg st="8" end="8"/>
+                                            </p:txEl>
+                                          </p:spTgt>
+                                        </p:tgtEl>
+                                        <p:attrNameLst>
+                                          <p:attrName>style.visibility</p:attrName>
+                                        </p:attrNameLst>
+                                      </p:cBhvr>
+                                      <p:to>
+                                        <p:strVal val="visible"/>
+                                      </p:to>
+                                    </p:set>
+                                  </p:childTnLst>
+                                </p:cTn>
+                              </p:par>
+                            </p:childTnLst>
+                          </p:cTn>
+                        </p:par>
+                      </p:childTnLst>
+                    </p:cTn>
+                  </p:par>
+                  <p:par>
+                    <p:cTn id="35" fill="hold">
+                      <p:stCondLst>
+                        <p:cond delay="indefinite"/>
+                      </p:stCondLst>
+                      <p:childTnLst>
+                        <p:par>
+                          <p:cTn id="36" fill="hold">
+                            <p:stCondLst>
+                              <p:cond delay="0"/>
+                            </p:stCondLst>
+                            <p:childTnLst>
+                              <p:par>
+                                <p:cTn id="37" presetID="1" presetClass="entr" presetSubtype="0" fill="hold" nodeType="clickEffect">
+                                  <p:stCondLst>
+                                    <p:cond delay="0"/>
+                                  </p:stCondLst>
+                                  <p:childTnLst>
+                                    <p:set>
+                                      <p:cBhvr>
+                                        <p:cTn id="38" dur="1" fill="hold">
+                                          <p:stCondLst>
+                                            <p:cond delay="0"/>
+                                          </p:stCondLst>
+                                        </p:cTn>
+                                        <p:tgtEl>
+                                          <p:spTgt spid="3">
+                                            <p:txEl>
+                                              <p:pRg st="9" end="9"/>
+                                            </p:txEl>
+                                          </p:spTgt>
+                                        </p:tgtEl>
+                                        <p:attrNameLst>
+                                          <p:attrName>style.visibility</p:attrName>
+                                        </p:attrNameLst>
+                                      </p:cBhvr>
+                                      <p:to>
+                                        <p:strVal val="visible"/>
+                                      </p:to>
+                                    </p:set>
+                                  </p:childTnLst>
+                                </p:cTn>
+                              </p:par>
+                            </p:childTnLst>
+                          </p:cTn>
+                        </p:par>
+                      </p:childTnLst>
+                    </p:cTn>
+                  </p:par>
+                </p:childTnLst>
+              </p:cTn>
+              <p:prevCondLst>
+                <p:cond evt="onPrev" delay="0">
+                  <p:tgtEl>
+                    <p:sldTgt/>
+                  </p:tgtEl>
+                </p:cond>
+              </p:prevCondLst>
+              <p:nextCondLst>
+                <p:cond evt="onNext" delay="0">
+                  <p:tgtEl>
+                    <p:sldTgt/>
+                  </p:tgtEl>
+                </p:cond>
+              </p:nextCondLst>
+            </p:seq>
+          </p:childTnLst>
+        </p:cTn>
+      </p:par>
+    </p:tnLst>
+  </p:timing>
 </p:sld>
 </file>
 
-<file path=ppt/slides/slide17.xml><?xml version="1.0" encoding="utf-8"?>
+<file path=ppt/slides/slide19.xml><?xml version="1.0" encoding="utf-8"?>
 <p:sld xmlns:a="http://schemas.openxmlformats.org/drawingml/2006/main" xmlns:r="http://schemas.openxmlformats.org/officeDocument/2006/relationships" xmlns:p="http://schemas.openxmlformats.org/presentationml/2006/main">
   <p:cSld>
     <p:spTree>
@@ -9470,7 +10132,286 @@
 </p:sld>
 </file>
 
-<file path=ppt/slides/slide18.xml><?xml version="1.0" encoding="utf-8"?>
+<file path=ppt/slides/slide2.xml><?xml version="1.0" encoding="utf-8"?>
+<p:sld xmlns:a="http://schemas.openxmlformats.org/drawingml/2006/main" xmlns:r="http://schemas.openxmlformats.org/officeDocument/2006/relationships" xmlns:p="http://schemas.openxmlformats.org/presentationml/2006/main">
+  <p:cSld>
+    <p:spTree>
+      <p:nvGrpSpPr>
+        <p:cNvPr id="1" name=""/>
+        <p:cNvGrpSpPr/>
+        <p:nvPr/>
+      </p:nvGrpSpPr>
+      <p:grpSpPr>
+        <a:xfrm>
+          <a:off x="0" y="0"/>
+          <a:ext cx="0" cy="0"/>
+          <a:chOff x="0" y="0"/>
+          <a:chExt cx="0" cy="0"/>
+        </a:xfrm>
+      </p:grpSpPr>
+      <p:sp>
+        <p:nvSpPr>
+          <p:cNvPr id="2" name="Title 1"/>
+          <p:cNvSpPr>
+            <a:spLocks noGrp="1"/>
+          </p:cNvSpPr>
+          <p:nvPr>
+            <p:ph type="title"/>
+          </p:nvPr>
+        </p:nvSpPr>
+        <p:spPr/>
+        <p:txBody>
+          <a:bodyPr/>
+          <a:lstStyle/>
+          <a:p>
+            <a:r>
+              <a:rPr lang="en-US" dirty="0"/>
+              <a:t>Next few lectures</a:t>
+            </a:r>
+          </a:p>
+        </p:txBody>
+      </p:sp>
+      <p:sp>
+        <p:nvSpPr>
+          <p:cNvPr id="3" name="Content Placeholder 2"/>
+          <p:cNvSpPr>
+            <a:spLocks noGrp="1"/>
+          </p:cNvSpPr>
+          <p:nvPr>
+            <p:ph idx="1"/>
+          </p:nvPr>
+        </p:nvSpPr>
+        <p:spPr>
+          <a:xfrm>
+            <a:off x="457200" y="1219200"/>
+            <a:ext cx="8229600" cy="4525963"/>
+          </a:xfrm>
+        </p:spPr>
+        <p:txBody>
+          <a:bodyPr>
+            <a:normAutofit lnSpcReduction="10000"/>
+          </a:bodyPr>
+          <a:lstStyle/>
+          <a:p>
+            <a:pPr marL="0" indent="0">
+              <a:buNone/>
+            </a:pPr>
+            <a:r>
+              <a:rPr lang="en-US" sz="2800" dirty="0">
+                <a:latin typeface="Calibri Light" panose="020F0302020204030204" pitchFamily="34" charset="0"/>
+                <a:cs typeface="Calibri Light" panose="020F0302020204030204" pitchFamily="34" charset="0"/>
+              </a:rPr>
+              <a:t>Focus on specific classes of hybrid </a:t>
+            </a:r>
+            <a:r>
+              <a:rPr lang="en-US" sz="2800" dirty="0"/>
+              <a:t>a</a:t>
+            </a:r>
+            <a:r>
+              <a:rPr lang="en-US" sz="2800" dirty="0">
+                <a:latin typeface="Calibri Light" panose="020F0302020204030204" pitchFamily="34" charset="0"/>
+                <a:cs typeface="Calibri Light" panose="020F0302020204030204" pitchFamily="34" charset="0"/>
+              </a:rPr>
+              <a:t>utomata for which safety properties (invariants) can be verified completely automatically</a:t>
+            </a:r>
+          </a:p>
+          <a:p>
+            <a:pPr lvl="1"/>
+            <a:r>
+              <a:rPr lang="en-US" sz="2400" dirty="0"/>
+              <a:t>Finite state machines</a:t>
+            </a:r>
+            <a:endParaRPr lang="en-US" sz="2400" dirty="0">
+              <a:latin typeface="Calibri Light" panose="020F0302020204030204" pitchFamily="34" charset="0"/>
+              <a:cs typeface="Calibri Light" panose="020F0302020204030204" pitchFamily="34" charset="0"/>
+            </a:endParaRPr>
+          </a:p>
+          <a:p>
+            <a:pPr lvl="1"/>
+            <a:r>
+              <a:rPr lang="en-US" sz="2400" dirty="0">
+                <a:latin typeface="Calibri Light" panose="020F0302020204030204" pitchFamily="34" charset="0"/>
+                <a:cs typeface="Calibri Light" panose="020F0302020204030204" pitchFamily="34" charset="0"/>
+              </a:rPr>
+              <a:t>Alur-Dill’s Timed Automata[1] (Today)</a:t>
+            </a:r>
+          </a:p>
+          <a:p>
+            <a:pPr lvl="1"/>
+            <a:r>
+              <a:rPr lang="en-US" sz="2400" dirty="0">
+                <a:latin typeface="Calibri Light" panose="020F0302020204030204" pitchFamily="34" charset="0"/>
+                <a:cs typeface="Calibri Light" panose="020F0302020204030204" pitchFamily="34" charset="0"/>
+              </a:rPr>
+              <a:t>Rectangular </a:t>
+            </a:r>
+            <a:r>
+              <a:rPr lang="en-US" sz="2400" dirty="0" err="1">
+                <a:latin typeface="Calibri Light" panose="020F0302020204030204" pitchFamily="34" charset="0"/>
+                <a:cs typeface="Calibri Light" panose="020F0302020204030204" pitchFamily="34" charset="0"/>
+              </a:rPr>
+              <a:t>initializaed</a:t>
+            </a:r>
+            <a:r>
+              <a:rPr lang="en-US" sz="2400" dirty="0">
+                <a:latin typeface="Calibri Light" panose="020F0302020204030204" pitchFamily="34" charset="0"/>
+                <a:cs typeface="Calibri Light" panose="020F0302020204030204" pitchFamily="34" charset="0"/>
+              </a:rPr>
+              <a:t> hybrid automata</a:t>
+            </a:r>
+          </a:p>
+          <a:p>
+            <a:pPr lvl="1"/>
+            <a:r>
+              <a:rPr lang="en-US" sz="2400" dirty="0">
+                <a:latin typeface="Calibri Light" panose="020F0302020204030204" pitchFamily="34" charset="0"/>
+                <a:cs typeface="Calibri Light" panose="020F0302020204030204" pitchFamily="34" charset="0"/>
+              </a:rPr>
+              <a:t>Linear hybrid automata</a:t>
+            </a:r>
+          </a:p>
+          <a:p>
+            <a:pPr lvl="1"/>
+            <a:r>
+              <a:rPr lang="en-US" sz="2400" dirty="0">
+                <a:latin typeface="Calibri Light" panose="020F0302020204030204" pitchFamily="34" charset="0"/>
+                <a:cs typeface="Calibri Light" panose="020F0302020204030204" pitchFamily="34" charset="0"/>
+              </a:rPr>
+              <a:t>…</a:t>
+            </a:r>
+          </a:p>
+          <a:p>
+            <a:pPr marL="0" indent="0">
+              <a:buNone/>
+            </a:pPr>
+            <a:r>
+              <a:rPr lang="en-US" sz="2800" dirty="0">
+                <a:latin typeface="Calibri Light" panose="020F0302020204030204" pitchFamily="34" charset="0"/>
+                <a:cs typeface="Calibri Light" panose="020F0302020204030204" pitchFamily="34" charset="0"/>
+              </a:rPr>
+              <a:t>We will introduce </a:t>
+            </a:r>
+            <a:r>
+              <a:rPr lang="en-US" sz="2800" b="1" i="1" dirty="0">
+                <a:latin typeface="Calibri Light" panose="020F0302020204030204" pitchFamily="34" charset="0"/>
+                <a:cs typeface="Calibri Light" panose="020F0302020204030204" pitchFamily="34" charset="0"/>
+              </a:rPr>
+              <a:t>abstractions: </a:t>
+            </a:r>
+            <a:r>
+              <a:rPr lang="en-US" sz="2800" dirty="0">
+                <a:latin typeface="Calibri Light" panose="020F0302020204030204" pitchFamily="34" charset="0"/>
+                <a:cs typeface="Calibri Light" panose="020F0302020204030204" pitchFamily="34" charset="0"/>
+              </a:rPr>
+              <a:t>Simplifying or approximating one automaton </a:t>
+            </a:r>
+            <a:r>
+              <a:rPr lang="en-US" sz="2800" b="1" dirty="0">
+                <a:latin typeface="Calibri Light" panose="020F0302020204030204" pitchFamily="34" charset="0"/>
+                <a:cs typeface="Calibri Light" panose="020F0302020204030204" pitchFamily="34" charset="0"/>
+              </a:rPr>
+              <a:t>A </a:t>
+            </a:r>
+            <a:r>
+              <a:rPr lang="en-US" sz="2800" dirty="0">
+                <a:latin typeface="Calibri Light" panose="020F0302020204030204" pitchFamily="34" charset="0"/>
+                <a:cs typeface="Calibri Light" panose="020F0302020204030204" pitchFamily="34" charset="0"/>
+              </a:rPr>
+              <a:t>with another automaton </a:t>
+            </a:r>
+            <a:r>
+              <a:rPr lang="en-US" sz="2800" b="1" dirty="0">
+                <a:latin typeface="Calibri Light" panose="020F0302020204030204" pitchFamily="34" charset="0"/>
+                <a:cs typeface="Calibri Light" panose="020F0302020204030204" pitchFamily="34" charset="0"/>
+              </a:rPr>
+              <a:t>B</a:t>
+            </a:r>
+            <a:endParaRPr lang="en-US" sz="2800" i="1" dirty="0">
+              <a:latin typeface="Calibri Light" panose="020F0302020204030204" pitchFamily="34" charset="0"/>
+              <a:cs typeface="Calibri Light" panose="020F0302020204030204" pitchFamily="34" charset="0"/>
+            </a:endParaRPr>
+          </a:p>
+          <a:p>
+            <a:pPr lvl="1"/>
+            <a:endParaRPr lang="en-US" sz="2400" dirty="0">
+              <a:latin typeface="Calibri Light" panose="020F0302020204030204" pitchFamily="34" charset="0"/>
+              <a:cs typeface="Calibri Light" panose="020F0302020204030204" pitchFamily="34" charset="0"/>
+            </a:endParaRPr>
+          </a:p>
+        </p:txBody>
+      </p:sp>
+      <p:sp>
+        <p:nvSpPr>
+          <p:cNvPr id="4" name="Rectangle 3"/>
+          <p:cNvSpPr/>
+          <p:nvPr/>
+        </p:nvSpPr>
+        <p:spPr>
+          <a:xfrm>
+            <a:off x="762000" y="5867400"/>
+            <a:ext cx="7924800" cy="646331"/>
+          </a:xfrm>
+          <a:prstGeom prst="rect">
+            <a:avLst/>
+          </a:prstGeom>
+        </p:spPr>
+        <p:txBody>
+          <a:bodyPr wrap="square">
+            <a:spAutoFit/>
+          </a:bodyPr>
+          <a:lstStyle/>
+          <a:p>
+            <a:r>
+              <a:rPr lang="en-US" dirty="0"/>
+              <a:t>[1] Rajeev </a:t>
+            </a:r>
+            <a:r>
+              <a:rPr lang="en-US" dirty="0" err="1"/>
+              <a:t>Alur</a:t>
+            </a:r>
+            <a:r>
+              <a:rPr lang="en-US" dirty="0"/>
+              <a:t> et al. </a:t>
+            </a:r>
+            <a:r>
+              <a:rPr lang="en-US" dirty="0">
+                <a:hlinkClick r:id="rId2"/>
+              </a:rPr>
+              <a:t>The Algorithmic Analysis </a:t>
+            </a:r>
+            <a:r>
+              <a:rPr lang="en-US" dirty="0" err="1">
+                <a:hlinkClick r:id="rId2"/>
+              </a:rPr>
+              <a:t>ofHybrid</a:t>
+            </a:r>
+            <a:r>
+              <a:rPr lang="en-US" dirty="0">
+                <a:hlinkClick r:id="rId2"/>
+              </a:rPr>
+              <a:t> Systems</a:t>
+            </a:r>
+            <a:r>
+              <a:rPr lang="en-US" dirty="0"/>
+              <a:t>. Theoretical Computer Science, volume 138, pages 3-34, 1995. </a:t>
+            </a:r>
+          </a:p>
+        </p:txBody>
+      </p:sp>
+    </p:spTree>
+    <p:extLst>
+      <p:ext uri="{BB962C8B-B14F-4D97-AF65-F5344CB8AC3E}">
+        <p14:creationId xmlns:p14="http://schemas.microsoft.com/office/powerpoint/2010/main" val="2558893289"/>
+      </p:ext>
+    </p:extLst>
+  </p:cSld>
+  <p:clrMapOvr>
+    <a:masterClrMapping/>
+  </p:clrMapOvr>
+</p:sld>
+</file>
+
+<file path=ppt/slides/slide20.xml><?xml version="1.0" encoding="utf-8"?>
 <p:sld xmlns:a="http://schemas.openxmlformats.org/drawingml/2006/main" xmlns:r="http://schemas.openxmlformats.org/officeDocument/2006/relationships" xmlns:p="http://schemas.openxmlformats.org/presentationml/2006/main">
   <p:cSld>
     <p:spTree>
@@ -9719,7 +10660,7 @@
 </p:sld>
 </file>
 
-<file path=ppt/slides/slide19.xml><?xml version="1.0" encoding="utf-8"?>
+<file path=ppt/slides/slide21.xml><?xml version="1.0" encoding="utf-8"?>
 <p:sld xmlns:a="http://schemas.openxmlformats.org/drawingml/2006/main" xmlns:r="http://schemas.openxmlformats.org/officeDocument/2006/relationships" xmlns:p="http://schemas.openxmlformats.org/presentationml/2006/main">
   <p:cSld>
     <p:spTree>
@@ -10100,286 +11041,7 @@
 </p:sld>
 </file>
 
-<file path=ppt/slides/slide2.xml><?xml version="1.0" encoding="utf-8"?>
-<p:sld xmlns:a="http://schemas.openxmlformats.org/drawingml/2006/main" xmlns:r="http://schemas.openxmlformats.org/officeDocument/2006/relationships" xmlns:p="http://schemas.openxmlformats.org/presentationml/2006/main">
-  <p:cSld>
-    <p:spTree>
-      <p:nvGrpSpPr>
-        <p:cNvPr id="1" name=""/>
-        <p:cNvGrpSpPr/>
-        <p:nvPr/>
-      </p:nvGrpSpPr>
-      <p:grpSpPr>
-        <a:xfrm>
-          <a:off x="0" y="0"/>
-          <a:ext cx="0" cy="0"/>
-          <a:chOff x="0" y="0"/>
-          <a:chExt cx="0" cy="0"/>
-        </a:xfrm>
-      </p:grpSpPr>
-      <p:sp>
-        <p:nvSpPr>
-          <p:cNvPr id="2" name="Title 1"/>
-          <p:cNvSpPr>
-            <a:spLocks noGrp="1"/>
-          </p:cNvSpPr>
-          <p:nvPr>
-            <p:ph type="title"/>
-          </p:nvPr>
-        </p:nvSpPr>
-        <p:spPr/>
-        <p:txBody>
-          <a:bodyPr/>
-          <a:lstStyle/>
-          <a:p>
-            <a:r>
-              <a:rPr lang="en-US" dirty="0"/>
-              <a:t>Next few lectures</a:t>
-            </a:r>
-          </a:p>
-        </p:txBody>
-      </p:sp>
-      <p:sp>
-        <p:nvSpPr>
-          <p:cNvPr id="3" name="Content Placeholder 2"/>
-          <p:cNvSpPr>
-            <a:spLocks noGrp="1"/>
-          </p:cNvSpPr>
-          <p:nvPr>
-            <p:ph idx="1"/>
-          </p:nvPr>
-        </p:nvSpPr>
-        <p:spPr>
-          <a:xfrm>
-            <a:off x="457200" y="1219200"/>
-            <a:ext cx="8229600" cy="4525963"/>
-          </a:xfrm>
-        </p:spPr>
-        <p:txBody>
-          <a:bodyPr>
-            <a:normAutofit lnSpcReduction="10000"/>
-          </a:bodyPr>
-          <a:lstStyle/>
-          <a:p>
-            <a:pPr marL="0" indent="0">
-              <a:buNone/>
-            </a:pPr>
-            <a:r>
-              <a:rPr lang="en-US" sz="2800" dirty="0">
-                <a:latin typeface="Calibri Light" panose="020F0302020204030204" pitchFamily="34" charset="0"/>
-                <a:cs typeface="Calibri Light" panose="020F0302020204030204" pitchFamily="34" charset="0"/>
-              </a:rPr>
-              <a:t>Focus on specific classes of hybrid </a:t>
-            </a:r>
-            <a:r>
-              <a:rPr lang="en-US" sz="2800" dirty="0"/>
-              <a:t>a</a:t>
-            </a:r>
-            <a:r>
-              <a:rPr lang="en-US" sz="2800" dirty="0">
-                <a:latin typeface="Calibri Light" panose="020F0302020204030204" pitchFamily="34" charset="0"/>
-                <a:cs typeface="Calibri Light" panose="020F0302020204030204" pitchFamily="34" charset="0"/>
-              </a:rPr>
-              <a:t>utomata for which safety properties (invariants) can be verified completely automatically</a:t>
-            </a:r>
-          </a:p>
-          <a:p>
-            <a:pPr lvl="1"/>
-            <a:r>
-              <a:rPr lang="en-US" sz="2400" dirty="0"/>
-              <a:t>Finite state machines</a:t>
-            </a:r>
-            <a:endParaRPr lang="en-US" sz="2400" dirty="0">
-              <a:latin typeface="Calibri Light" panose="020F0302020204030204" pitchFamily="34" charset="0"/>
-              <a:cs typeface="Calibri Light" panose="020F0302020204030204" pitchFamily="34" charset="0"/>
-            </a:endParaRPr>
-          </a:p>
-          <a:p>
-            <a:pPr lvl="1"/>
-            <a:r>
-              <a:rPr lang="en-US" sz="2400" dirty="0">
-                <a:latin typeface="Calibri Light" panose="020F0302020204030204" pitchFamily="34" charset="0"/>
-                <a:cs typeface="Calibri Light" panose="020F0302020204030204" pitchFamily="34" charset="0"/>
-              </a:rPr>
-              <a:t>Alur-Dill’s Timed Automata[1] (Today)</a:t>
-            </a:r>
-          </a:p>
-          <a:p>
-            <a:pPr lvl="1"/>
-            <a:r>
-              <a:rPr lang="en-US" sz="2400" dirty="0">
-                <a:latin typeface="Calibri Light" panose="020F0302020204030204" pitchFamily="34" charset="0"/>
-                <a:cs typeface="Calibri Light" panose="020F0302020204030204" pitchFamily="34" charset="0"/>
-              </a:rPr>
-              <a:t>Rectangular </a:t>
-            </a:r>
-            <a:r>
-              <a:rPr lang="en-US" sz="2400" dirty="0" err="1">
-                <a:latin typeface="Calibri Light" panose="020F0302020204030204" pitchFamily="34" charset="0"/>
-                <a:cs typeface="Calibri Light" panose="020F0302020204030204" pitchFamily="34" charset="0"/>
-              </a:rPr>
-              <a:t>initializaed</a:t>
-            </a:r>
-            <a:r>
-              <a:rPr lang="en-US" sz="2400" dirty="0">
-                <a:latin typeface="Calibri Light" panose="020F0302020204030204" pitchFamily="34" charset="0"/>
-                <a:cs typeface="Calibri Light" panose="020F0302020204030204" pitchFamily="34" charset="0"/>
-              </a:rPr>
-              <a:t> hybrid automata</a:t>
-            </a:r>
-          </a:p>
-          <a:p>
-            <a:pPr lvl="1"/>
-            <a:r>
-              <a:rPr lang="en-US" sz="2400" dirty="0">
-                <a:latin typeface="Calibri Light" panose="020F0302020204030204" pitchFamily="34" charset="0"/>
-                <a:cs typeface="Calibri Light" panose="020F0302020204030204" pitchFamily="34" charset="0"/>
-              </a:rPr>
-              <a:t>Linear hybrid automata</a:t>
-            </a:r>
-          </a:p>
-          <a:p>
-            <a:pPr lvl="1"/>
-            <a:r>
-              <a:rPr lang="en-US" sz="2400" dirty="0">
-                <a:latin typeface="Calibri Light" panose="020F0302020204030204" pitchFamily="34" charset="0"/>
-                <a:cs typeface="Calibri Light" panose="020F0302020204030204" pitchFamily="34" charset="0"/>
-              </a:rPr>
-              <a:t>…</a:t>
-            </a:r>
-          </a:p>
-          <a:p>
-            <a:pPr marL="0" indent="0">
-              <a:buNone/>
-            </a:pPr>
-            <a:r>
-              <a:rPr lang="en-US" sz="2800" dirty="0">
-                <a:latin typeface="Calibri Light" panose="020F0302020204030204" pitchFamily="34" charset="0"/>
-                <a:cs typeface="Calibri Light" panose="020F0302020204030204" pitchFamily="34" charset="0"/>
-              </a:rPr>
-              <a:t>We will introduce </a:t>
-            </a:r>
-            <a:r>
-              <a:rPr lang="en-US" sz="2800" b="1" i="1" dirty="0">
-                <a:latin typeface="Calibri Light" panose="020F0302020204030204" pitchFamily="34" charset="0"/>
-                <a:cs typeface="Calibri Light" panose="020F0302020204030204" pitchFamily="34" charset="0"/>
-              </a:rPr>
-              <a:t>abstractions: </a:t>
-            </a:r>
-            <a:r>
-              <a:rPr lang="en-US" sz="2800" dirty="0">
-                <a:latin typeface="Calibri Light" panose="020F0302020204030204" pitchFamily="34" charset="0"/>
-                <a:cs typeface="Calibri Light" panose="020F0302020204030204" pitchFamily="34" charset="0"/>
-              </a:rPr>
-              <a:t>Simplifying or approximating one automaton </a:t>
-            </a:r>
-            <a:r>
-              <a:rPr lang="en-US" sz="2800" b="1" dirty="0">
-                <a:latin typeface="Calibri Light" panose="020F0302020204030204" pitchFamily="34" charset="0"/>
-                <a:cs typeface="Calibri Light" panose="020F0302020204030204" pitchFamily="34" charset="0"/>
-              </a:rPr>
-              <a:t>A </a:t>
-            </a:r>
-            <a:r>
-              <a:rPr lang="en-US" sz="2800" dirty="0">
-                <a:latin typeface="Calibri Light" panose="020F0302020204030204" pitchFamily="34" charset="0"/>
-                <a:cs typeface="Calibri Light" panose="020F0302020204030204" pitchFamily="34" charset="0"/>
-              </a:rPr>
-              <a:t>with another automaton </a:t>
-            </a:r>
-            <a:r>
-              <a:rPr lang="en-US" sz="2800" b="1" dirty="0">
-                <a:latin typeface="Calibri Light" panose="020F0302020204030204" pitchFamily="34" charset="0"/>
-                <a:cs typeface="Calibri Light" panose="020F0302020204030204" pitchFamily="34" charset="0"/>
-              </a:rPr>
-              <a:t>B</a:t>
-            </a:r>
-            <a:endParaRPr lang="en-US" sz="2800" i="1" dirty="0">
-              <a:latin typeface="Calibri Light" panose="020F0302020204030204" pitchFamily="34" charset="0"/>
-              <a:cs typeface="Calibri Light" panose="020F0302020204030204" pitchFamily="34" charset="0"/>
-            </a:endParaRPr>
-          </a:p>
-          <a:p>
-            <a:pPr lvl="1"/>
-            <a:endParaRPr lang="en-US" sz="2400" dirty="0">
-              <a:latin typeface="Calibri Light" panose="020F0302020204030204" pitchFamily="34" charset="0"/>
-              <a:cs typeface="Calibri Light" panose="020F0302020204030204" pitchFamily="34" charset="0"/>
-            </a:endParaRPr>
-          </a:p>
-        </p:txBody>
-      </p:sp>
-      <p:sp>
-        <p:nvSpPr>
-          <p:cNvPr id="4" name="Rectangle 3"/>
-          <p:cNvSpPr/>
-          <p:nvPr/>
-        </p:nvSpPr>
-        <p:spPr>
-          <a:xfrm>
-            <a:off x="762000" y="5867400"/>
-            <a:ext cx="7924800" cy="646331"/>
-          </a:xfrm>
-          <a:prstGeom prst="rect">
-            <a:avLst/>
-          </a:prstGeom>
-        </p:spPr>
-        <p:txBody>
-          <a:bodyPr wrap="square">
-            <a:spAutoFit/>
-          </a:bodyPr>
-          <a:lstStyle/>
-          <a:p>
-            <a:r>
-              <a:rPr lang="en-US" dirty="0"/>
-              <a:t>[1] Rajeev </a:t>
-            </a:r>
-            <a:r>
-              <a:rPr lang="en-US" dirty="0" err="1"/>
-              <a:t>Alur</a:t>
-            </a:r>
-            <a:r>
-              <a:rPr lang="en-US" dirty="0"/>
-              <a:t> et al. </a:t>
-            </a:r>
-            <a:r>
-              <a:rPr lang="en-US" dirty="0">
-                <a:hlinkClick r:id="rId2"/>
-              </a:rPr>
-              <a:t>The Algorithmic Analysis </a:t>
-            </a:r>
-            <a:r>
-              <a:rPr lang="en-US" dirty="0" err="1">
-                <a:hlinkClick r:id="rId2"/>
-              </a:rPr>
-              <a:t>ofHybrid</a:t>
-            </a:r>
-            <a:r>
-              <a:rPr lang="en-US" dirty="0">
-                <a:hlinkClick r:id="rId2"/>
-              </a:rPr>
-              <a:t> Systems</a:t>
-            </a:r>
-            <a:r>
-              <a:rPr lang="en-US" dirty="0"/>
-              <a:t>. Theoretical Computer Science, volume 138, pages 3-34, 1995. </a:t>
-            </a:r>
-          </a:p>
-        </p:txBody>
-      </p:sp>
-    </p:spTree>
-    <p:extLst>
-      <p:ext uri="{BB962C8B-B14F-4D97-AF65-F5344CB8AC3E}">
-        <p14:creationId xmlns:p14="http://schemas.microsoft.com/office/powerpoint/2010/main" val="2558893289"/>
-      </p:ext>
-    </p:extLst>
-  </p:cSld>
-  <p:clrMapOvr>
-    <a:masterClrMapping/>
-  </p:clrMapOvr>
-</p:sld>
-</file>
-
-<file path=ppt/slides/slide20.xml><?xml version="1.0" encoding="utf-8"?>
+<file path=ppt/slides/slide22.xml><?xml version="1.0" encoding="utf-8"?>
 <p:sld xmlns:a="http://schemas.openxmlformats.org/drawingml/2006/main" xmlns:r="http://schemas.openxmlformats.org/officeDocument/2006/relationships" xmlns:p="http://schemas.openxmlformats.org/presentationml/2006/main">
   <p:cSld>
     <p:spTree>
@@ -10419,8 +11081,8 @@
         </p:blipFill>
         <p:spPr bwMode="auto">
           <a:xfrm>
-            <a:off x="3886200" y="228599"/>
-            <a:ext cx="4852988" cy="6100597"/>
+            <a:off x="3276599" y="-8915"/>
+            <a:ext cx="5462589" cy="6866915"/>
           </a:xfrm>
           <a:prstGeom prst="rect">
             <a:avLst/>
@@ -10880,7 +11542,7 @@
 </p:sld>
 </file>
 
-<file path=ppt/slides/slide21.xml><?xml version="1.0" encoding="utf-8"?>
+<file path=ppt/slides/slide23.xml><?xml version="1.0" encoding="utf-8"?>
 <p:sld xmlns:a="http://schemas.openxmlformats.org/drawingml/2006/main" xmlns:r="http://schemas.openxmlformats.org/officeDocument/2006/relationships" xmlns:p="http://schemas.openxmlformats.org/presentationml/2006/main">
   <p:cSld>
     <p:spTree>
@@ -10946,7 +11608,16 @@
               <a:rPr lang="en-US" dirty="0">
                 <a:sym typeface="Wingdings" pitchFamily="2" charset="2"/>
               </a:rPr>
-              <a:t>Timed Automata </a:t>
+              <a:t>Finite Automata</a:t>
+            </a:r>
+          </a:p>
+          <a:p>
+            <a:pPr lvl="1"/>
+            <a:r>
+              <a:rPr lang="en-US" dirty="0">
+                <a:sym typeface="Wingdings" pitchFamily="2" charset="2"/>
+              </a:rPr>
+              <a:t>Integral Timed Automata </a:t>
             </a:r>
             <a:r>
               <a:rPr lang="en-US" dirty="0">
@@ -11113,7 +11784,7 @@
                                         <p:tgtEl>
                                           <p:spTgt spid="4">
                                             <p:txEl>
-                                              <p:pRg st="0" end="0"/>
+                                              <p:pRg st="1" end="1"/>
                                             </p:txEl>
                                           </p:spTgt>
                                         </p:tgtEl>
@@ -11131,7 +11802,7 @@
                                         <p:tgtEl>
                                           <p:spTgt spid="4">
                                             <p:txEl>
-                                              <p:pRg st="0" end="0"/>
+                                              <p:pRg st="1" end="1"/>
                                             </p:txEl>
                                           </p:spTgt>
                                         </p:tgtEl>
@@ -11174,7 +11845,7 @@
                                         <p:tgtEl>
                                           <p:spTgt spid="4">
                                             <p:txEl>
-                                              <p:pRg st="1" end="1"/>
+                                              <p:pRg st="0" end="0"/>
                                             </p:txEl>
                                           </p:spTgt>
                                         </p:tgtEl>
@@ -11192,7 +11863,7 @@
                                         <p:tgtEl>
                                           <p:spTgt spid="4">
                                             <p:txEl>
-                                              <p:pRg st="1" end="1"/>
+                                              <p:pRg st="0" end="0"/>
                                             </p:txEl>
                                           </p:spTgt>
                                         </p:tgtEl>
@@ -11357,7 +12028,7 @@
                                         <p:tgtEl>
                                           <p:spTgt spid="4">
                                             <p:txEl>
-                                              <p:pRg st="5" end="5"/>
+                                              <p:pRg st="4" end="4"/>
                                             </p:txEl>
                                           </p:spTgt>
                                         </p:tgtEl>
@@ -11375,7 +12046,7 @@
                                         <p:tgtEl>
                                           <p:spTgt spid="4">
                                             <p:txEl>
-                                              <p:pRg st="5" end="5"/>
+                                              <p:pRg st="4" end="4"/>
                                             </p:txEl>
                                           </p:spTgt>
                                         </p:tgtEl>
@@ -11418,7 +12089,7 @@
                                         <p:tgtEl>
                                           <p:spTgt spid="4">
                                             <p:txEl>
-                                              <p:pRg st="7" end="7"/>
+                                              <p:pRg st="6" end="6"/>
                                             </p:txEl>
                                           </p:spTgt>
                                         </p:tgtEl>
@@ -11436,7 +12107,7 @@
                                         <p:tgtEl>
                                           <p:spTgt spid="4">
                                             <p:txEl>
-                                              <p:pRg st="7" end="7"/>
+                                              <p:pRg st="6" end="6"/>
                                             </p:txEl>
                                           </p:spTgt>
                                         </p:tgtEl>
@@ -11479,7 +12150,7 @@
                                         <p:tgtEl>
                                           <p:spTgt spid="4">
                                             <p:txEl>
-                                              <p:pRg st="9" end="9"/>
+                                              <p:pRg st="8" end="8"/>
                                             </p:txEl>
                                           </p:spTgt>
                                         </p:tgtEl>
@@ -11497,7 +12168,7 @@
                                         <p:tgtEl>
                                           <p:spTgt spid="4">
                                             <p:txEl>
-                                              <p:pRg st="9" end="9"/>
+                                              <p:pRg st="8" end="8"/>
                                             </p:txEl>
                                           </p:spTgt>
                                         </p:tgtEl>
@@ -11525,7 +12196,7 @@
                             </p:stCondLst>
                             <p:childTnLst>
                               <p:par>
-                                <p:cTn id="40" presetID="1" presetClass="entr" presetSubtype="0" fill="hold" nodeType="clickEffect">
+                                <p:cTn id="40" presetID="10" presetClass="entr" presetSubtype="0" fill="hold" nodeType="clickEffect">
                                   <p:stCondLst>
                                     <p:cond delay="0"/>
                                   </p:stCondLst>
@@ -11540,7 +12211,68 @@
                                         <p:tgtEl>
                                           <p:spTgt spid="4">
                                             <p:txEl>
-                                              <p:pRg st="3" end="3"/>
+                                              <p:pRg st="10" end="10"/>
+                                            </p:txEl>
+                                          </p:spTgt>
+                                        </p:tgtEl>
+                                        <p:attrNameLst>
+                                          <p:attrName>style.visibility</p:attrName>
+                                        </p:attrNameLst>
+                                      </p:cBhvr>
+                                      <p:to>
+                                        <p:strVal val="visible"/>
+                                      </p:to>
+                                    </p:set>
+                                    <p:animEffect transition="in" filter="fade">
+                                      <p:cBhvr>
+                                        <p:cTn id="42" dur="500"/>
+                                        <p:tgtEl>
+                                          <p:spTgt spid="4">
+                                            <p:txEl>
+                                              <p:pRg st="10" end="10"/>
+                                            </p:txEl>
+                                          </p:spTgt>
+                                        </p:tgtEl>
+                                      </p:cBhvr>
+                                    </p:animEffect>
+                                  </p:childTnLst>
+                                </p:cTn>
+                              </p:par>
+                            </p:childTnLst>
+                          </p:cTn>
+                        </p:par>
+                      </p:childTnLst>
+                    </p:cTn>
+                  </p:par>
+                  <p:par>
+                    <p:cTn id="43" fill="hold">
+                      <p:stCondLst>
+                        <p:cond delay="indefinite"/>
+                      </p:stCondLst>
+                      <p:childTnLst>
+                        <p:par>
+                          <p:cTn id="44" fill="hold">
+                            <p:stCondLst>
+                              <p:cond delay="0"/>
+                            </p:stCondLst>
+                            <p:childTnLst>
+                              <p:par>
+                                <p:cTn id="45" presetID="1" presetClass="entr" presetSubtype="0" fill="hold" nodeType="clickEffect">
+                                  <p:stCondLst>
+                                    <p:cond delay="0"/>
+                                  </p:stCondLst>
+                                  <p:childTnLst>
+                                    <p:set>
+                                      <p:cBhvr>
+                                        <p:cTn id="46" dur="1" fill="hold">
+                                          <p:stCondLst>
+                                            <p:cond delay="0"/>
+                                          </p:stCondLst>
+                                        </p:cTn>
+                                        <p:tgtEl>
+                                          <p:spTgt spid="4">
+                                            <p:txEl>
+                                              <p:pRg st="4" end="4"/>
                                             </p:txEl>
                                           </p:spTgt>
                                         </p:tgtEl>
@@ -11556,14 +12288,14 @@
                                 </p:cTn>
                               </p:par>
                               <p:par>
-                                <p:cTn id="42" presetID="1" presetClass="entr" presetSubtype="0" fill="hold" nodeType="withEffect">
+                                <p:cTn id="47" presetID="1" presetClass="entr" presetSubtype="0" fill="hold" nodeType="withEffect">
                                   <p:stCondLst>
                                     <p:cond delay="0"/>
                                   </p:stCondLst>
                                   <p:childTnLst>
                                     <p:set>
                                       <p:cBhvr>
-                                        <p:cTn id="43" dur="1" fill="hold">
+                                        <p:cTn id="48" dur="1" fill="hold">
                                           <p:stCondLst>
                                             <p:cond delay="0"/>
                                           </p:stCondLst>
@@ -11571,7 +12303,7 @@
                                         <p:tgtEl>
                                           <p:spTgt spid="4">
                                             <p:txEl>
-                                              <p:pRg st="5" end="5"/>
+                                              <p:pRg st="6" end="6"/>
                                             </p:txEl>
                                           </p:spTgt>
                                         </p:tgtEl>
@@ -11587,14 +12319,14 @@
                                 </p:cTn>
                               </p:par>
                               <p:par>
-                                <p:cTn id="44" presetID="1" presetClass="entr" presetSubtype="0" fill="hold" nodeType="withEffect">
+                                <p:cTn id="49" presetID="1" presetClass="entr" presetSubtype="0" fill="hold" nodeType="withEffect">
                                   <p:stCondLst>
                                     <p:cond delay="0"/>
                                   </p:stCondLst>
                                   <p:childTnLst>
                                     <p:set>
                                       <p:cBhvr>
-                                        <p:cTn id="45" dur="1" fill="hold">
+                                        <p:cTn id="50" dur="1" fill="hold">
                                           <p:stCondLst>
                                             <p:cond delay="0"/>
                                           </p:stCondLst>
@@ -11602,7 +12334,7 @@
                                         <p:tgtEl>
                                           <p:spTgt spid="4">
                                             <p:txEl>
-                                              <p:pRg st="7" end="7"/>
+                                              <p:pRg st="8" end="8"/>
                                             </p:txEl>
                                           </p:spTgt>
                                         </p:tgtEl>
@@ -11618,14 +12350,14 @@
                                 </p:cTn>
                               </p:par>
                               <p:par>
-                                <p:cTn id="46" presetID="1" presetClass="entr" presetSubtype="0" fill="hold" nodeType="withEffect">
+                                <p:cTn id="51" presetID="1" presetClass="entr" presetSubtype="0" fill="hold" nodeType="withEffect">
                                   <p:stCondLst>
                                     <p:cond delay="0"/>
                                   </p:stCondLst>
                                   <p:childTnLst>
                                     <p:set>
                                       <p:cBhvr>
-                                        <p:cTn id="47" dur="1" fill="hold">
+                                        <p:cTn id="52" dur="1" fill="hold">
                                           <p:stCondLst>
                                             <p:cond delay="0"/>
                                           </p:stCondLst>
@@ -11633,7 +12365,7 @@
                                         <p:tgtEl>
                                           <p:spTgt spid="4">
                                             <p:txEl>
-                                              <p:pRg st="9" end="9"/>
+                                              <p:pRg st="10" end="10"/>
                                             </p:txEl>
                                           </p:spTgt>
                                         </p:tgtEl>
@@ -11679,7 +12411,707 @@
 </p:sld>
 </file>
 
-<file path=ppt/slides/slide22.xml><?xml version="1.0" encoding="utf-8"?>
+<file path=ppt/slides/slide24.xml><?xml version="1.0" encoding="utf-8"?>
+<p:sld xmlns:a="http://schemas.openxmlformats.org/drawingml/2006/main" xmlns:r="http://schemas.openxmlformats.org/officeDocument/2006/relationships" xmlns:p="http://schemas.openxmlformats.org/presentationml/2006/main">
+  <p:cSld>
+    <p:spTree>
+      <p:nvGrpSpPr>
+        <p:cNvPr id="1" name=""/>
+        <p:cNvGrpSpPr/>
+        <p:nvPr/>
+      </p:nvGrpSpPr>
+      <p:grpSpPr>
+        <a:xfrm>
+          <a:off x="0" y="0"/>
+          <a:ext cx="0" cy="0"/>
+          <a:chOff x="0" y="0"/>
+          <a:chExt cx="0" cy="0"/>
+        </a:xfrm>
+      </p:grpSpPr>
+      <p:sp>
+        <p:nvSpPr>
+          <p:cNvPr id="5" name="Title 4">
+            <a:extLst>
+              <a:ext uri="{FF2B5EF4-FFF2-40B4-BE49-F238E27FC236}">
+                <a16:creationId xmlns:a16="http://schemas.microsoft.com/office/drawing/2014/main" id="{08919C90-B9E0-234F-A35A-8592D7EEFB85}"/>
+              </a:ext>
+            </a:extLst>
+          </p:cNvPr>
+          <p:cNvSpPr>
+            <a:spLocks noGrp="1"/>
+          </p:cNvSpPr>
+          <p:nvPr>
+            <p:ph type="title"/>
+          </p:nvPr>
+        </p:nvSpPr>
+        <p:spPr/>
+        <p:txBody>
+          <a:bodyPr>
+            <a:noAutofit/>
+          </a:bodyPr>
+          <a:lstStyle/>
+          <a:p>
+            <a:r>
+              <a:rPr lang="en-US" sz="2400" b="1" cap="all" dirty="0">
+                <a:hlinkClick r:id="rId2"/>
+              </a:rPr>
+              <a:t>ACM NEWS</a:t>
+            </a:r>
+            <a:r>
+              <a:rPr lang="en-US" sz="3600" b="1" cap="all" dirty="0">
+                <a:hlinkClick r:id="rId2"/>
+              </a:rPr>
+              <a:t>: </a:t>
+            </a:r>
+            <a:r>
+              <a:rPr lang="en-US" sz="3600" b="1" dirty="0">
+                <a:hlinkClick r:id="rId2"/>
+              </a:rPr>
+              <a:t>In Space, No One Can Fix Your Sign Errors--- Paul Cheng &amp; Peter Carian</a:t>
+            </a:r>
+            <a:endParaRPr lang="en-US" sz="3600" dirty="0"/>
+          </a:p>
+        </p:txBody>
+      </p:sp>
+      <p:sp>
+        <p:nvSpPr>
+          <p:cNvPr id="6" name="Content Placeholder 5">
+            <a:extLst>
+              <a:ext uri="{FF2B5EF4-FFF2-40B4-BE49-F238E27FC236}">
+                <a16:creationId xmlns:a16="http://schemas.microsoft.com/office/drawing/2014/main" id="{77335F73-E271-3540-AC4D-145417BD452E}"/>
+              </a:ext>
+            </a:extLst>
+          </p:cNvPr>
+          <p:cNvSpPr>
+            <a:spLocks noGrp="1"/>
+          </p:cNvSpPr>
+          <p:nvPr>
+            <p:ph idx="1"/>
+          </p:nvPr>
+        </p:nvSpPr>
+        <p:spPr>
+          <a:xfrm>
+            <a:off x="228601" y="1691296"/>
+            <a:ext cx="6497170" cy="4983162"/>
+          </a:xfrm>
+        </p:spPr>
+        <p:txBody>
+          <a:bodyPr>
+            <a:noAutofit/>
+          </a:bodyPr>
+          <a:lstStyle/>
+          <a:p>
+            <a:pPr marL="0" indent="0">
+              <a:buNone/>
+            </a:pPr>
+            <a:r>
+              <a:rPr lang="en-US" sz="2400" dirty="0">
+                <a:hlinkClick r:id="rId3"/>
+              </a:rPr>
+              <a:t>15,000 satellite</a:t>
+            </a:r>
+            <a:r>
+              <a:rPr lang="en-US" sz="2400" dirty="0"/>
+              <a:t> launches planned for the decade</a:t>
+            </a:r>
+          </a:p>
+          <a:p>
+            <a:pPr marL="0" indent="0">
+              <a:buNone/>
+            </a:pPr>
+            <a:r>
+              <a:rPr lang="en-US" sz="2400" dirty="0"/>
+              <a:t>5.3% satellites are lost in the first year, 42% of those in first 2 months</a:t>
+            </a:r>
+          </a:p>
+          <a:p>
+            <a:pPr marL="0" indent="0">
+              <a:buNone/>
+            </a:pPr>
+            <a:r>
+              <a:rPr lang="en-US" sz="2400" dirty="0"/>
+              <a:t>Most common cause </a:t>
+            </a:r>
+            <a:r>
+              <a:rPr lang="en-US" sz="2400" b="1" dirty="0"/>
+              <a:t>sign errors</a:t>
+            </a:r>
+            <a:r>
+              <a:rPr lang="en-US" sz="2400" dirty="0"/>
+              <a:t>: SW/HW parameter used the wrong way</a:t>
+            </a:r>
+          </a:p>
+          <a:p>
+            <a:r>
+              <a:rPr lang="en-US" sz="2400" dirty="0"/>
+              <a:t>fitting acceleration sensors the wrong way</a:t>
+            </a:r>
+          </a:p>
+          <a:p>
+            <a:r>
+              <a:rPr lang="en-US" sz="2400" dirty="0"/>
+              <a:t>wrong usage of negative instead of positive parameters </a:t>
+            </a:r>
+          </a:p>
+          <a:p>
+            <a:r>
+              <a:rPr lang="en-US" sz="2400" dirty="0"/>
+              <a:t>switching current in wrong direction in a circuit  </a:t>
+            </a:r>
+          </a:p>
+          <a:p>
+            <a:r>
+              <a:rPr lang="en-US" sz="2400" dirty="0"/>
+              <a:t>inverting the orientation of the electromagnets used for positioning</a:t>
+            </a:r>
+          </a:p>
+        </p:txBody>
+      </p:sp>
+      <p:pic>
+        <p:nvPicPr>
+          <p:cNvPr id="1026" name="Picture 2" descr="The Genesis sample return capsule on the ground in Utah. ">
+            <a:extLst>
+              <a:ext uri="{FF2B5EF4-FFF2-40B4-BE49-F238E27FC236}">
+                <a16:creationId xmlns:a16="http://schemas.microsoft.com/office/drawing/2014/main" id="{DA9F4146-E36A-1C4A-B075-3C482DBF32C4}"/>
+              </a:ext>
+            </a:extLst>
+          </p:cNvPr>
+          <p:cNvPicPr>
+            <a:picLocks noChangeAspect="1" noChangeArrowheads="1"/>
+          </p:cNvPicPr>
+          <p:nvPr/>
+        </p:nvPicPr>
+        <p:blipFill>
+          <a:blip r:embed="rId4">
+            <a:extLst>
+              <a:ext uri="{28A0092B-C50C-407E-A947-70E740481C1C}">
+                <a14:useLocalDpi xmlns:a14="http://schemas.microsoft.com/office/drawing/2010/main" val="0"/>
+              </a:ext>
+            </a:extLst>
+          </a:blip>
+          <a:srcRect/>
+          <a:stretch>
+            <a:fillRect/>
+          </a:stretch>
+        </p:blipFill>
+        <p:spPr bwMode="auto">
+          <a:xfrm>
+            <a:off x="6725771" y="1639328"/>
+            <a:ext cx="2321859" cy="2321859"/>
+          </a:xfrm>
+          <a:prstGeom prst="rect">
+            <a:avLst/>
+          </a:prstGeom>
+          <a:noFill/>
+          <a:extLst>
+            <a:ext uri="{909E8E84-426E-40DD-AFC4-6F175D3DCCD1}">
+              <a14:hiddenFill xmlns:a14="http://schemas.microsoft.com/office/drawing/2010/main">
+                <a:solidFill>
+                  <a:srgbClr val="FFFFFF"/>
+                </a:solidFill>
+              </a14:hiddenFill>
+            </a:ext>
+          </a:extLst>
+        </p:spPr>
+      </p:pic>
+      <p:sp>
+        <p:nvSpPr>
+          <p:cNvPr id="7" name="TextBox 6">
+            <a:extLst>
+              <a:ext uri="{FF2B5EF4-FFF2-40B4-BE49-F238E27FC236}">
+                <a16:creationId xmlns:a16="http://schemas.microsoft.com/office/drawing/2014/main" id="{5D673528-FEB3-7F4E-9186-8AD21C761674}"/>
+              </a:ext>
+            </a:extLst>
+          </p:cNvPr>
+          <p:cNvSpPr txBox="1"/>
+          <p:nvPr/>
+        </p:nvSpPr>
+        <p:spPr>
+          <a:xfrm>
+            <a:off x="6656294" y="4182877"/>
+            <a:ext cx="2391336" cy="2062103"/>
+          </a:xfrm>
+          <a:prstGeom prst="rect">
+            <a:avLst/>
+          </a:prstGeom>
+          <a:noFill/>
+        </p:spPr>
+        <p:txBody>
+          <a:bodyPr wrap="square" rtlCol="0">
+            <a:spAutoFit/>
+          </a:bodyPr>
+          <a:lstStyle/>
+          <a:p>
+            <a:pPr algn="just"/>
+            <a:r>
+              <a:rPr lang="en-US" sz="1600" dirty="0"/>
+              <a:t>Genesis (2001) for capturing particles from the solar wind, pounded into the Utah desert unbraked because a pencil-eraser-sized deceleration sensor was mounted upside-down.</a:t>
+            </a:r>
+          </a:p>
+        </p:txBody>
+      </p:sp>
+    </p:spTree>
+    <p:extLst>
+      <p:ext uri="{BB962C8B-B14F-4D97-AF65-F5344CB8AC3E}">
+        <p14:creationId xmlns:p14="http://schemas.microsoft.com/office/powerpoint/2010/main" val="1184137936"/>
+      </p:ext>
+    </p:extLst>
+  </p:cSld>
+  <p:clrMapOvr>
+    <a:masterClrMapping/>
+  </p:clrMapOvr>
+  <p:timing>
+    <p:tnLst>
+      <p:par>
+        <p:cTn id="1" dur="indefinite" restart="never" nodeType="tmRoot">
+          <p:childTnLst>
+            <p:seq concurrent="1" nextAc="seek">
+              <p:cTn id="2" dur="indefinite" nodeType="mainSeq">
+                <p:childTnLst>
+                  <p:par>
+                    <p:cTn id="3" fill="hold">
+                      <p:stCondLst>
+                        <p:cond delay="indefinite"/>
+                      </p:stCondLst>
+                      <p:childTnLst>
+                        <p:par>
+                          <p:cTn id="4" fill="hold">
+                            <p:stCondLst>
+                              <p:cond delay="0"/>
+                            </p:stCondLst>
+                            <p:childTnLst>
+                              <p:par>
+                                <p:cTn id="5" presetID="1" presetClass="entr" presetSubtype="0" fill="hold" nodeType="clickEffect">
+                                  <p:stCondLst>
+                                    <p:cond delay="0"/>
+                                  </p:stCondLst>
+                                  <p:childTnLst>
+                                    <p:set>
+                                      <p:cBhvr>
+                                        <p:cTn id="6" dur="1" fill="hold">
+                                          <p:stCondLst>
+                                            <p:cond delay="0"/>
+                                          </p:stCondLst>
+                                        </p:cTn>
+                                        <p:tgtEl>
+                                          <p:spTgt spid="6">
+                                            <p:txEl>
+                                              <p:pRg st="0" end="0"/>
+                                            </p:txEl>
+                                          </p:spTgt>
+                                        </p:tgtEl>
+                                        <p:attrNameLst>
+                                          <p:attrName>style.visibility</p:attrName>
+                                        </p:attrNameLst>
+                                      </p:cBhvr>
+                                      <p:to>
+                                        <p:strVal val="visible"/>
+                                      </p:to>
+                                    </p:set>
+                                  </p:childTnLst>
+                                </p:cTn>
+                              </p:par>
+                            </p:childTnLst>
+                          </p:cTn>
+                        </p:par>
+                      </p:childTnLst>
+                    </p:cTn>
+                  </p:par>
+                  <p:par>
+                    <p:cTn id="7" fill="hold">
+                      <p:stCondLst>
+                        <p:cond delay="indefinite"/>
+                      </p:stCondLst>
+                      <p:childTnLst>
+                        <p:par>
+                          <p:cTn id="8" fill="hold">
+                            <p:stCondLst>
+                              <p:cond delay="0"/>
+                            </p:stCondLst>
+                            <p:childTnLst>
+                              <p:par>
+                                <p:cTn id="9" presetID="1" presetClass="entr" presetSubtype="0" fill="hold" nodeType="clickEffect">
+                                  <p:stCondLst>
+                                    <p:cond delay="0"/>
+                                  </p:stCondLst>
+                                  <p:childTnLst>
+                                    <p:set>
+                                      <p:cBhvr>
+                                        <p:cTn id="10" dur="1" fill="hold">
+                                          <p:stCondLst>
+                                            <p:cond delay="0"/>
+                                          </p:stCondLst>
+                                        </p:cTn>
+                                        <p:tgtEl>
+                                          <p:spTgt spid="6">
+                                            <p:txEl>
+                                              <p:pRg st="1" end="1"/>
+                                            </p:txEl>
+                                          </p:spTgt>
+                                        </p:tgtEl>
+                                        <p:attrNameLst>
+                                          <p:attrName>style.visibility</p:attrName>
+                                        </p:attrNameLst>
+                                      </p:cBhvr>
+                                      <p:to>
+                                        <p:strVal val="visible"/>
+                                      </p:to>
+                                    </p:set>
+                                  </p:childTnLst>
+                                </p:cTn>
+                              </p:par>
+                            </p:childTnLst>
+                          </p:cTn>
+                        </p:par>
+                      </p:childTnLst>
+                    </p:cTn>
+                  </p:par>
+                  <p:par>
+                    <p:cTn id="11" fill="hold">
+                      <p:stCondLst>
+                        <p:cond delay="indefinite"/>
+                      </p:stCondLst>
+                      <p:childTnLst>
+                        <p:par>
+                          <p:cTn id="12" fill="hold">
+                            <p:stCondLst>
+                              <p:cond delay="0"/>
+                            </p:stCondLst>
+                            <p:childTnLst>
+                              <p:par>
+                                <p:cTn id="13" presetID="1" presetClass="entr" presetSubtype="0" fill="hold" nodeType="clickEffect">
+                                  <p:stCondLst>
+                                    <p:cond delay="0"/>
+                                  </p:stCondLst>
+                                  <p:childTnLst>
+                                    <p:set>
+                                      <p:cBhvr>
+                                        <p:cTn id="14" dur="1" fill="hold">
+                                          <p:stCondLst>
+                                            <p:cond delay="0"/>
+                                          </p:stCondLst>
+                                        </p:cTn>
+                                        <p:tgtEl>
+                                          <p:spTgt spid="6">
+                                            <p:txEl>
+                                              <p:pRg st="2" end="2"/>
+                                            </p:txEl>
+                                          </p:spTgt>
+                                        </p:tgtEl>
+                                        <p:attrNameLst>
+                                          <p:attrName>style.visibility</p:attrName>
+                                        </p:attrNameLst>
+                                      </p:cBhvr>
+                                      <p:to>
+                                        <p:strVal val="visible"/>
+                                      </p:to>
+                                    </p:set>
+                                  </p:childTnLst>
+                                </p:cTn>
+                              </p:par>
+                            </p:childTnLst>
+                          </p:cTn>
+                        </p:par>
+                      </p:childTnLst>
+                    </p:cTn>
+                  </p:par>
+                  <p:par>
+                    <p:cTn id="15" fill="hold">
+                      <p:stCondLst>
+                        <p:cond delay="indefinite"/>
+                      </p:stCondLst>
+                      <p:childTnLst>
+                        <p:par>
+                          <p:cTn id="16" fill="hold">
+                            <p:stCondLst>
+                              <p:cond delay="0"/>
+                            </p:stCondLst>
+                            <p:childTnLst>
+                              <p:par>
+                                <p:cTn id="17" presetID="1" presetClass="entr" presetSubtype="0" fill="hold" nodeType="clickEffect">
+                                  <p:stCondLst>
+                                    <p:cond delay="0"/>
+                                  </p:stCondLst>
+                                  <p:childTnLst>
+                                    <p:set>
+                                      <p:cBhvr>
+                                        <p:cTn id="18" dur="1" fill="hold">
+                                          <p:stCondLst>
+                                            <p:cond delay="0"/>
+                                          </p:stCondLst>
+                                        </p:cTn>
+                                        <p:tgtEl>
+                                          <p:spTgt spid="6">
+                                            <p:txEl>
+                                              <p:pRg st="3" end="3"/>
+                                            </p:txEl>
+                                          </p:spTgt>
+                                        </p:tgtEl>
+                                        <p:attrNameLst>
+                                          <p:attrName>style.visibility</p:attrName>
+                                        </p:attrNameLst>
+                                      </p:cBhvr>
+                                      <p:to>
+                                        <p:strVal val="visible"/>
+                                      </p:to>
+                                    </p:set>
+                                  </p:childTnLst>
+                                </p:cTn>
+                              </p:par>
+                            </p:childTnLst>
+                          </p:cTn>
+                        </p:par>
+                      </p:childTnLst>
+                    </p:cTn>
+                  </p:par>
+                  <p:par>
+                    <p:cTn id="19" fill="hold">
+                      <p:stCondLst>
+                        <p:cond delay="indefinite"/>
+                      </p:stCondLst>
+                      <p:childTnLst>
+                        <p:par>
+                          <p:cTn id="20" fill="hold">
+                            <p:stCondLst>
+                              <p:cond delay="0"/>
+                            </p:stCondLst>
+                            <p:childTnLst>
+                              <p:par>
+                                <p:cTn id="21" presetID="1" presetClass="entr" presetSubtype="0" fill="hold" nodeType="clickEffect">
+                                  <p:stCondLst>
+                                    <p:cond delay="0"/>
+                                  </p:stCondLst>
+                                  <p:childTnLst>
+                                    <p:set>
+                                      <p:cBhvr>
+                                        <p:cTn id="22" dur="1" fill="hold">
+                                          <p:stCondLst>
+                                            <p:cond delay="0"/>
+                                          </p:stCondLst>
+                                        </p:cTn>
+                                        <p:tgtEl>
+                                          <p:spTgt spid="6">
+                                            <p:txEl>
+                                              <p:pRg st="4" end="4"/>
+                                            </p:txEl>
+                                          </p:spTgt>
+                                        </p:tgtEl>
+                                        <p:attrNameLst>
+                                          <p:attrName>style.visibility</p:attrName>
+                                        </p:attrNameLst>
+                                      </p:cBhvr>
+                                      <p:to>
+                                        <p:strVal val="visible"/>
+                                      </p:to>
+                                    </p:set>
+                                  </p:childTnLst>
+                                </p:cTn>
+                              </p:par>
+                            </p:childTnLst>
+                          </p:cTn>
+                        </p:par>
+                      </p:childTnLst>
+                    </p:cTn>
+                  </p:par>
+                  <p:par>
+                    <p:cTn id="23" fill="hold">
+                      <p:stCondLst>
+                        <p:cond delay="indefinite"/>
+                      </p:stCondLst>
+                      <p:childTnLst>
+                        <p:par>
+                          <p:cTn id="24" fill="hold">
+                            <p:stCondLst>
+                              <p:cond delay="0"/>
+                            </p:stCondLst>
+                            <p:childTnLst>
+                              <p:par>
+                                <p:cTn id="25" presetID="1" presetClass="entr" presetSubtype="0" fill="hold" nodeType="clickEffect">
+                                  <p:stCondLst>
+                                    <p:cond delay="0"/>
+                                  </p:stCondLst>
+                                  <p:childTnLst>
+                                    <p:set>
+                                      <p:cBhvr>
+                                        <p:cTn id="26" dur="1" fill="hold">
+                                          <p:stCondLst>
+                                            <p:cond delay="0"/>
+                                          </p:stCondLst>
+                                        </p:cTn>
+                                        <p:tgtEl>
+                                          <p:spTgt spid="1026"/>
+                                        </p:tgtEl>
+                                        <p:attrNameLst>
+                                          <p:attrName>style.visibility</p:attrName>
+                                        </p:attrNameLst>
+                                      </p:cBhvr>
+                                      <p:to>
+                                        <p:strVal val="visible"/>
+                                      </p:to>
+                                    </p:set>
+                                  </p:childTnLst>
+                                </p:cTn>
+                              </p:par>
+                              <p:par>
+                                <p:cTn id="27" presetID="1" presetClass="entr" presetSubtype="0" fill="hold" grpId="0" nodeType="withEffect">
+                                  <p:stCondLst>
+                                    <p:cond delay="0"/>
+                                  </p:stCondLst>
+                                  <p:childTnLst>
+                                    <p:set>
+                                      <p:cBhvr>
+                                        <p:cTn id="28" dur="1" fill="hold">
+                                          <p:stCondLst>
+                                            <p:cond delay="0"/>
+                                          </p:stCondLst>
+                                        </p:cTn>
+                                        <p:tgtEl>
+                                          <p:spTgt spid="7"/>
+                                        </p:tgtEl>
+                                        <p:attrNameLst>
+                                          <p:attrName>style.visibility</p:attrName>
+                                        </p:attrNameLst>
+                                      </p:cBhvr>
+                                      <p:to>
+                                        <p:strVal val="visible"/>
+                                      </p:to>
+                                    </p:set>
+                                  </p:childTnLst>
+                                </p:cTn>
+                              </p:par>
+                            </p:childTnLst>
+                          </p:cTn>
+                        </p:par>
+                      </p:childTnLst>
+                    </p:cTn>
+                  </p:par>
+                  <p:par>
+                    <p:cTn id="29" fill="hold">
+                      <p:stCondLst>
+                        <p:cond delay="indefinite"/>
+                      </p:stCondLst>
+                      <p:childTnLst>
+                        <p:par>
+                          <p:cTn id="30" fill="hold">
+                            <p:stCondLst>
+                              <p:cond delay="0"/>
+                            </p:stCondLst>
+                            <p:childTnLst>
+                              <p:par>
+                                <p:cTn id="31" presetID="1" presetClass="entr" presetSubtype="0" fill="hold" nodeType="clickEffect">
+                                  <p:stCondLst>
+                                    <p:cond delay="0"/>
+                                  </p:stCondLst>
+                                  <p:childTnLst>
+                                    <p:set>
+                                      <p:cBhvr>
+                                        <p:cTn id="32" dur="1" fill="hold">
+                                          <p:stCondLst>
+                                            <p:cond delay="0"/>
+                                          </p:stCondLst>
+                                        </p:cTn>
+                                        <p:tgtEl>
+                                          <p:spTgt spid="6">
+                                            <p:txEl>
+                                              <p:pRg st="5" end="5"/>
+                                            </p:txEl>
+                                          </p:spTgt>
+                                        </p:tgtEl>
+                                        <p:attrNameLst>
+                                          <p:attrName>style.visibility</p:attrName>
+                                        </p:attrNameLst>
+                                      </p:cBhvr>
+                                      <p:to>
+                                        <p:strVal val="visible"/>
+                                      </p:to>
+                                    </p:set>
+                                  </p:childTnLst>
+                                </p:cTn>
+                              </p:par>
+                            </p:childTnLst>
+                          </p:cTn>
+                        </p:par>
+                      </p:childTnLst>
+                    </p:cTn>
+                  </p:par>
+                  <p:par>
+                    <p:cTn id="33" fill="hold">
+                      <p:stCondLst>
+                        <p:cond delay="indefinite"/>
+                      </p:stCondLst>
+                      <p:childTnLst>
+                        <p:par>
+                          <p:cTn id="34" fill="hold">
+                            <p:stCondLst>
+                              <p:cond delay="0"/>
+                            </p:stCondLst>
+                            <p:childTnLst>
+                              <p:par>
+                                <p:cTn id="35" presetID="1" presetClass="entr" presetSubtype="0" fill="hold" nodeType="clickEffect">
+                                  <p:stCondLst>
+                                    <p:cond delay="0"/>
+                                  </p:stCondLst>
+                                  <p:childTnLst>
+                                    <p:set>
+                                      <p:cBhvr>
+                                        <p:cTn id="36" dur="1" fill="hold">
+                                          <p:stCondLst>
+                                            <p:cond delay="0"/>
+                                          </p:stCondLst>
+                                        </p:cTn>
+                                        <p:tgtEl>
+                                          <p:spTgt spid="6">
+                                            <p:txEl>
+                                              <p:pRg st="6" end="6"/>
+                                            </p:txEl>
+                                          </p:spTgt>
+                                        </p:tgtEl>
+                                        <p:attrNameLst>
+                                          <p:attrName>style.visibility</p:attrName>
+                                        </p:attrNameLst>
+                                      </p:cBhvr>
+                                      <p:to>
+                                        <p:strVal val="visible"/>
+                                      </p:to>
+                                    </p:set>
+                                  </p:childTnLst>
+                                </p:cTn>
+                              </p:par>
+                            </p:childTnLst>
+                          </p:cTn>
+                        </p:par>
+                      </p:childTnLst>
+                    </p:cTn>
+                  </p:par>
+                </p:childTnLst>
+              </p:cTn>
+              <p:prevCondLst>
+                <p:cond evt="onPrev" delay="0">
+                  <p:tgtEl>
+                    <p:sldTgt/>
+                  </p:tgtEl>
+                </p:cond>
+              </p:prevCondLst>
+              <p:nextCondLst>
+                <p:cond evt="onNext" delay="0">
+                  <p:tgtEl>
+                    <p:sldTgt/>
+                  </p:tgtEl>
+                </p:cond>
+              </p:nextCondLst>
+            </p:seq>
+          </p:childTnLst>
+        </p:cTn>
+      </p:par>
+    </p:tnLst>
+    <p:bldLst>
+      <p:bldP spid="7" grpId="0"/>
+    </p:bldLst>
+  </p:timing>
+</p:sld>
+</file>
+
+<file path=ppt/slides/slide25.xml><?xml version="1.0" encoding="utf-8"?>
 <p:sld xmlns:a="http://schemas.openxmlformats.org/drawingml/2006/main" xmlns:r="http://schemas.openxmlformats.org/officeDocument/2006/relationships" xmlns:p="http://schemas.openxmlformats.org/presentationml/2006/main">
   <p:cSld>
     <p:spTree>
@@ -12334,7 +13766,7 @@
 </p:sld>
 </file>
 
-<file path=ppt/slides/slide23.xml><?xml version="1.0" encoding="utf-8"?>
+<file path=ppt/slides/slide26.xml><?xml version="1.0" encoding="utf-8"?>
 <p:sld xmlns:a="http://schemas.openxmlformats.org/drawingml/2006/main" xmlns:r="http://schemas.openxmlformats.org/officeDocument/2006/relationships" xmlns:p="http://schemas.openxmlformats.org/presentationml/2006/main">
   <p:cSld>
     <p:spTree>
@@ -12373,8 +13805,8 @@
           </a:p>
         </p:txBody>
       </p:sp>
-      <mc:AlternateContent xmlns:mc="http://schemas.openxmlformats.org/markup-compatibility/2006" xmlns:a14="http://schemas.microsoft.com/office/drawing/2010/main">
-        <mc:Choice Requires="a14">
+      <mc:AlternateContent xmlns:mc="http://schemas.openxmlformats.org/markup-compatibility/2006">
+        <mc:Choice xmlns:a14="http://schemas.microsoft.com/office/drawing/2010/main" Requires="a14">
           <p:sp>
             <p:nvSpPr>
               <p:cNvPr id="3" name="Content Placeholder 2"/>
@@ -12392,6 +13824,9 @@
               </a:bodyPr>
               <a:lstStyle/>
               <a:p>
+                <a:pPr marL="0" indent="0">
+                  <a:buNone/>
+                </a:pPr>
                 <a:r>
                   <a:rPr lang="en-US" b="1" dirty="0"/>
                   <a:t>Definition. </a:t>
@@ -12885,7 +14320,7 @@
             </p:txBody>
           </p:sp>
         </mc:Choice>
-        <mc:Fallback xmlns="">
+        <mc:Fallback>
           <p:sp>
             <p:nvSpPr>
               <p:cNvPr id="3" name="Content Placeholder 2"/>
@@ -12900,7 +14335,7 @@
               <a:blipFill>
                 <a:blip r:embed="rId2"/>
                 <a:stretch>
-                  <a:fillRect l="-1698" t="-1401"/>
+                  <a:fillRect l="-1852" t="-1681"/>
                 </a:stretch>
               </a:blipFill>
             </p:spPr>
@@ -13291,7 +14726,7 @@
 </p:sld>
 </file>
 
-<file path=ppt/slides/slide24.xml><?xml version="1.0" encoding="utf-8"?>
+<file path=ppt/slides/slide27.xml><?xml version="1.0" encoding="utf-8"?>
 <p:sld xmlns:a="http://schemas.openxmlformats.org/drawingml/2006/main" xmlns:r="http://schemas.openxmlformats.org/officeDocument/2006/relationships" xmlns:p="http://schemas.openxmlformats.org/presentationml/2006/main">
   <p:cSld>
     <p:spTree>
@@ -13308,6 +14743,30 @@
           <a:chExt cx="0" cy="0"/>
         </a:xfrm>
       </p:grpSpPr>
+      <p:pic>
+        <p:nvPicPr>
+          <p:cNvPr id="6" name="Picture 5"/>
+          <p:cNvPicPr>
+            <a:picLocks noChangeAspect="1"/>
+          </p:cNvPicPr>
+          <p:nvPr/>
+        </p:nvPicPr>
+        <p:blipFill>
+          <a:blip r:embed="rId2"/>
+          <a:stretch>
+            <a:fillRect/>
+          </a:stretch>
+        </p:blipFill>
+        <p:spPr>
+          <a:xfrm>
+            <a:off x="4164809" y="4044179"/>
+            <a:ext cx="4943332" cy="2276312"/>
+          </a:xfrm>
+          <a:prstGeom prst="rect">
+            <a:avLst/>
+          </a:prstGeom>
+        </p:spPr>
+      </p:pic>
       <p:sp>
         <p:nvSpPr>
           <p:cNvPr id="2" name="Title 1"/>
@@ -13350,8 +14809,8 @@
           </a:p>
         </p:txBody>
       </p:sp>
-      <mc:AlternateContent xmlns:mc="http://schemas.openxmlformats.org/markup-compatibility/2006" xmlns:a14="http://schemas.microsoft.com/office/drawing/2010/main">
-        <mc:Choice Requires="a14">
+      <mc:AlternateContent xmlns:mc="http://schemas.openxmlformats.org/markup-compatibility/2006">
+        <mc:Choice xmlns:a14="http://schemas.microsoft.com/office/drawing/2010/main" Requires="a14">
           <p:sp>
             <p:nvSpPr>
               <p:cNvPr id="4" name="Content Placeholder 3"/>
@@ -13364,13 +14823,13 @@
             </p:nvSpPr>
             <p:spPr>
               <a:xfrm>
-                <a:off x="457200" y="1570037"/>
-                <a:ext cx="6858000" cy="4525963"/>
+                <a:off x="457200" y="1166018"/>
+                <a:ext cx="7924800" cy="4525963"/>
               </a:xfrm>
             </p:spPr>
             <p:txBody>
               <a:bodyPr>
-                <a:normAutofit fontScale="55000" lnSpcReduction="20000"/>
+                <a:noAutofit/>
               </a:bodyPr>
               <a:lstStyle/>
               <a:p>
@@ -13378,166 +14837,196 @@
                   <a:buNone/>
                 </a:pPr>
                 <a:r>
-                  <a:rPr lang="en-US" dirty="0"/>
+                  <a:rPr lang="en-US" sz="2000" dirty="0"/>
                   <a:t>Switch can be turned on whenever at least 2.25 time units have elapsed since the last turn off or on. Switches off automatically 15.5 time units after the last on.</a:t>
                 </a:r>
               </a:p>
               <a:p>
-                <a:endParaRPr lang="en-US" b="1" dirty="0"/>
+                <a:endParaRPr lang="en-US" sz="1600" b="1" dirty="0"/>
               </a:p>
               <a:p>
                 <a:pPr marL="0" indent="0">
+                  <a:spcBef>
+                    <a:spcPts val="0"/>
+                  </a:spcBef>
                   <a:buNone/>
                 </a:pPr>
                 <a:r>
-                  <a:rPr lang="en-US" b="1" dirty="0"/>
+                  <a:rPr lang="en-US" sz="1600" b="1" dirty="0"/>
                   <a:t>automaton </a:t>
                 </a:r>
                 <a:r>
-                  <a:rPr lang="en-US" dirty="0"/>
+                  <a:rPr lang="en-US" sz="1600" dirty="0"/>
                   <a:t>Switch</a:t>
                 </a:r>
               </a:p>
               <a:p>
                 <a:pPr marL="0" indent="0">
+                  <a:spcBef>
+                    <a:spcPts val="0"/>
+                  </a:spcBef>
                   <a:buNone/>
                 </a:pPr>
                 <a:r>
-                  <a:rPr lang="en-US" b="1" dirty="0"/>
+                  <a:rPr lang="en-US" sz="1600" b="1" dirty="0"/>
                   <a:t>  internal </a:t>
                 </a:r>
                 <a:r>
-                  <a:rPr lang="en-US" dirty="0"/>
+                  <a:rPr lang="en-US" sz="1600" dirty="0"/>
                   <a:t>push; pop</a:t>
                 </a:r>
               </a:p>
               <a:p>
                 <a:pPr marL="0" indent="0">
+                  <a:spcBef>
+                    <a:spcPts val="0"/>
+                  </a:spcBef>
                   <a:buNone/>
                 </a:pPr>
                 <a:r>
-                  <a:rPr lang="en-US" b="1" dirty="0"/>
+                  <a:rPr lang="en-US" sz="1600" b="1" dirty="0"/>
                   <a:t>    variables</a:t>
                 </a:r>
               </a:p>
               <a:p>
                 <a:pPr marL="0" indent="0">
+                  <a:spcBef>
+                    <a:spcPts val="0"/>
+                  </a:spcBef>
                   <a:buNone/>
                 </a:pPr>
                 <a:r>
-                  <a:rPr lang="en-US" b="1" dirty="0"/>
+                  <a:rPr lang="en-US" sz="1600" b="1" dirty="0"/>
                   <a:t>       internal </a:t>
                 </a:r>
                 <a:r>
-                  <a:rPr lang="en-US" dirty="0"/>
+                  <a:rPr lang="en-US" sz="1600" dirty="0"/>
                   <a:t>x, y:Real := 0, </a:t>
                 </a:r>
                 <a:r>
-                  <a:rPr lang="en-US" dirty="0" err="1"/>
+                  <a:rPr lang="en-US" sz="1600" dirty="0" err="1"/>
                   <a:t>loc</a:t>
                 </a:r>
                 <a:r>
-                  <a:rPr lang="en-US" dirty="0"/>
+                  <a:rPr lang="en-US" sz="1600" dirty="0"/>
                   <a:t>:{on,off} := off</a:t>
                 </a:r>
               </a:p>
               <a:p>
                 <a:pPr marL="0" indent="0">
+                  <a:spcBef>
+                    <a:spcPts val="0"/>
+                  </a:spcBef>
                   <a:buNone/>
                 </a:pPr>
                 <a:r>
-                  <a:rPr lang="en-US" b="1" dirty="0"/>
+                  <a:rPr lang="en-US" sz="1600" b="1" dirty="0"/>
                   <a:t>     transitions</a:t>
                 </a:r>
               </a:p>
               <a:p>
                 <a:pPr marL="0" indent="0">
+                  <a:spcBef>
+                    <a:spcPts val="0"/>
+                  </a:spcBef>
                   <a:buNone/>
                 </a:pPr>
                 <a:r>
-                  <a:rPr lang="en-US" dirty="0"/>
+                  <a:rPr lang="en-US" sz="1600" dirty="0"/>
                   <a:t>        push</a:t>
                 </a:r>
               </a:p>
               <a:p>
                 <a:pPr marL="0" indent="0">
+                  <a:spcBef>
+                    <a:spcPts val="0"/>
+                  </a:spcBef>
                   <a:buNone/>
                 </a:pPr>
                 <a:r>
-                  <a:rPr lang="en-US" b="1" dirty="0"/>
+                  <a:rPr lang="en-US" sz="1600" b="1" dirty="0"/>
                   <a:t>           pre </a:t>
                 </a:r>
                 <a:r>
-                  <a:rPr lang="en-US" dirty="0"/>
+                  <a:rPr lang="en-US" sz="1600" dirty="0"/>
                   <a:t>x &gt;=2.25</a:t>
                 </a:r>
               </a:p>
               <a:p>
                 <a:pPr marL="0" indent="0">
+                  <a:spcBef>
+                    <a:spcPts val="0"/>
+                  </a:spcBef>
                   <a:buNone/>
                 </a:pPr>
                 <a:r>
-                  <a:rPr lang="en-US" b="1" dirty="0"/>
+                  <a:rPr lang="en-US" sz="1600" b="1" dirty="0"/>
                   <a:t>           eff if </a:t>
                 </a:r>
                 <a:r>
-                  <a:rPr lang="en-US" dirty="0" err="1"/>
+                  <a:rPr lang="en-US" sz="1600" dirty="0" err="1"/>
                   <a:t>loc</a:t>
                 </a:r>
                 <a:r>
-                  <a:rPr lang="en-US" dirty="0"/>
+                  <a:rPr lang="en-US" sz="1600" dirty="0"/>
                   <a:t> = on </a:t>
                 </a:r>
                 <a:r>
-                  <a:rPr lang="en-US" b="1" dirty="0"/>
+                  <a:rPr lang="en-US" sz="1600" b="1" dirty="0"/>
                   <a:t>then </a:t>
                 </a:r>
                 <a:r>
-                  <a:rPr lang="en-US" dirty="0"/>
+                  <a:rPr lang="en-US" sz="1600" dirty="0"/>
                   <a:t>y := 0 </a:t>
                 </a:r>
                 <a:r>
-                  <a:rPr lang="en-US" b="1" dirty="0"/>
+                  <a:rPr lang="en-US" sz="1600" b="1" dirty="0"/>
                   <a:t>fi; </a:t>
                 </a:r>
                 <a:r>
-                  <a:rPr lang="en-US" dirty="0"/>
+                  <a:rPr lang="en-US" sz="1600" dirty="0"/>
                   <a:t>x := 0; </a:t>
                 </a:r>
                 <a:r>
-                  <a:rPr lang="en-US" dirty="0" err="1"/>
+                  <a:rPr lang="en-US" sz="1600" dirty="0" err="1"/>
                   <a:t>loc</a:t>
                 </a:r>
                 <a:r>
-                  <a:rPr lang="en-US" dirty="0"/>
+                  <a:rPr lang="en-US" sz="1600" dirty="0"/>
                   <a:t> := off</a:t>
                 </a:r>
               </a:p>
               <a:p>
                 <a:pPr marL="0" indent="0">
+                  <a:spcBef>
+                    <a:spcPts val="0"/>
+                  </a:spcBef>
                   <a:buNone/>
                 </a:pPr>
                 <a:r>
-                  <a:rPr lang="en-US" dirty="0"/>
+                  <a:rPr lang="en-US" sz="1600" dirty="0"/>
                   <a:t>        pop</a:t>
                 </a:r>
               </a:p>
               <a:p>
                 <a:pPr marL="0" indent="0">
+                  <a:spcBef>
+                    <a:spcPts val="0"/>
+                  </a:spcBef>
                   <a:buNone/>
                 </a:pPr>
                 <a:r>
-                  <a:rPr lang="en-US" b="1" dirty="0"/>
+                  <a:rPr lang="en-US" sz="1600" b="1" dirty="0"/>
                   <a:t>           pre </a:t>
                 </a:r>
                 <a:r>
-                  <a:rPr lang="en-US" dirty="0"/>
+                  <a:rPr lang="en-US" sz="1600" dirty="0"/>
                   <a:t>y = 15.5 </a:t>
                 </a:r>
                 <a14:m>
                   <m:oMath xmlns:m="http://schemas.openxmlformats.org/officeDocument/2006/math">
                     <m:r>
-                      <a:rPr lang="en-US" i="1" dirty="0" smtClean="0">
+                      <a:rPr lang="en-US" sz="1600" i="1" dirty="0" smtClean="0">
                         <a:latin typeface="Cambria Math"/>
                         <a:ea typeface="Cambria Math"/>
                       </a:rPr>
@@ -13546,54 +15035,63 @@
                   </m:oMath>
                 </a14:m>
                 <a:r>
-                  <a:rPr lang="en-US" dirty="0"/>
+                  <a:rPr lang="en-US" sz="1600" dirty="0"/>
                   <a:t> </a:t>
                 </a:r>
                 <a:r>
-                  <a:rPr lang="en-US" dirty="0" err="1"/>
+                  <a:rPr lang="en-US" sz="1600" dirty="0" err="1"/>
                   <a:t>loc</a:t>
                 </a:r>
                 <a:r>
-                  <a:rPr lang="en-US" dirty="0"/>
+                  <a:rPr lang="en-US" sz="1600" dirty="0"/>
                   <a:t> = off</a:t>
                 </a:r>
               </a:p>
               <a:p>
                 <a:pPr marL="0" indent="0">
+                  <a:spcBef>
+                    <a:spcPts val="0"/>
+                  </a:spcBef>
                   <a:buNone/>
                 </a:pPr>
                 <a:r>
-                  <a:rPr lang="en-US" b="1" dirty="0"/>
+                  <a:rPr lang="en-US" sz="1600" b="1" dirty="0"/>
                   <a:t>           eff </a:t>
                 </a:r>
                 <a:r>
-                  <a:rPr lang="en-US" dirty="0"/>
+                  <a:rPr lang="en-US" sz="1600" dirty="0"/>
                   <a:t>x := 0</a:t>
                 </a:r>
               </a:p>
               <a:p>
                 <a:pPr marL="0" indent="0">
+                  <a:spcBef>
+                    <a:spcPts val="0"/>
+                  </a:spcBef>
                   <a:buNone/>
                 </a:pPr>
                 <a:r>
-                  <a:rPr lang="en-US" b="1" dirty="0"/>
+                  <a:rPr lang="en-US" sz="1600" b="1" dirty="0"/>
                   <a:t>     trajectories</a:t>
                 </a:r>
               </a:p>
               <a:p>
                 <a:pPr marL="0" indent="0">
+                  <a:spcBef>
+                    <a:spcPts val="0"/>
+                  </a:spcBef>
                   <a:buNone/>
                 </a:pPr>
                 <a:r>
-                  <a:rPr lang="en-US" b="1" dirty="0"/>
+                  <a:rPr lang="en-US" sz="1600" b="1" dirty="0"/>
                   <a:t>        invariant </a:t>
                 </a:r>
                 <a:r>
-                  <a:rPr lang="en-US" dirty="0" err="1"/>
+                  <a:rPr lang="en-US" sz="1600" dirty="0" err="1"/>
                   <a:t>loc</a:t>
                 </a:r>
                 <a:r>
-                  <a:rPr lang="en-US" dirty="0"/>
+                  <a:rPr lang="en-US" sz="1600" dirty="0"/>
                   <a:t> = on </a:t>
                 </a:r>
                 <a14:m>
@@ -13602,7 +15100,7 @@
                       <m:rPr>
                         <m:lit/>
                       </m:rPr>
-                      <a:rPr lang="en-US" i="1" dirty="0" smtClean="0">
+                      <a:rPr lang="en-US" sz="1600" i="1" dirty="0" smtClean="0">
                         <a:latin typeface="Cambria Math"/>
                         <a:ea typeface="Cambria Math"/>
                       </a:rPr>
@@ -13611,35 +15109,38 @@
                   </m:oMath>
                 </a14:m>
                 <a:r>
-                  <a:rPr lang="en-US" dirty="0"/>
+                  <a:rPr lang="en-US" sz="1600" dirty="0"/>
                   <a:t> </a:t>
                 </a:r>
                 <a:r>
-                  <a:rPr lang="en-US" dirty="0" err="1"/>
+                  <a:rPr lang="en-US" sz="1600" dirty="0" err="1"/>
                   <a:t>loc</a:t>
                 </a:r>
                 <a:r>
-                  <a:rPr lang="en-US" dirty="0"/>
+                  <a:rPr lang="en-US" sz="1600" dirty="0"/>
                   <a:t> = off</a:t>
                 </a:r>
-                <a:endParaRPr lang="en-US" b="1" dirty="0"/>
+                <a:endParaRPr lang="en-US" sz="1600" b="1" dirty="0"/>
               </a:p>
               <a:p>
                 <a:pPr marL="0" indent="0">
+                  <a:spcBef>
+                    <a:spcPts val="0"/>
+                  </a:spcBef>
                   <a:buNone/>
                 </a:pPr>
                 <a:r>
-                  <a:rPr lang="en-US" b="1" dirty="0"/>
+                  <a:rPr lang="en-US" sz="1600" b="1" dirty="0"/>
                   <a:t>        stop when </a:t>
                 </a:r>
                 <a:r>
-                  <a:rPr lang="en-US" dirty="0"/>
+                  <a:rPr lang="en-US" sz="1600" dirty="0"/>
                   <a:t>y = 15.5 </a:t>
                 </a:r>
                 <a14:m>
                   <m:oMath xmlns:m="http://schemas.openxmlformats.org/officeDocument/2006/math">
                     <m:r>
-                      <a:rPr lang="en-US" i="1" dirty="0">
+                      <a:rPr lang="en-US" sz="1600" i="1" dirty="0">
                         <a:latin typeface="Cambria Math"/>
                         <a:ea typeface="Cambria Math"/>
                       </a:rPr>
@@ -13648,46 +15149,49 @@
                   </m:oMath>
                 </a14:m>
                 <a:r>
-                  <a:rPr lang="en-US" dirty="0"/>
+                  <a:rPr lang="en-US" sz="1600" dirty="0"/>
                   <a:t> </a:t>
                 </a:r>
                 <a:r>
-                  <a:rPr lang="en-US" dirty="0" err="1"/>
+                  <a:rPr lang="en-US" sz="1600" dirty="0" err="1"/>
                   <a:t>loc</a:t>
                 </a:r>
                 <a:r>
-                  <a:rPr lang="en-US" dirty="0"/>
+                  <a:rPr lang="en-US" sz="1600" dirty="0"/>
                   <a:t> = off</a:t>
                 </a:r>
               </a:p>
               <a:p>
                 <a:pPr marL="0" indent="0">
+                  <a:spcBef>
+                    <a:spcPts val="0"/>
+                  </a:spcBef>
                   <a:buNone/>
                 </a:pPr>
                 <a:r>
-                  <a:rPr lang="es-ES" b="1" dirty="0"/>
+                  <a:rPr lang="es-ES" sz="1600" b="1" dirty="0"/>
                   <a:t>        </a:t>
                 </a:r>
                 <a:r>
-                  <a:rPr lang="es-ES" b="1" dirty="0" err="1"/>
+                  <a:rPr lang="es-ES" sz="1600" b="1" dirty="0" err="1"/>
                   <a:t>evolve</a:t>
                 </a:r>
                 <a:r>
-                  <a:rPr lang="es-ES" b="1" dirty="0"/>
+                  <a:rPr lang="es-ES" sz="1600" b="1" dirty="0"/>
                   <a:t> </a:t>
                 </a:r>
                 <a:r>
-                  <a:rPr lang="es-ES" dirty="0"/>
+                  <a:rPr lang="es-ES" sz="1600" dirty="0"/>
                   <a:t>d(x) = 1; d(y) = 1</a:t>
                 </a:r>
               </a:p>
               <a:p>
-                <a:endParaRPr lang="en-US" dirty="0"/>
+                <a:endParaRPr lang="en-US" sz="1600" dirty="0"/>
               </a:p>
             </p:txBody>
           </p:sp>
         </mc:Choice>
-        <mc:Fallback xmlns="">
+        <mc:Fallback>
           <p:sp>
             <p:nvSpPr>
               <p:cNvPr id="4" name="Content Placeholder 3"/>
@@ -13700,13 +15204,13 @@
             </p:nvSpPr>
             <p:spPr>
               <a:xfrm>
-                <a:off x="457200" y="1570037"/>
-                <a:ext cx="6858000" cy="4525963"/>
+                <a:off x="457200" y="1166018"/>
+                <a:ext cx="7924800" cy="4525963"/>
               </a:xfrm>
-              <a:blipFill rotWithShape="0">
-                <a:blip r:embed="rId2"/>
+              <a:blipFill>
+                <a:blip r:embed="rId3"/>
                 <a:stretch>
-                  <a:fillRect l="-356" t="-1213"/>
+                  <a:fillRect l="-801" t="-559" r="-641" b="-11173"/>
                 </a:stretch>
               </a:blipFill>
             </p:spPr>
@@ -13725,30 +15229,6 @@
           </p:sp>
         </mc:Fallback>
       </mc:AlternateContent>
-      <p:pic>
-        <p:nvPicPr>
-          <p:cNvPr id="6" name="Picture 5"/>
-          <p:cNvPicPr>
-            <a:picLocks noChangeAspect="1"/>
-          </p:cNvPicPr>
-          <p:nvPr/>
-        </p:nvPicPr>
-        <p:blipFill>
-          <a:blip r:embed="rId3"/>
-          <a:stretch>
-            <a:fillRect/>
-          </a:stretch>
-        </p:blipFill>
-        <p:spPr>
-          <a:xfrm>
-            <a:off x="5181600" y="4572000"/>
-            <a:ext cx="3619500" cy="1666712"/>
-          </a:xfrm>
-          <a:prstGeom prst="rect">
-            <a:avLst/>
-          </a:prstGeom>
-        </p:spPr>
-      </p:pic>
       <p:sp>
         <p:nvSpPr>
           <p:cNvPr id="3" name="Footer Placeholder 2"/>
@@ -14513,7 +15993,7 @@
 </p:sld>
 </file>
 
-<file path=ppt/slides/slide25.xml><?xml version="1.0" encoding="utf-8"?>
+<file path=ppt/slides/slide28.xml><?xml version="1.0" encoding="utf-8"?>
 <p:sld xmlns:a="http://schemas.openxmlformats.org/drawingml/2006/main" xmlns:r="http://schemas.openxmlformats.org/officeDocument/2006/relationships" xmlns:p="http://schemas.openxmlformats.org/presentationml/2006/main">
   <p:cSld>
     <p:spTree>
@@ -14566,12 +16046,14 @@
         </p:nvSpPr>
         <p:spPr/>
         <p:txBody>
-          <a:bodyPr/>
+          <a:bodyPr>
+            <a:normAutofit lnSpcReduction="10000"/>
+          </a:bodyPr>
           <a:lstStyle/>
           <a:p>
             <a:r>
               <a:rPr lang="en-US" dirty="0"/>
-              <a:t>Given an RTA, check if a particular location is reachable from the initial states</a:t>
+              <a:t>Given an RTA, check if a particular mode is reachable from the initial states</a:t>
             </a:r>
           </a:p>
           <a:p>
@@ -14596,22 +16078,14 @@
             <a:pPr lvl="1"/>
             <a:r>
               <a:rPr lang="en-US" dirty="0"/>
-              <a:t>Construct a ITA that is time-abstract </a:t>
-            </a:r>
-            <a:r>
-              <a:rPr lang="en-US" dirty="0" err="1"/>
-              <a:t>bisimilar</a:t>
-            </a:r>
-            <a:r>
-              <a:rPr lang="en-US" dirty="0"/>
-              <a:t> to the given RTA</a:t>
+              <a:t>Construct a ITA that has exactly same mode reachability behavior as the given RTA (timing behavior may be different)</a:t>
             </a:r>
           </a:p>
           <a:p>
             <a:pPr lvl="1"/>
             <a:r>
               <a:rPr lang="en-US" dirty="0"/>
-              <a:t>Check CSR for ITA</a:t>
+              <a:t>Check mode reachability for ITA</a:t>
             </a:r>
           </a:p>
           <a:p>
@@ -14857,7 +16331,7 @@
 </p:sld>
 </file>
 
-<file path=ppt/slides/slide26.xml><?xml version="1.0" encoding="utf-8"?>
+<file path=ppt/slides/slide29.xml><?xml version="1.0" encoding="utf-8"?>
 <p:sld xmlns:a="http://schemas.openxmlformats.org/drawingml/2006/main" xmlns:r="http://schemas.openxmlformats.org/officeDocument/2006/relationships" xmlns:p="http://schemas.openxmlformats.org/presentationml/2006/main">
   <p:cSld>
     <p:spTree>
@@ -14896,8 +16370,8 @@
           </a:p>
         </p:txBody>
       </p:sp>
-      <mc:AlternateContent xmlns:mc="http://schemas.openxmlformats.org/markup-compatibility/2006" xmlns:a14="http://schemas.microsoft.com/office/drawing/2010/main">
-        <mc:Choice Requires="a14">
+      <mc:AlternateContent xmlns:mc="http://schemas.openxmlformats.org/markup-compatibility/2006">
+        <mc:Choice xmlns:a14="http://schemas.microsoft.com/office/drawing/2010/main" Requires="a14">
           <p:sp>
             <p:nvSpPr>
               <p:cNvPr id="4" name="Content Placeholder 3"/>
@@ -14908,7 +16382,12 @@
                 <p:ph sz="half" idx="1"/>
               </p:nvPr>
             </p:nvSpPr>
-            <p:spPr/>
+            <p:spPr>
+              <a:xfrm>
+                <a:off x="228600" y="1600200"/>
+                <a:ext cx="4267200" cy="4525963"/>
+              </a:xfrm>
+            </p:spPr>
             <p:txBody>
               <a:bodyPr>
                 <a:normAutofit fontScale="62500" lnSpcReduction="20000"/>
@@ -14932,15 +16411,11 @@
               <a:p>
                 <a:r>
                   <a:rPr lang="en-US" dirty="0"/>
-                  <a:t>RTA Switch is </a:t>
-                </a:r>
-                <a:r>
-                  <a:rPr lang="en-US" dirty="0" err="1"/>
-                  <a:t>bisimilar</a:t>
-                </a:r>
-                <a:r>
-                  <a:rPr lang="en-US" dirty="0"/>
-                  <a:t> to ITA </a:t>
+                  <a:t>RTA Switch reaches the same control locations as </a:t>
+                </a:r>
+                <a:r>
+                  <a:rPr lang="en-US"/>
+                  <a:t>the ITA </a:t>
                 </a:r>
                 <a:r>
                   <a:rPr lang="en-US" dirty="0" err="1"/>
@@ -15055,7 +16530,7 @@
             </p:txBody>
           </p:sp>
         </mc:Choice>
-        <mc:Fallback xmlns="">
+        <mc:Fallback>
           <p:sp>
             <p:nvSpPr>
               <p:cNvPr id="4" name="Content Placeholder 3"/>
@@ -15067,10 +16542,14 @@
               </p:nvPr>
             </p:nvSpPr>
             <p:spPr>
-              <a:blipFill rotWithShape="0">
+              <a:xfrm>
+                <a:off x="228600" y="1600200"/>
+                <a:ext cx="4267200" cy="4525963"/>
+              </a:xfrm>
+              <a:blipFill>
                 <a:blip r:embed="rId2"/>
                 <a:stretch>
-                  <a:fillRect l="-905" t="-1887"/>
+                  <a:fillRect l="-1187" t="-1681" r="-1780"/>
                 </a:stretch>
               </a:blipFill>
             </p:spPr>
@@ -16465,7 +17944,154 @@
 </p:sld>
 </file>
 
-<file path=ppt/slides/slide27.xml><?xml version="1.0" encoding="utf-8"?>
+<file path=ppt/slides/slide3.xml><?xml version="1.0" encoding="utf-8"?>
+<p:sld xmlns:a="http://schemas.openxmlformats.org/drawingml/2006/main" xmlns:r="http://schemas.openxmlformats.org/officeDocument/2006/relationships" xmlns:p="http://schemas.openxmlformats.org/presentationml/2006/main">
+  <p:cSld>
+    <p:spTree>
+      <p:nvGrpSpPr>
+        <p:cNvPr id="1" name=""/>
+        <p:cNvGrpSpPr/>
+        <p:nvPr/>
+      </p:nvGrpSpPr>
+      <p:grpSpPr>
+        <a:xfrm>
+          <a:off x="0" y="0"/>
+          <a:ext cx="0" cy="0"/>
+          <a:chOff x="0" y="0"/>
+          <a:chExt cx="0" cy="0"/>
+        </a:xfrm>
+      </p:grpSpPr>
+      <p:sp>
+        <p:nvSpPr>
+          <p:cNvPr id="2" name="Title 1"/>
+          <p:cNvSpPr>
+            <a:spLocks noGrp="1"/>
+          </p:cNvSpPr>
+          <p:nvPr>
+            <p:ph type="title"/>
+          </p:nvPr>
+        </p:nvSpPr>
+        <p:spPr/>
+        <p:txBody>
+          <a:bodyPr/>
+          <a:lstStyle/>
+          <a:p>
+            <a:r>
+              <a:rPr lang="en-US" dirty="0"/>
+              <a:t>Today</a:t>
+            </a:r>
+          </a:p>
+        </p:txBody>
+      </p:sp>
+      <p:sp>
+        <p:nvSpPr>
+          <p:cNvPr id="3" name="Content Placeholder 2"/>
+          <p:cNvSpPr>
+            <a:spLocks noGrp="1"/>
+          </p:cNvSpPr>
+          <p:nvPr>
+            <p:ph idx="1"/>
+          </p:nvPr>
+        </p:nvSpPr>
+        <p:spPr>
+          <a:xfrm>
+            <a:off x="457200" y="1600201"/>
+            <a:ext cx="8229600" cy="3505199"/>
+          </a:xfrm>
+        </p:spPr>
+        <p:txBody>
+          <a:bodyPr/>
+          <a:lstStyle/>
+          <a:p>
+            <a:r>
+              <a:rPr lang="en-US" sz="2400" dirty="0">
+                <a:latin typeface="Calibri Light" panose="020F0302020204030204" pitchFamily="34" charset="0"/>
+                <a:cs typeface="Calibri Light" panose="020F0302020204030204" pitchFamily="34" charset="0"/>
+              </a:rPr>
+              <a:t>Finite state machines</a:t>
+            </a:r>
+          </a:p>
+          <a:p>
+            <a:r>
+              <a:rPr lang="en-US" sz="2400" dirty="0">
+                <a:latin typeface="Calibri Light" panose="020F0302020204030204" pitchFamily="34" charset="0"/>
+                <a:cs typeface="Calibri Light" panose="020F0302020204030204" pitchFamily="34" charset="0"/>
+              </a:rPr>
+              <a:t>Algorithmic analysis of (Alur-Dill’s) Timed Automata[1]</a:t>
+            </a:r>
+          </a:p>
+          <a:p>
+            <a:pPr lvl="1"/>
+            <a:r>
+              <a:rPr lang="en-US" sz="2000" dirty="0">
+                <a:latin typeface="Calibri Light" panose="020F0302020204030204" pitchFamily="34" charset="0"/>
+                <a:cs typeface="Calibri Light" panose="020F0302020204030204" pitchFamily="34" charset="0"/>
+              </a:rPr>
+              <a:t>A restricted class of what we call hybrid automata in this course with only clock variables</a:t>
+            </a:r>
+          </a:p>
+        </p:txBody>
+      </p:sp>
+      <p:sp>
+        <p:nvSpPr>
+          <p:cNvPr id="4" name="Rectangle 3"/>
+          <p:cNvSpPr/>
+          <p:nvPr/>
+        </p:nvSpPr>
+        <p:spPr>
+          <a:xfrm>
+            <a:off x="457200" y="5638800"/>
+            <a:ext cx="8001000" cy="646331"/>
+          </a:xfrm>
+          <a:prstGeom prst="rect">
+            <a:avLst/>
+          </a:prstGeom>
+        </p:spPr>
+        <p:txBody>
+          <a:bodyPr wrap="square">
+            <a:spAutoFit/>
+          </a:bodyPr>
+          <a:lstStyle/>
+          <a:p>
+            <a:r>
+              <a:rPr lang="en-US" dirty="0"/>
+              <a:t>[1] Rajeev </a:t>
+            </a:r>
+            <a:r>
+              <a:rPr lang="en-US" dirty="0" err="1"/>
+              <a:t>Alur</a:t>
+            </a:r>
+            <a:r>
+              <a:rPr lang="en-US" dirty="0"/>
+              <a:t> and David L. Dill. </a:t>
+            </a:r>
+            <a:r>
+              <a:rPr lang="en-US" dirty="0">
+                <a:hlinkClick r:id="rId2"/>
+              </a:rPr>
+              <a:t>A theory of timed automata</a:t>
+            </a:r>
+            <a:r>
+              <a:rPr lang="en-US" dirty="0"/>
+              <a:t>. Theoretical Computer Science, 126:183-235, 1994.</a:t>
+            </a:r>
+          </a:p>
+        </p:txBody>
+      </p:sp>
+    </p:spTree>
+    <p:extLst>
+      <p:ext uri="{BB962C8B-B14F-4D97-AF65-F5344CB8AC3E}">
+        <p14:creationId xmlns:p14="http://schemas.microsoft.com/office/powerpoint/2010/main" val="354822137"/>
+      </p:ext>
+    </p:extLst>
+  </p:cSld>
+  <p:clrMapOvr>
+    <a:masterClrMapping/>
+  </p:clrMapOvr>
+</p:sld>
+</file>
+
+<file path=ppt/slides/slide30.xml><?xml version="1.0" encoding="utf-8"?>
 <p:sld xmlns:a="http://schemas.openxmlformats.org/drawingml/2006/main" xmlns:r="http://schemas.openxmlformats.org/officeDocument/2006/relationships" xmlns:p="http://schemas.openxmlformats.org/presentationml/2006/main">
   <p:cSld>
     <p:spTree>
@@ -17520,7 +19146,7 @@
 </p:sld>
 </file>
 
-<file path=ppt/slides/slide28.xml><?xml version="1.0" encoding="utf-8"?>
+<file path=ppt/slides/slide31.xml><?xml version="1.0" encoding="utf-8"?>
 <p:sld xmlns:a="http://schemas.openxmlformats.org/drawingml/2006/main" xmlns:r="http://schemas.openxmlformats.org/officeDocument/2006/relationships" xmlns:p="http://schemas.openxmlformats.org/presentationml/2006/main">
   <p:cSld>
     <p:spTree>
@@ -17771,7 +19397,7 @@
 </p:sld>
 </file>
 
-<file path=ppt/slides/slide29.xml><?xml version="1.0" encoding="utf-8"?>
+<file path=ppt/slides/slide32.xml><?xml version="1.0" encoding="utf-8"?>
 <p:sld xmlns:a="http://schemas.openxmlformats.org/drawingml/2006/main" xmlns:r="http://schemas.openxmlformats.org/officeDocument/2006/relationships" xmlns:p="http://schemas.openxmlformats.org/presentationml/2006/main">
   <p:cSld>
     <p:spTree>
@@ -17986,154 +19612,7 @@
 </p:sld>
 </file>
 
-<file path=ppt/slides/slide3.xml><?xml version="1.0" encoding="utf-8"?>
-<p:sld xmlns:a="http://schemas.openxmlformats.org/drawingml/2006/main" xmlns:r="http://schemas.openxmlformats.org/officeDocument/2006/relationships" xmlns:p="http://schemas.openxmlformats.org/presentationml/2006/main">
-  <p:cSld>
-    <p:spTree>
-      <p:nvGrpSpPr>
-        <p:cNvPr id="1" name=""/>
-        <p:cNvGrpSpPr/>
-        <p:nvPr/>
-      </p:nvGrpSpPr>
-      <p:grpSpPr>
-        <a:xfrm>
-          <a:off x="0" y="0"/>
-          <a:ext cx="0" cy="0"/>
-          <a:chOff x="0" y="0"/>
-          <a:chExt cx="0" cy="0"/>
-        </a:xfrm>
-      </p:grpSpPr>
-      <p:sp>
-        <p:nvSpPr>
-          <p:cNvPr id="2" name="Title 1"/>
-          <p:cNvSpPr>
-            <a:spLocks noGrp="1"/>
-          </p:cNvSpPr>
-          <p:nvPr>
-            <p:ph type="title"/>
-          </p:nvPr>
-        </p:nvSpPr>
-        <p:spPr/>
-        <p:txBody>
-          <a:bodyPr/>
-          <a:lstStyle/>
-          <a:p>
-            <a:r>
-              <a:rPr lang="en-US" dirty="0"/>
-              <a:t>Today</a:t>
-            </a:r>
-          </a:p>
-        </p:txBody>
-      </p:sp>
-      <p:sp>
-        <p:nvSpPr>
-          <p:cNvPr id="3" name="Content Placeholder 2"/>
-          <p:cNvSpPr>
-            <a:spLocks noGrp="1"/>
-          </p:cNvSpPr>
-          <p:nvPr>
-            <p:ph idx="1"/>
-          </p:nvPr>
-        </p:nvSpPr>
-        <p:spPr>
-          <a:xfrm>
-            <a:off x="457200" y="1600201"/>
-            <a:ext cx="8229600" cy="3505199"/>
-          </a:xfrm>
-        </p:spPr>
-        <p:txBody>
-          <a:bodyPr/>
-          <a:lstStyle/>
-          <a:p>
-            <a:r>
-              <a:rPr lang="en-US" sz="2400" dirty="0">
-                <a:latin typeface="Calibri Light" panose="020F0302020204030204" pitchFamily="34" charset="0"/>
-                <a:cs typeface="Calibri Light" panose="020F0302020204030204" pitchFamily="34" charset="0"/>
-              </a:rPr>
-              <a:t>Finite state machines</a:t>
-            </a:r>
-          </a:p>
-          <a:p>
-            <a:r>
-              <a:rPr lang="en-US" sz="2400" dirty="0">
-                <a:latin typeface="Calibri Light" panose="020F0302020204030204" pitchFamily="34" charset="0"/>
-                <a:cs typeface="Calibri Light" panose="020F0302020204030204" pitchFamily="34" charset="0"/>
-              </a:rPr>
-              <a:t>Algorithmic analysis of (Alur-Dill’s) Timed Automata[1]</a:t>
-            </a:r>
-          </a:p>
-          <a:p>
-            <a:pPr lvl="1"/>
-            <a:r>
-              <a:rPr lang="en-US" sz="2000" dirty="0">
-                <a:latin typeface="Calibri Light" panose="020F0302020204030204" pitchFamily="34" charset="0"/>
-                <a:cs typeface="Calibri Light" panose="020F0302020204030204" pitchFamily="34" charset="0"/>
-              </a:rPr>
-              <a:t>A restricted class of what we call hybrid automata in this course with only clock variables</a:t>
-            </a:r>
-          </a:p>
-        </p:txBody>
-      </p:sp>
-      <p:sp>
-        <p:nvSpPr>
-          <p:cNvPr id="4" name="Rectangle 3"/>
-          <p:cNvSpPr/>
-          <p:nvPr/>
-        </p:nvSpPr>
-        <p:spPr>
-          <a:xfrm>
-            <a:off x="457200" y="5638800"/>
-            <a:ext cx="8001000" cy="646331"/>
-          </a:xfrm>
-          <a:prstGeom prst="rect">
-            <a:avLst/>
-          </a:prstGeom>
-        </p:spPr>
-        <p:txBody>
-          <a:bodyPr wrap="square">
-            <a:spAutoFit/>
-          </a:bodyPr>
-          <a:lstStyle/>
-          <a:p>
-            <a:r>
-              <a:rPr lang="en-US" dirty="0"/>
-              <a:t>[1] Rajeev </a:t>
-            </a:r>
-            <a:r>
-              <a:rPr lang="en-US" dirty="0" err="1"/>
-              <a:t>Alur</a:t>
-            </a:r>
-            <a:r>
-              <a:rPr lang="en-US" dirty="0"/>
-              <a:t> and David L. Dill. </a:t>
-            </a:r>
-            <a:r>
-              <a:rPr lang="en-US" dirty="0">
-                <a:hlinkClick r:id="rId2"/>
-              </a:rPr>
-              <a:t>A theory of timed automata</a:t>
-            </a:r>
-            <a:r>
-              <a:rPr lang="en-US" dirty="0"/>
-              <a:t>. Theoretical Computer Science, 126:183-235, 1994.</a:t>
-            </a:r>
-          </a:p>
-        </p:txBody>
-      </p:sp>
-    </p:spTree>
-    <p:extLst>
-      <p:ext uri="{BB962C8B-B14F-4D97-AF65-F5344CB8AC3E}">
-        <p14:creationId xmlns:p14="http://schemas.microsoft.com/office/powerpoint/2010/main" val="354822137"/>
-      </p:ext>
-    </p:extLst>
-  </p:cSld>
-  <p:clrMapOvr>
-    <a:masterClrMapping/>
-  </p:clrMapOvr>
-</p:sld>
-</file>
-
-<file path=ppt/slides/slide30.xml><?xml version="1.0" encoding="utf-8"?>
+<file path=ppt/slides/slide33.xml><?xml version="1.0" encoding="utf-8"?>
 <p:sld xmlns:a="http://schemas.openxmlformats.org/drawingml/2006/main" xmlns:r="http://schemas.openxmlformats.org/officeDocument/2006/relationships" xmlns:p="http://schemas.openxmlformats.org/presentationml/2006/main">
   <p:cSld>
     <p:spTree>
@@ -18174,8 +19653,8 @@
           </a:p>
         </p:txBody>
       </p:sp>
-      <mc:AlternateContent xmlns:mc="http://schemas.openxmlformats.org/markup-compatibility/2006" xmlns:a14="http://schemas.microsoft.com/office/drawing/2010/main">
-        <mc:Choice Requires="a14">
+      <mc:AlternateContent xmlns:mc="http://schemas.openxmlformats.org/markup-compatibility/2006">
+        <mc:Choice xmlns:a14="http://schemas.microsoft.com/office/drawing/2010/main" Requires="a14">
           <p:sp>
             <p:nvSpPr>
               <p:cNvPr id="3" name="Content Placeholder 2"/>
@@ -18207,7 +19686,7 @@
                 </a:r>
                 <a:r>
                   <a:rPr lang="en-US" sz="2000" dirty="0"/>
-                  <a:t>An </a:t>
+                  <a:t>A </a:t>
                 </a:r>
                 <a:r>
                   <a:rPr lang="en-US" sz="2000" b="1" dirty="0">
@@ -19393,7 +20872,7 @@
             </p:txBody>
           </p:sp>
         </mc:Choice>
-        <mc:Fallback xmlns="">
+        <mc:Fallback>
           <p:sp>
             <p:nvSpPr>
               <p:cNvPr id="3" name="Content Placeholder 2"/>
@@ -19412,7 +20891,7 @@
               <a:blipFill>
                 <a:blip r:embed="rId2"/>
                 <a:stretch>
-                  <a:fillRect l="-597" t="-758"/>
+                  <a:fillRect l="-597" t="-756"/>
                 </a:stretch>
               </a:blipFill>
             </p:spPr>
@@ -19479,7 +20958,7 @@
 </p:sld>
 </file>
 
-<file path=ppt/slides/slide31.xml><?xml version="1.0" encoding="utf-8"?>
+<file path=ppt/slides/slide34.xml><?xml version="1.0" encoding="utf-8"?>
 <p:sld xmlns:a="http://schemas.openxmlformats.org/drawingml/2006/main" xmlns:r="http://schemas.openxmlformats.org/officeDocument/2006/relationships" xmlns:p="http://schemas.openxmlformats.org/presentationml/2006/main">
   <p:cSld>
     <p:spTree>
@@ -19901,7 +21380,7 @@
 </p:sld>
 </file>
 
-<file path=ppt/slides/slide32.xml><?xml version="1.0" encoding="utf-8"?>
+<file path=ppt/slides/slide35.xml><?xml version="1.0" encoding="utf-8"?>
 <p:sld xmlns:a="http://schemas.openxmlformats.org/drawingml/2006/main" xmlns:r="http://schemas.openxmlformats.org/officeDocument/2006/relationships" xmlns:p="http://schemas.openxmlformats.org/presentationml/2006/main">
   <p:cSld>
     <p:spTree>
@@ -21351,7 +22830,7 @@
 </p:sld>
 </file>
 
-<file path=ppt/slides/slide33.xml><?xml version="1.0" encoding="utf-8"?>
+<file path=ppt/slides/slide36.xml><?xml version="1.0" encoding="utf-8"?>
 <p:sld xmlns:a="http://schemas.openxmlformats.org/drawingml/2006/main" xmlns:r="http://schemas.openxmlformats.org/officeDocument/2006/relationships" xmlns:p="http://schemas.openxmlformats.org/presentationml/2006/main">
   <p:cSld>
     <p:spTree>
@@ -22892,7 +24371,7 @@
 </p:sld>
 </file>
 
-<file path=ppt/slides/slide34.xml><?xml version="1.0" encoding="utf-8"?>
+<file path=ppt/slides/slide37.xml><?xml version="1.0" encoding="utf-8"?>
 <p:sld xmlns:a="http://schemas.openxmlformats.org/drawingml/2006/main" xmlns:r="http://schemas.openxmlformats.org/officeDocument/2006/relationships" xmlns:p="http://schemas.openxmlformats.org/presentationml/2006/main">
   <p:cSld>
     <p:spTree>
@@ -23205,7 +24684,7 @@
 </p:sld>
 </file>
 
-<file path=ppt/slides/slide35.xml><?xml version="1.0" encoding="utf-8"?>
+<file path=ppt/slides/slide38.xml><?xml version="1.0" encoding="utf-8"?>
 <p:sld xmlns:a="http://schemas.openxmlformats.org/drawingml/2006/main" xmlns:r="http://schemas.openxmlformats.org/officeDocument/2006/relationships" xmlns:p="http://schemas.openxmlformats.org/presentationml/2006/main">
   <p:cSld>
     <p:spTree>
@@ -24911,7 +26390,7 @@
 </p:sld>
 </file>
 
-<file path=ppt/slides/slide36.xml><?xml version="1.0" encoding="utf-8"?>
+<file path=ppt/slides/slide39.xml><?xml version="1.0" encoding="utf-8"?>
 <p:sld xmlns:a="http://schemas.openxmlformats.org/drawingml/2006/main" xmlns:r="http://schemas.openxmlformats.org/officeDocument/2006/relationships" xmlns:p="http://schemas.openxmlformats.org/presentationml/2006/main">
   <p:cSld>
     <p:spTree>
@@ -26549,7 +28028,910 @@
 </p:sld>
 </file>
 
-<file path=ppt/slides/slide37.xml><?xml version="1.0" encoding="utf-8"?>
+<file path=ppt/slides/slide4.xml><?xml version="1.0" encoding="utf-8"?>
+<p:sld xmlns:a="http://schemas.openxmlformats.org/drawingml/2006/main" xmlns:r="http://schemas.openxmlformats.org/officeDocument/2006/relationships" xmlns:p="http://schemas.openxmlformats.org/presentationml/2006/main">
+  <p:cSld>
+    <p:spTree>
+      <p:nvGrpSpPr>
+        <p:cNvPr id="1" name=""/>
+        <p:cNvGrpSpPr/>
+        <p:nvPr/>
+      </p:nvGrpSpPr>
+      <p:grpSpPr>
+        <a:xfrm>
+          <a:off x="0" y="0"/>
+          <a:ext cx="0" cy="0"/>
+          <a:chOff x="0" y="0"/>
+          <a:chExt cx="0" cy="0"/>
+        </a:xfrm>
+      </p:grpSpPr>
+      <p:sp>
+        <p:nvSpPr>
+          <p:cNvPr id="2" name="Title 1"/>
+          <p:cNvSpPr>
+            <a:spLocks noGrp="1"/>
+          </p:cNvSpPr>
+          <p:nvPr>
+            <p:ph type="title"/>
+          </p:nvPr>
+        </p:nvSpPr>
+        <p:spPr/>
+        <p:txBody>
+          <a:bodyPr>
+            <a:normAutofit/>
+          </a:bodyPr>
+          <a:lstStyle/>
+          <a:p>
+            <a:r>
+              <a:rPr lang="en-US" sz="2700" dirty="0"/>
+              <a:t>Reachability of Finite Automata</a:t>
+            </a:r>
+          </a:p>
+        </p:txBody>
+      </p:sp>
+      <mc:AlternateContent xmlns:mc="http://schemas.openxmlformats.org/markup-compatibility/2006" xmlns:a14="http://schemas.microsoft.com/office/drawing/2010/main">
+        <mc:Choice Requires="a14">
+          <p:sp>
+            <p:nvSpPr>
+              <p:cNvPr id="3" name="Content Placeholder 2"/>
+              <p:cNvSpPr>
+                <a:spLocks noGrp="1"/>
+              </p:cNvSpPr>
+              <p:nvPr>
+                <p:ph idx="1"/>
+              </p:nvPr>
+            </p:nvSpPr>
+            <p:spPr>
+              <a:xfrm>
+                <a:off x="628650" y="1417638"/>
+                <a:ext cx="7886700" cy="4456113"/>
+              </a:xfrm>
+            </p:spPr>
+            <p:txBody>
+              <a:bodyPr>
+                <a:normAutofit fontScale="85000" lnSpcReduction="20000"/>
+              </a:bodyPr>
+              <a:lstStyle/>
+              <a:p>
+                <a:pPr marL="0" indent="0">
+                  <a:lnSpc>
+                    <a:spcPct val="120000"/>
+                  </a:lnSpc>
+                  <a:buNone/>
+                </a:pPr>
+                <a:r>
+                  <a:rPr lang="en-US" b="0" dirty="0">
+                    <a:latin typeface="+mj-lt"/>
+                    <a:ea typeface="Cambria Math" panose="02040503050406030204" pitchFamily="18" charset="0"/>
+                  </a:rPr>
+                  <a:t>An </a:t>
+                </a:r>
+                <a:r>
+                  <a:rPr lang="en-US" b="1" dirty="0">
+                    <a:solidFill>
+                      <a:srgbClr val="0070C0"/>
+                    </a:solidFill>
+                    <a:latin typeface="+mj-lt"/>
+                    <a:ea typeface="Cambria Math" panose="02040503050406030204" pitchFamily="18" charset="0"/>
+                  </a:rPr>
+                  <a:t>finite</a:t>
+                </a:r>
+                <a:r>
+                  <a:rPr lang="en-US" b="0" dirty="0">
+                    <a:latin typeface="+mj-lt"/>
+                    <a:ea typeface="Cambria Math" panose="02040503050406030204" pitchFamily="18" charset="0"/>
+                  </a:rPr>
+                  <a:t> </a:t>
+                </a:r>
+                <a:r>
+                  <a:rPr lang="en-US" b="1" dirty="0">
+                    <a:solidFill>
+                      <a:srgbClr val="0070C0"/>
+                    </a:solidFill>
+                    <a:latin typeface="+mj-lt"/>
+                    <a:ea typeface="Cambria Math" panose="02040503050406030204" pitchFamily="18" charset="0"/>
+                  </a:rPr>
+                  <a:t>automaton</a:t>
+                </a:r>
+                <a:r>
+                  <a:rPr lang="en-US" b="0" dirty="0">
+                    <a:latin typeface="+mj-lt"/>
+                    <a:ea typeface="Cambria Math" panose="02040503050406030204" pitchFamily="18" charset="0"/>
+                  </a:rPr>
+                  <a:t> is a tuple </a:t>
+                </a:r>
+                <a14:m>
+                  <m:oMath xmlns:m="http://schemas.openxmlformats.org/officeDocument/2006/math">
+                    <m:r>
+                      <a:rPr lang="en-US" b="0" i="1" smtClean="0">
+                        <a:latin typeface="Cambria Math" panose="02040503050406030204" pitchFamily="18" charset="0"/>
+                        <a:ea typeface="Cambria Math" panose="02040503050406030204" pitchFamily="18" charset="0"/>
+                      </a:rPr>
+                      <m:t>𝒜</m:t>
+                    </m:r>
+                    <m:r>
+                      <a:rPr lang="en-US" b="0" i="1" smtClean="0">
+                        <a:latin typeface="Cambria Math" panose="02040503050406030204" pitchFamily="18" charset="0"/>
+                      </a:rPr>
+                      <m:t>=〈</m:t>
+                    </m:r>
+                    <m:r>
+                      <a:rPr lang="en-US" b="0" i="1" smtClean="0">
+                        <a:latin typeface="Cambria Math" panose="02040503050406030204" pitchFamily="18" charset="0"/>
+                      </a:rPr>
+                      <m:t>𝑄</m:t>
+                    </m:r>
+                    <m:r>
+                      <a:rPr lang="en-US" b="0" i="1" smtClean="0">
+                        <a:latin typeface="Cambria Math" panose="02040503050406030204" pitchFamily="18" charset="0"/>
+                      </a:rPr>
+                      <m:t>,</m:t>
+                    </m:r>
+                    <m:sSub>
+                      <m:sSubPr>
+                        <m:ctrlPr>
+                          <a:rPr lang="en-US" b="0" i="1" smtClean="0">
+                            <a:latin typeface="Cambria Math" panose="02040503050406030204" pitchFamily="18" charset="0"/>
+                          </a:rPr>
+                        </m:ctrlPr>
+                      </m:sSubPr>
+                      <m:e>
+                        <m:r>
+                          <m:rPr>
+                            <m:sty m:val="p"/>
+                          </m:rPr>
+                          <a:rPr lang="en-US" b="0" i="0" smtClean="0">
+                            <a:latin typeface="Cambria Math" panose="02040503050406030204" pitchFamily="18" charset="0"/>
+                          </a:rPr>
+                          <m:t>Q</m:t>
+                        </m:r>
+                      </m:e>
+                      <m:sub>
+                        <m:r>
+                          <a:rPr lang="en-US" b="0" i="0" smtClean="0">
+                            <a:latin typeface="Cambria Math" panose="02040503050406030204" pitchFamily="18" charset="0"/>
+                          </a:rPr>
+                          <m:t>0</m:t>
+                        </m:r>
+                      </m:sub>
+                    </m:sSub>
+                    <m:r>
+                      <a:rPr lang="en-US" b="0" i="1" smtClean="0">
+                        <a:latin typeface="Cambria Math" panose="02040503050406030204" pitchFamily="18" charset="0"/>
+                      </a:rPr>
+                      <m:t>, </m:t>
+                    </m:r>
+                    <m:r>
+                      <a:rPr lang="en-US" b="0" i="1" smtClean="0">
+                        <a:latin typeface="Cambria Math" panose="02040503050406030204" pitchFamily="18" charset="0"/>
+                        <a:ea typeface="Cambria Math" panose="02040503050406030204" pitchFamily="18" charset="0"/>
+                      </a:rPr>
+                      <m:t>𝒟</m:t>
+                    </m:r>
+                    <m:r>
+                      <a:rPr lang="en-US" b="0" i="1" smtClean="0">
+                        <a:latin typeface="Cambria Math" panose="02040503050406030204" pitchFamily="18" charset="0"/>
+                        <a:ea typeface="Cambria Math" panose="02040503050406030204" pitchFamily="18" charset="0"/>
+                      </a:rPr>
+                      <m:t>〉</m:t>
+                    </m:r>
+                  </m:oMath>
+                </a14:m>
+                <a:r>
+                  <a:rPr lang="en-US" dirty="0">
+                    <a:latin typeface="+mj-lt"/>
+                  </a:rPr>
+                  <a:t> where</a:t>
+                </a:r>
+              </a:p>
+              <a:p>
+                <a:pPr>
+                  <a:lnSpc>
+                    <a:spcPct val="120000"/>
+                  </a:lnSpc>
+                </a:pPr>
+                <a14:m>
+                  <m:oMath xmlns:m="http://schemas.openxmlformats.org/officeDocument/2006/math">
+                    <m:r>
+                      <a:rPr lang="en-US" b="0" i="1" smtClean="0">
+                        <a:latin typeface="Cambria Math" panose="02040503050406030204" pitchFamily="18" charset="0"/>
+                      </a:rPr>
+                      <m:t>𝑄</m:t>
+                    </m:r>
+                  </m:oMath>
+                </a14:m>
+                <a:r>
+                  <a:rPr lang="en-US" dirty="0">
+                    <a:latin typeface="+mj-lt"/>
+                  </a:rPr>
+                  <a:t> is a finite set of states</a:t>
+                </a:r>
+              </a:p>
+              <a:p>
+                <a:pPr>
+                  <a:lnSpc>
+                    <a:spcPct val="120000"/>
+                  </a:lnSpc>
+                </a:pPr>
+                <a14:m>
+                  <m:oMath xmlns:m="http://schemas.openxmlformats.org/officeDocument/2006/math">
+                    <m:sSub>
+                      <m:sSubPr>
+                        <m:ctrlPr>
+                          <a:rPr lang="en-US" b="0" i="1" smtClean="0">
+                            <a:latin typeface="Cambria Math" panose="02040503050406030204" pitchFamily="18" charset="0"/>
+                          </a:rPr>
+                        </m:ctrlPr>
+                      </m:sSubPr>
+                      <m:e>
+                        <m:r>
+                          <a:rPr lang="en-US" b="0" i="1" smtClean="0">
+                            <a:latin typeface="Cambria Math" panose="02040503050406030204" pitchFamily="18" charset="0"/>
+                          </a:rPr>
+                          <m:t>𝑄</m:t>
+                        </m:r>
+                      </m:e>
+                      <m:sub>
+                        <m:r>
+                          <a:rPr lang="en-US" b="0" i="1" smtClean="0">
+                            <a:latin typeface="Cambria Math" panose="02040503050406030204" pitchFamily="18" charset="0"/>
+                          </a:rPr>
+                          <m:t>0</m:t>
+                        </m:r>
+                      </m:sub>
+                    </m:sSub>
+                    <m:r>
+                      <a:rPr lang="en-US" b="0" i="1" smtClean="0">
+                        <a:latin typeface="Cambria Math" panose="02040503050406030204" pitchFamily="18" charset="0"/>
+                      </a:rPr>
+                      <m:t>⊆</m:t>
+                    </m:r>
+                    <m:r>
+                      <a:rPr lang="en-US" b="0" i="1" smtClean="0">
+                        <a:latin typeface="Cambria Math" panose="02040503050406030204" pitchFamily="18" charset="0"/>
+                      </a:rPr>
+                      <m:t>𝑄</m:t>
+                    </m:r>
+                  </m:oMath>
+                </a14:m>
+                <a:r>
+                  <a:rPr lang="en-US" dirty="0">
+                    <a:latin typeface="+mj-lt"/>
+                  </a:rPr>
+                  <a:t> is the set of </a:t>
+                </a:r>
+                <a:r>
+                  <a:rPr lang="en-US" b="1" dirty="0">
+                    <a:latin typeface="+mj-lt"/>
+                  </a:rPr>
+                  <a:t>initial</a:t>
+                </a:r>
+                <a:r>
+                  <a:rPr lang="en-US" dirty="0">
+                    <a:latin typeface="+mj-lt"/>
+                  </a:rPr>
+                  <a:t> or </a:t>
+                </a:r>
+                <a:r>
+                  <a:rPr lang="en-US" b="1" dirty="0">
+                    <a:latin typeface="+mj-lt"/>
+                  </a:rPr>
+                  <a:t>start states</a:t>
+                </a:r>
+              </a:p>
+              <a:p>
+                <a:pPr>
+                  <a:lnSpc>
+                    <a:spcPct val="120000"/>
+                  </a:lnSpc>
+                </a:pPr>
+                <a14:m>
+                  <m:oMath xmlns:m="http://schemas.openxmlformats.org/officeDocument/2006/math">
+                    <m:r>
+                      <a:rPr lang="en-US" i="1" smtClean="0">
+                        <a:latin typeface="Cambria Math" panose="02040503050406030204" pitchFamily="18" charset="0"/>
+                        <a:ea typeface="Cambria Math" panose="02040503050406030204" pitchFamily="18" charset="0"/>
+                      </a:rPr>
+                      <m:t>𝒟</m:t>
+                    </m:r>
+                    <m:r>
+                      <a:rPr lang="en-US" b="0" i="1" smtClean="0">
+                        <a:latin typeface="Cambria Math" panose="02040503050406030204" pitchFamily="18" charset="0"/>
+                        <a:ea typeface="Cambria Math" panose="02040503050406030204" pitchFamily="18" charset="0"/>
+                      </a:rPr>
+                      <m:t>⊆</m:t>
+                    </m:r>
+                    <m:r>
+                      <a:rPr lang="en-US" b="0" i="1" smtClean="0">
+                        <a:latin typeface="Cambria Math" panose="02040503050406030204" pitchFamily="18" charset="0"/>
+                        <a:ea typeface="Cambria Math" panose="02040503050406030204" pitchFamily="18" charset="0"/>
+                      </a:rPr>
+                      <m:t>𝑄</m:t>
+                    </m:r>
+                    <m:r>
+                      <a:rPr lang="en-US" b="0" i="1" smtClean="0">
+                        <a:latin typeface="Cambria Math" panose="02040503050406030204" pitchFamily="18" charset="0"/>
+                        <a:ea typeface="Cambria Math" panose="02040503050406030204" pitchFamily="18" charset="0"/>
+                      </a:rPr>
+                      <m:t>×</m:t>
+                    </m:r>
+                    <m:r>
+                      <a:rPr lang="en-US" b="0" i="1" smtClean="0">
+                        <a:latin typeface="Cambria Math" panose="02040503050406030204" pitchFamily="18" charset="0"/>
+                        <a:ea typeface="Cambria Math" panose="02040503050406030204" pitchFamily="18" charset="0"/>
+                      </a:rPr>
+                      <m:t>𝑄</m:t>
+                    </m:r>
+                  </m:oMath>
+                </a14:m>
+                <a:r>
+                  <a:rPr lang="en-US" dirty="0">
+                    <a:latin typeface="+mj-lt"/>
+                  </a:rPr>
+                  <a:t> is the set of </a:t>
+                </a:r>
+                <a:r>
+                  <a:rPr lang="en-US" b="1" dirty="0">
+                    <a:latin typeface="+mj-lt"/>
+                  </a:rPr>
+                  <a:t>transitions</a:t>
+                </a:r>
+              </a:p>
+              <a:p>
+                <a:pPr marL="0" indent="0">
+                  <a:lnSpc>
+                    <a:spcPct val="120000"/>
+                  </a:lnSpc>
+                  <a:buNone/>
+                </a:pPr>
+                <a:r>
+                  <a:rPr lang="en-US" dirty="0"/>
+                  <a:t>An </a:t>
+                </a:r>
+                <a:r>
+                  <a:rPr lang="en-US" b="1" i="1" dirty="0">
+                    <a:solidFill>
+                      <a:srgbClr val="0070C0"/>
+                    </a:solidFill>
+                  </a:rPr>
+                  <a:t>execution</a:t>
+                </a:r>
+                <a:r>
+                  <a:rPr lang="en-US" dirty="0"/>
+                  <a:t> of </a:t>
+                </a:r>
+                <a14:m>
+                  <m:oMath xmlns:m="http://schemas.openxmlformats.org/officeDocument/2006/math">
+                    <m:r>
+                      <a:rPr lang="en-US" i="1">
+                        <a:latin typeface="Cambria Math" panose="02040503050406030204" pitchFamily="18" charset="0"/>
+                        <a:ea typeface="Cambria Math" panose="02040503050406030204" pitchFamily="18" charset="0"/>
+                      </a:rPr>
+                      <m:t>𝒜</m:t>
+                    </m:r>
+                  </m:oMath>
+                </a14:m>
+                <a:r>
+                  <a:rPr lang="en-US" dirty="0"/>
+                  <a:t> is an alternating sequence of states and actions </a:t>
+                </a:r>
+                <a14:m>
+                  <m:oMath xmlns:m="http://schemas.openxmlformats.org/officeDocument/2006/math">
+                    <m:r>
+                      <a:rPr lang="en-US" i="1">
+                        <a:latin typeface="Cambria Math" panose="02040503050406030204" pitchFamily="18" charset="0"/>
+                      </a:rPr>
+                      <m:t>𝛼</m:t>
+                    </m:r>
+                    <m:r>
+                      <a:rPr lang="en-US" i="1">
+                        <a:latin typeface="Cambria Math" panose="02040503050406030204" pitchFamily="18" charset="0"/>
+                      </a:rPr>
+                      <m:t>=</m:t>
+                    </m:r>
+                    <m:sSub>
+                      <m:sSubPr>
+                        <m:ctrlPr>
+                          <a:rPr lang="en-US" i="1">
+                            <a:latin typeface="Cambria Math" panose="02040503050406030204" pitchFamily="18" charset="0"/>
+                          </a:rPr>
+                        </m:ctrlPr>
+                      </m:sSubPr>
+                      <m:e>
+                        <m:r>
+                          <a:rPr lang="en-US" b="0" i="1" smtClean="0">
+                            <a:latin typeface="Cambria Math" panose="02040503050406030204" pitchFamily="18" charset="0"/>
+                          </a:rPr>
+                          <m:t>𝑞</m:t>
+                        </m:r>
+                      </m:e>
+                      <m:sub>
+                        <m:r>
+                          <a:rPr lang="en-US" i="1">
+                            <a:latin typeface="Cambria Math" panose="02040503050406030204" pitchFamily="18" charset="0"/>
+                          </a:rPr>
+                          <m:t>0</m:t>
+                        </m:r>
+                      </m:sub>
+                    </m:sSub>
+                    <m:sSub>
+                      <m:sSubPr>
+                        <m:ctrlPr>
+                          <a:rPr lang="en-US" i="1">
+                            <a:latin typeface="Cambria Math" panose="02040503050406030204" pitchFamily="18" charset="0"/>
+                          </a:rPr>
+                        </m:ctrlPr>
+                      </m:sSubPr>
+                      <m:e>
+                        <m:r>
+                          <a:rPr lang="en-US" b="0" i="1" smtClean="0">
+                            <a:latin typeface="Cambria Math" panose="02040503050406030204" pitchFamily="18" charset="0"/>
+                          </a:rPr>
+                          <m:t>𝑞</m:t>
+                        </m:r>
+                      </m:e>
+                      <m:sub>
+                        <m:r>
+                          <a:rPr lang="en-US" i="1">
+                            <a:latin typeface="Cambria Math" panose="02040503050406030204" pitchFamily="18" charset="0"/>
+                          </a:rPr>
+                          <m:t>1</m:t>
+                        </m:r>
+                      </m:sub>
+                    </m:sSub>
+                    <m:sSub>
+                      <m:sSubPr>
+                        <m:ctrlPr>
+                          <a:rPr lang="en-US" i="1">
+                            <a:latin typeface="Cambria Math" panose="02040503050406030204" pitchFamily="18" charset="0"/>
+                          </a:rPr>
+                        </m:ctrlPr>
+                      </m:sSubPr>
+                      <m:e>
+                        <m:r>
+                          <a:rPr lang="en-US" b="0" i="1" smtClean="0">
+                            <a:latin typeface="Cambria Math" panose="02040503050406030204" pitchFamily="18" charset="0"/>
+                          </a:rPr>
+                          <m:t>𝑞</m:t>
+                        </m:r>
+                      </m:e>
+                      <m:sub>
+                        <m:r>
+                          <a:rPr lang="en-US" b="0" i="1" smtClean="0">
+                            <a:latin typeface="Cambria Math" panose="02040503050406030204" pitchFamily="18" charset="0"/>
+                          </a:rPr>
+                          <m:t>2 </m:t>
+                        </m:r>
+                      </m:sub>
+                    </m:sSub>
+                    <m:r>
+                      <a:rPr lang="en-US" b="0" i="1" smtClean="0">
+                        <a:latin typeface="Cambria Math" panose="02040503050406030204" pitchFamily="18" charset="0"/>
+                      </a:rPr>
+                      <m:t>…</m:t>
+                    </m:r>
+                    <m:sSub>
+                      <m:sSubPr>
+                        <m:ctrlPr>
+                          <a:rPr lang="en-US" b="0" i="1" smtClean="0">
+                            <a:latin typeface="Cambria Math" panose="02040503050406030204" pitchFamily="18" charset="0"/>
+                          </a:rPr>
+                        </m:ctrlPr>
+                      </m:sSubPr>
+                      <m:e>
+                        <m:r>
+                          <a:rPr lang="en-US" b="0" i="1" smtClean="0">
+                            <a:latin typeface="Cambria Math" panose="02040503050406030204" pitchFamily="18" charset="0"/>
+                          </a:rPr>
+                          <m:t>𝑞</m:t>
+                        </m:r>
+                      </m:e>
+                      <m:sub>
+                        <m:r>
+                          <a:rPr lang="en-US" b="0" i="1" smtClean="0">
+                            <a:latin typeface="Cambria Math" panose="02040503050406030204" pitchFamily="18" charset="0"/>
+                          </a:rPr>
+                          <m:t>𝑘</m:t>
+                        </m:r>
+                      </m:sub>
+                    </m:sSub>
+                  </m:oMath>
+                </a14:m>
+                <a:r>
+                  <a:rPr lang="en-US" dirty="0"/>
+                  <a:t>such that:</a:t>
+                </a:r>
+              </a:p>
+              <a:p>
+                <a:pPr marL="971550" lvl="1" indent="-514350">
+                  <a:lnSpc>
+                    <a:spcPct val="120000"/>
+                  </a:lnSpc>
+                  <a:buFont typeface="+mj-lt"/>
+                  <a:buAutoNum type="arabicPeriod"/>
+                </a:pPr>
+                <a14:m>
+                  <m:oMath xmlns:m="http://schemas.openxmlformats.org/officeDocument/2006/math">
+                    <m:sSub>
+                      <m:sSubPr>
+                        <m:ctrlPr>
+                          <a:rPr lang="en-US" i="1">
+                            <a:latin typeface="Cambria Math" panose="02040503050406030204" pitchFamily="18" charset="0"/>
+                          </a:rPr>
+                        </m:ctrlPr>
+                      </m:sSubPr>
+                      <m:e>
+                        <m:r>
+                          <a:rPr lang="en-US" b="0" i="1" smtClean="0">
+                            <a:latin typeface="Cambria Math" panose="02040503050406030204" pitchFamily="18" charset="0"/>
+                          </a:rPr>
+                          <m:t>𝑞</m:t>
+                        </m:r>
+                      </m:e>
+                      <m:sub>
+                        <m:r>
+                          <a:rPr lang="en-US" i="1">
+                            <a:latin typeface="Cambria Math" panose="02040503050406030204" pitchFamily="18" charset="0"/>
+                          </a:rPr>
+                          <m:t>0</m:t>
+                        </m:r>
+                      </m:sub>
+                    </m:sSub>
+                    <m:r>
+                      <a:rPr lang="en-US" i="1">
+                        <a:latin typeface="Cambria Math" panose="02040503050406030204" pitchFamily="18" charset="0"/>
+                      </a:rPr>
+                      <m:t>∈</m:t>
+                    </m:r>
+                    <m:sSub>
+                      <m:sSubPr>
+                        <m:ctrlPr>
+                          <a:rPr lang="en-US" b="0" i="1" smtClean="0">
+                            <a:latin typeface="Cambria Math" panose="02040503050406030204" pitchFamily="18" charset="0"/>
+                          </a:rPr>
+                        </m:ctrlPr>
+                      </m:sSubPr>
+                      <m:e>
+                        <m:r>
+                          <m:rPr>
+                            <m:sty m:val="p"/>
+                          </m:rPr>
+                          <a:rPr lang="en-US" b="0" i="0" smtClean="0">
+                            <a:latin typeface="Cambria Math" panose="02040503050406030204" pitchFamily="18" charset="0"/>
+                          </a:rPr>
+                          <m:t>Q</m:t>
+                        </m:r>
+                      </m:e>
+                      <m:sub>
+                        <m:r>
+                          <a:rPr lang="en-US" b="0" i="0" smtClean="0">
+                            <a:latin typeface="Cambria Math" panose="02040503050406030204" pitchFamily="18" charset="0"/>
+                          </a:rPr>
+                          <m:t>0</m:t>
+                        </m:r>
+                      </m:sub>
+                    </m:sSub>
+                    <m:r>
+                      <a:rPr lang="en-US" b="0" i="1" smtClean="0">
+                        <a:latin typeface="Cambria Math" panose="02040503050406030204" pitchFamily="18" charset="0"/>
+                      </a:rPr>
+                      <m:t> 2. </m:t>
+                    </m:r>
+                    <m:r>
+                      <a:rPr lang="en-US" i="1">
+                        <a:latin typeface="Cambria Math" panose="02040503050406030204" pitchFamily="18" charset="0"/>
+                      </a:rPr>
+                      <m:t>∀ </m:t>
+                    </m:r>
+                    <m:r>
+                      <a:rPr lang="en-US" i="1">
+                        <a:latin typeface="Cambria Math" panose="02040503050406030204" pitchFamily="18" charset="0"/>
+                      </a:rPr>
+                      <m:t>𝑖</m:t>
+                    </m:r>
+                    <m:r>
+                      <a:rPr lang="en-US" i="1">
+                        <a:latin typeface="Cambria Math" panose="02040503050406030204" pitchFamily="18" charset="0"/>
+                      </a:rPr>
+                      <m:t> </m:t>
+                    </m:r>
+                  </m:oMath>
+                </a14:m>
+                <a:r>
+                  <a:rPr lang="en-US" dirty="0"/>
+                  <a:t>in the sequence, </a:t>
+                </a:r>
+                <a14:m>
+                  <m:oMath xmlns:m="http://schemas.openxmlformats.org/officeDocument/2006/math">
+                    <m:d>
+                      <m:dPr>
+                        <m:ctrlPr>
+                          <a:rPr lang="en-US" b="0" i="1" smtClean="0">
+                            <a:latin typeface="Cambria Math" panose="02040503050406030204" pitchFamily="18" charset="0"/>
+                          </a:rPr>
+                        </m:ctrlPr>
+                      </m:dPr>
+                      <m:e>
+                        <m:sSub>
+                          <m:sSubPr>
+                            <m:ctrlPr>
+                              <a:rPr lang="en-US" i="1">
+                                <a:latin typeface="Cambria Math" panose="02040503050406030204" pitchFamily="18" charset="0"/>
+                              </a:rPr>
+                            </m:ctrlPr>
+                          </m:sSubPr>
+                          <m:e>
+                            <m:r>
+                              <a:rPr lang="en-US" b="0" i="1" smtClean="0">
+                                <a:latin typeface="Cambria Math" panose="02040503050406030204" pitchFamily="18" charset="0"/>
+                              </a:rPr>
+                              <m:t>𝑞</m:t>
+                            </m:r>
+                          </m:e>
+                          <m:sub>
+                            <m:r>
+                              <a:rPr lang="en-US" i="1">
+                                <a:latin typeface="Cambria Math" panose="02040503050406030204" pitchFamily="18" charset="0"/>
+                              </a:rPr>
+                              <m:t>𝑖</m:t>
+                            </m:r>
+                          </m:sub>
+                        </m:sSub>
+                        <m:r>
+                          <a:rPr lang="en-US" b="0" i="1" smtClean="0">
+                            <a:latin typeface="Cambria Math" panose="02040503050406030204" pitchFamily="18" charset="0"/>
+                          </a:rPr>
+                          <m:t>,</m:t>
+                        </m:r>
+                        <m:sSub>
+                          <m:sSubPr>
+                            <m:ctrlPr>
+                              <a:rPr lang="en-US" i="1">
+                                <a:latin typeface="Cambria Math" panose="02040503050406030204" pitchFamily="18" charset="0"/>
+                              </a:rPr>
+                            </m:ctrlPr>
+                          </m:sSubPr>
+                          <m:e>
+                            <m:r>
+                              <a:rPr lang="en-US" b="0" i="1" smtClean="0">
+                                <a:latin typeface="Cambria Math" panose="02040503050406030204" pitchFamily="18" charset="0"/>
+                              </a:rPr>
+                              <m:t>𝑞</m:t>
+                            </m:r>
+                          </m:e>
+                          <m:sub>
+                            <m:r>
+                              <a:rPr lang="en-US" i="1">
+                                <a:latin typeface="Cambria Math" panose="02040503050406030204" pitchFamily="18" charset="0"/>
+                              </a:rPr>
+                              <m:t>𝑖</m:t>
+                            </m:r>
+                            <m:r>
+                              <a:rPr lang="en-US" i="1">
+                                <a:latin typeface="Cambria Math" panose="02040503050406030204" pitchFamily="18" charset="0"/>
+                              </a:rPr>
+                              <m:t>+1</m:t>
+                            </m:r>
+                          </m:sub>
+                        </m:sSub>
+                      </m:e>
+                    </m:d>
+                    <m:r>
+                      <m:rPr>
+                        <m:lit/>
+                      </m:rPr>
+                      <a:rPr lang="en-US" b="0" i="1" smtClean="0">
+                        <a:latin typeface="Cambria Math" panose="02040503050406030204" pitchFamily="18" charset="0"/>
+                      </a:rPr>
+                      <m:t> </m:t>
+                    </m:r>
+                    <m:r>
+                      <a:rPr lang="en-US" b="0" i="1" smtClean="0">
+                        <a:latin typeface="Cambria Math" panose="02040503050406030204" pitchFamily="18" charset="0"/>
+                      </a:rPr>
+                      <m:t>∈</m:t>
+                    </m:r>
+                    <m:r>
+                      <a:rPr lang="en-US" i="1">
+                        <a:latin typeface="Cambria Math" panose="02040503050406030204" pitchFamily="18" charset="0"/>
+                        <a:ea typeface="Cambria Math" panose="02040503050406030204" pitchFamily="18" charset="0"/>
+                      </a:rPr>
+                      <m:t>𝒟</m:t>
+                    </m:r>
+                  </m:oMath>
+                </a14:m>
+                <a:endParaRPr lang="en-US" b="1" dirty="0">
+                  <a:latin typeface="+mj-lt"/>
+                </a:endParaRPr>
+              </a:p>
+              <a:p>
+                <a:pPr marL="0" indent="0">
+                  <a:lnSpc>
+                    <a:spcPct val="120000"/>
+                  </a:lnSpc>
+                  <a:buNone/>
+                </a:pPr>
+                <a:r>
+                  <a:rPr lang="en-US" dirty="0"/>
+                  <a:t>A state </a:t>
+                </a:r>
+                <a14:m>
+                  <m:oMath xmlns:m="http://schemas.openxmlformats.org/officeDocument/2006/math">
+                    <m:r>
+                      <a:rPr lang="en-US" b="1" i="1" dirty="0">
+                        <a:latin typeface="Cambria Math" panose="02040503050406030204" pitchFamily="18" charset="0"/>
+                      </a:rPr>
+                      <m:t>𝒖</m:t>
+                    </m:r>
+                  </m:oMath>
+                </a14:m>
+                <a:r>
+                  <a:rPr lang="en-US" dirty="0"/>
+                  <a:t> is </a:t>
+                </a:r>
+                <a:r>
+                  <a:rPr lang="en-US" b="1" i="1" dirty="0">
+                    <a:solidFill>
+                      <a:srgbClr val="0070C0"/>
+                    </a:solidFill>
+                  </a:rPr>
+                  <a:t>reachable</a:t>
+                </a:r>
+                <a:r>
+                  <a:rPr lang="en-US" b="1" dirty="0"/>
+                  <a:t> </a:t>
+                </a:r>
+                <a:r>
+                  <a:rPr lang="en-US" dirty="0"/>
+                  <a:t>if there exists an execution </a:t>
+                </a:r>
+                <a14:m>
+                  <m:oMath xmlns:m="http://schemas.openxmlformats.org/officeDocument/2006/math">
+                    <m:r>
+                      <a:rPr lang="en-US" i="1" dirty="0">
+                        <a:latin typeface="Cambria Math" panose="02040503050406030204" pitchFamily="18" charset="0"/>
+                      </a:rPr>
+                      <m:t>𝛼</m:t>
+                    </m:r>
+                  </m:oMath>
+                </a14:m>
+                <a:r>
+                  <a:rPr lang="en-US" dirty="0"/>
+                  <a:t> such that </a:t>
+                </a:r>
+                <a14:m>
+                  <m:oMath xmlns:m="http://schemas.openxmlformats.org/officeDocument/2006/math">
+                    <m:r>
+                      <a:rPr lang="en-US" i="1" dirty="0">
+                        <a:latin typeface="Cambria Math" panose="02040503050406030204" pitchFamily="18" charset="0"/>
+                      </a:rPr>
+                      <m:t>𝛼</m:t>
+                    </m:r>
+                    <m:r>
+                      <a:rPr lang="en-US" i="1" dirty="0">
+                        <a:latin typeface="Cambria Math" panose="02040503050406030204" pitchFamily="18" charset="0"/>
+                      </a:rPr>
+                      <m:t>.</m:t>
+                    </m:r>
+                    <m:r>
+                      <a:rPr lang="en-US" i="1" dirty="0">
+                        <a:latin typeface="Cambria Math" panose="02040503050406030204" pitchFamily="18" charset="0"/>
+                      </a:rPr>
+                      <m:t>𝑙𝑠𝑡𝑎𝑡𝑒</m:t>
+                    </m:r>
+                    <m:r>
+                      <a:rPr lang="en-US" b="0" i="1" dirty="0" smtClean="0">
+                        <a:latin typeface="Cambria Math" panose="02040503050406030204" pitchFamily="18" charset="0"/>
+                      </a:rPr>
+                      <m:t>=</m:t>
+                    </m:r>
+                    <m:sSub>
+                      <m:sSubPr>
+                        <m:ctrlPr>
+                          <a:rPr lang="en-US" b="0" i="1" dirty="0" smtClean="0">
+                            <a:latin typeface="Cambria Math" panose="02040503050406030204" pitchFamily="18" charset="0"/>
+                          </a:rPr>
+                        </m:ctrlPr>
+                      </m:sSubPr>
+                      <m:e>
+                        <m:r>
+                          <a:rPr lang="en-US" b="0" i="1" dirty="0" smtClean="0">
+                            <a:latin typeface="Cambria Math" panose="02040503050406030204" pitchFamily="18" charset="0"/>
+                          </a:rPr>
+                          <m:t>𝑞</m:t>
+                        </m:r>
+                      </m:e>
+                      <m:sub>
+                        <m:r>
+                          <a:rPr lang="en-US" b="0" i="1" dirty="0" smtClean="0">
+                            <a:latin typeface="Cambria Math" panose="02040503050406030204" pitchFamily="18" charset="0"/>
+                          </a:rPr>
+                          <m:t>𝑘</m:t>
+                        </m:r>
+                      </m:sub>
+                    </m:sSub>
+                    <m:r>
+                      <a:rPr lang="en-US" i="1" dirty="0">
+                        <a:latin typeface="Cambria Math" panose="02040503050406030204" pitchFamily="18" charset="0"/>
+                      </a:rPr>
+                      <m:t>=</m:t>
+                    </m:r>
+                    <m:r>
+                      <a:rPr lang="en-US" b="1" i="1" dirty="0">
+                        <a:latin typeface="Cambria Math" panose="02040503050406030204" pitchFamily="18" charset="0"/>
+                      </a:rPr>
+                      <m:t>𝒖</m:t>
+                    </m:r>
+                  </m:oMath>
+                </a14:m>
+                <a:endParaRPr lang="en-US" dirty="0"/>
+              </a:p>
+              <a:p>
+                <a:pPr marL="0" indent="0">
+                  <a:lnSpc>
+                    <a:spcPct val="120000"/>
+                  </a:lnSpc>
+                  <a:buNone/>
+                </a:pPr>
+                <a:endParaRPr lang="en-US" b="1" dirty="0">
+                  <a:latin typeface="+mj-lt"/>
+                </a:endParaRPr>
+              </a:p>
+            </p:txBody>
+          </p:sp>
+        </mc:Choice>
+        <mc:Fallback xmlns="">
+          <p:sp>
+            <p:nvSpPr>
+              <p:cNvPr id="3" name="Content Placeholder 2"/>
+              <p:cNvSpPr>
+                <a:spLocks noGrp="1" noRot="1" noChangeAspect="1" noMove="1" noResize="1" noEditPoints="1" noAdjustHandles="1" noChangeArrowheads="1" noChangeShapeType="1" noTextEdit="1"/>
+              </p:cNvSpPr>
+              <p:nvPr>
+                <p:ph idx="1"/>
+              </p:nvPr>
+            </p:nvSpPr>
+            <p:spPr>
+              <a:xfrm>
+                <a:off x="628650" y="1417638"/>
+                <a:ext cx="7886700" cy="4456113"/>
+              </a:xfrm>
+              <a:blipFill>
+                <a:blip r:embed="rId2"/>
+                <a:stretch>
+                  <a:fillRect l="-1447" t="-1136"/>
+                </a:stretch>
+              </a:blipFill>
+            </p:spPr>
+            <p:txBody>
+              <a:bodyPr/>
+              <a:lstStyle/>
+              <a:p>
+                <a:r>
+                  <a:rPr lang="en-US">
+                    <a:noFill/>
+                  </a:rPr>
+                  <a:t> </a:t>
+                </a:r>
+              </a:p>
+            </p:txBody>
+          </p:sp>
+        </mc:Fallback>
+      </mc:AlternateContent>
+    </p:spTree>
+    <p:extLst>
+      <p:ext uri="{BB962C8B-B14F-4D97-AF65-F5344CB8AC3E}">
+        <p14:creationId xmlns:p14="http://schemas.microsoft.com/office/powerpoint/2010/main" val="1440860525"/>
+      </p:ext>
+    </p:extLst>
+  </p:cSld>
+  <p:clrMapOvr>
+    <a:masterClrMapping/>
+  </p:clrMapOvr>
+</p:sld>
+</file>
+
+<file path=ppt/slides/slide40.xml><?xml version="1.0" encoding="utf-8"?>
 <p:sld xmlns:a="http://schemas.openxmlformats.org/drawingml/2006/main" xmlns:r="http://schemas.openxmlformats.org/officeDocument/2006/relationships" xmlns:p="http://schemas.openxmlformats.org/presentationml/2006/main">
   <p:cSld>
     <p:spTree>
@@ -28473,7 +30855,7 @@
 </p:sld>
 </file>
 
-<file path=ppt/slides/slide38.xml><?xml version="1.0" encoding="utf-8"?>
+<file path=ppt/slides/slide41.xml><?xml version="1.0" encoding="utf-8"?>
 <p:sld xmlns:a="http://schemas.openxmlformats.org/drawingml/2006/main" xmlns:r="http://schemas.openxmlformats.org/officeDocument/2006/relationships" xmlns:p="http://schemas.openxmlformats.org/presentationml/2006/main">
   <p:cSld>
     <p:spTree>
@@ -30230,7 +32612,7 @@
 </p:sld>
 </file>
 
-<file path=ppt/slides/slide39.xml><?xml version="1.0" encoding="utf-8"?>
+<file path=ppt/slides/slide42.xml><?xml version="1.0" encoding="utf-8"?>
 <p:sld xmlns:a="http://schemas.openxmlformats.org/drawingml/2006/main" xmlns:r="http://schemas.openxmlformats.org/officeDocument/2006/relationships" xmlns:p="http://schemas.openxmlformats.org/presentationml/2006/main">
   <p:cSld>
     <p:spTree>
@@ -33720,910 +36102,7 @@
 </p:sld>
 </file>
 
-<file path=ppt/slides/slide4.xml><?xml version="1.0" encoding="utf-8"?>
-<p:sld xmlns:a="http://schemas.openxmlformats.org/drawingml/2006/main" xmlns:r="http://schemas.openxmlformats.org/officeDocument/2006/relationships" xmlns:p="http://schemas.openxmlformats.org/presentationml/2006/main">
-  <p:cSld>
-    <p:spTree>
-      <p:nvGrpSpPr>
-        <p:cNvPr id="1" name=""/>
-        <p:cNvGrpSpPr/>
-        <p:nvPr/>
-      </p:nvGrpSpPr>
-      <p:grpSpPr>
-        <a:xfrm>
-          <a:off x="0" y="0"/>
-          <a:ext cx="0" cy="0"/>
-          <a:chOff x="0" y="0"/>
-          <a:chExt cx="0" cy="0"/>
-        </a:xfrm>
-      </p:grpSpPr>
-      <p:sp>
-        <p:nvSpPr>
-          <p:cNvPr id="2" name="Title 1"/>
-          <p:cNvSpPr>
-            <a:spLocks noGrp="1"/>
-          </p:cNvSpPr>
-          <p:nvPr>
-            <p:ph type="title"/>
-          </p:nvPr>
-        </p:nvSpPr>
-        <p:spPr/>
-        <p:txBody>
-          <a:bodyPr>
-            <a:normAutofit/>
-          </a:bodyPr>
-          <a:lstStyle/>
-          <a:p>
-            <a:r>
-              <a:rPr lang="en-US" sz="2700" dirty="0"/>
-              <a:t>Reachability of Finite Automata</a:t>
-            </a:r>
-          </a:p>
-        </p:txBody>
-      </p:sp>
-      <mc:AlternateContent xmlns:mc="http://schemas.openxmlformats.org/markup-compatibility/2006">
-        <mc:Choice xmlns:a14="http://schemas.microsoft.com/office/drawing/2010/main" Requires="a14">
-          <p:sp>
-            <p:nvSpPr>
-              <p:cNvPr id="3" name="Content Placeholder 2"/>
-              <p:cNvSpPr>
-                <a:spLocks noGrp="1"/>
-              </p:cNvSpPr>
-              <p:nvPr>
-                <p:ph idx="1"/>
-              </p:nvPr>
-            </p:nvSpPr>
-            <p:spPr>
-              <a:xfrm>
-                <a:off x="628650" y="1417638"/>
-                <a:ext cx="7886700" cy="4456113"/>
-              </a:xfrm>
-            </p:spPr>
-            <p:txBody>
-              <a:bodyPr>
-                <a:normAutofit fontScale="85000" lnSpcReduction="20000"/>
-              </a:bodyPr>
-              <a:lstStyle/>
-              <a:p>
-                <a:pPr marL="0" indent="0">
-                  <a:lnSpc>
-                    <a:spcPct val="120000"/>
-                  </a:lnSpc>
-                  <a:buNone/>
-                </a:pPr>
-                <a:r>
-                  <a:rPr lang="en-US" b="0" dirty="0">
-                    <a:latin typeface="+mj-lt"/>
-                    <a:ea typeface="Cambria Math" panose="02040503050406030204" pitchFamily="18" charset="0"/>
-                  </a:rPr>
-                  <a:t>An </a:t>
-                </a:r>
-                <a:r>
-                  <a:rPr lang="en-US" b="1" dirty="0">
-                    <a:solidFill>
-                      <a:srgbClr val="0070C0"/>
-                    </a:solidFill>
-                    <a:latin typeface="+mj-lt"/>
-                    <a:ea typeface="Cambria Math" panose="02040503050406030204" pitchFamily="18" charset="0"/>
-                  </a:rPr>
-                  <a:t>finite</a:t>
-                </a:r>
-                <a:r>
-                  <a:rPr lang="en-US" b="0" dirty="0">
-                    <a:latin typeface="+mj-lt"/>
-                    <a:ea typeface="Cambria Math" panose="02040503050406030204" pitchFamily="18" charset="0"/>
-                  </a:rPr>
-                  <a:t> </a:t>
-                </a:r>
-                <a:r>
-                  <a:rPr lang="en-US" b="1" dirty="0">
-                    <a:solidFill>
-                      <a:srgbClr val="0070C0"/>
-                    </a:solidFill>
-                    <a:latin typeface="+mj-lt"/>
-                    <a:ea typeface="Cambria Math" panose="02040503050406030204" pitchFamily="18" charset="0"/>
-                  </a:rPr>
-                  <a:t>automaton</a:t>
-                </a:r>
-                <a:r>
-                  <a:rPr lang="en-US" b="0" dirty="0">
-                    <a:latin typeface="+mj-lt"/>
-                    <a:ea typeface="Cambria Math" panose="02040503050406030204" pitchFamily="18" charset="0"/>
-                  </a:rPr>
-                  <a:t> is a tuple </a:t>
-                </a:r>
-                <a14:m>
-                  <m:oMath xmlns:m="http://schemas.openxmlformats.org/officeDocument/2006/math">
-                    <m:r>
-                      <a:rPr lang="en-US" b="0" i="1" smtClean="0">
-                        <a:latin typeface="Cambria Math" panose="02040503050406030204" pitchFamily="18" charset="0"/>
-                        <a:ea typeface="Cambria Math" panose="02040503050406030204" pitchFamily="18" charset="0"/>
-                      </a:rPr>
-                      <m:t>𝒜</m:t>
-                    </m:r>
-                    <m:r>
-                      <a:rPr lang="en-US" b="0" i="1" smtClean="0">
-                        <a:latin typeface="Cambria Math" panose="02040503050406030204" pitchFamily="18" charset="0"/>
-                      </a:rPr>
-                      <m:t>=〈</m:t>
-                    </m:r>
-                    <m:r>
-                      <a:rPr lang="en-US" b="0" i="1" smtClean="0">
-                        <a:latin typeface="Cambria Math" panose="02040503050406030204" pitchFamily="18" charset="0"/>
-                      </a:rPr>
-                      <m:t>𝑄</m:t>
-                    </m:r>
-                    <m:r>
-                      <a:rPr lang="en-US" b="0" i="1" smtClean="0">
-                        <a:latin typeface="Cambria Math" panose="02040503050406030204" pitchFamily="18" charset="0"/>
-                      </a:rPr>
-                      <m:t>,</m:t>
-                    </m:r>
-                    <m:sSub>
-                      <m:sSubPr>
-                        <m:ctrlPr>
-                          <a:rPr lang="en-US" b="0" i="0" smtClean="0">
-                            <a:latin typeface="Cambria Math" panose="02040503050406030204" pitchFamily="18" charset="0"/>
-                          </a:rPr>
-                        </m:ctrlPr>
-                      </m:sSubPr>
-                      <m:e>
-                        <m:r>
-                          <m:rPr>
-                            <m:sty m:val="p"/>
-                          </m:rPr>
-                          <a:rPr lang="en-US" b="0" i="0" smtClean="0">
-                            <a:latin typeface="Cambria Math" panose="02040503050406030204" pitchFamily="18" charset="0"/>
-                          </a:rPr>
-                          <m:t>Q</m:t>
-                        </m:r>
-                      </m:e>
-                      <m:sub>
-                        <m:r>
-                          <a:rPr lang="en-US" b="0" i="0" smtClean="0">
-                            <a:latin typeface="Cambria Math" panose="02040503050406030204" pitchFamily="18" charset="0"/>
-                          </a:rPr>
-                          <m:t>0</m:t>
-                        </m:r>
-                      </m:sub>
-                    </m:sSub>
-                    <m:r>
-                      <a:rPr lang="en-US" b="0" i="1" smtClean="0">
-                        <a:latin typeface="Cambria Math" panose="02040503050406030204" pitchFamily="18" charset="0"/>
-                      </a:rPr>
-                      <m:t>, </m:t>
-                    </m:r>
-                    <m:r>
-                      <a:rPr lang="en-US" b="0" i="1" smtClean="0">
-                        <a:latin typeface="Cambria Math" panose="02040503050406030204" pitchFamily="18" charset="0"/>
-                        <a:ea typeface="Cambria Math" panose="02040503050406030204" pitchFamily="18" charset="0"/>
-                      </a:rPr>
-                      <m:t>𝒟</m:t>
-                    </m:r>
-                    <m:r>
-                      <a:rPr lang="en-US" b="0" i="1" smtClean="0">
-                        <a:latin typeface="Cambria Math" panose="02040503050406030204" pitchFamily="18" charset="0"/>
-                        <a:ea typeface="Cambria Math" panose="02040503050406030204" pitchFamily="18" charset="0"/>
-                      </a:rPr>
-                      <m:t>〉</m:t>
-                    </m:r>
-                  </m:oMath>
-                </a14:m>
-                <a:r>
-                  <a:rPr lang="en-US" dirty="0">
-                    <a:latin typeface="+mj-lt"/>
-                  </a:rPr>
-                  <a:t> where</a:t>
-                </a:r>
-              </a:p>
-              <a:p>
-                <a:pPr>
-                  <a:lnSpc>
-                    <a:spcPct val="120000"/>
-                  </a:lnSpc>
-                </a:pPr>
-                <a14:m>
-                  <m:oMath xmlns:m="http://schemas.openxmlformats.org/officeDocument/2006/math">
-                    <m:r>
-                      <a:rPr lang="en-US" b="0" i="1" smtClean="0">
-                        <a:latin typeface="Cambria Math" panose="02040503050406030204" pitchFamily="18" charset="0"/>
-                      </a:rPr>
-                      <m:t>𝑄</m:t>
-                    </m:r>
-                  </m:oMath>
-                </a14:m>
-                <a:r>
-                  <a:rPr lang="en-US" dirty="0">
-                    <a:latin typeface="+mj-lt"/>
-                  </a:rPr>
-                  <a:t> is a finite set of states</a:t>
-                </a:r>
-              </a:p>
-              <a:p>
-                <a:pPr>
-                  <a:lnSpc>
-                    <a:spcPct val="120000"/>
-                  </a:lnSpc>
-                </a:pPr>
-                <a14:m>
-                  <m:oMath xmlns:m="http://schemas.openxmlformats.org/officeDocument/2006/math">
-                    <m:sSub>
-                      <m:sSubPr>
-                        <m:ctrlPr>
-                          <a:rPr lang="en-US" b="0" i="1" smtClean="0">
-                            <a:latin typeface="Cambria Math" panose="02040503050406030204" pitchFamily="18" charset="0"/>
-                          </a:rPr>
-                        </m:ctrlPr>
-                      </m:sSubPr>
-                      <m:e>
-                        <m:r>
-                          <a:rPr lang="en-US" b="0" i="1" smtClean="0">
-                            <a:latin typeface="Cambria Math" panose="02040503050406030204" pitchFamily="18" charset="0"/>
-                          </a:rPr>
-                          <m:t>𝑄</m:t>
-                        </m:r>
-                      </m:e>
-                      <m:sub>
-                        <m:r>
-                          <a:rPr lang="en-US" b="0" i="1" smtClean="0">
-                            <a:latin typeface="Cambria Math" panose="02040503050406030204" pitchFamily="18" charset="0"/>
-                          </a:rPr>
-                          <m:t>0</m:t>
-                        </m:r>
-                      </m:sub>
-                    </m:sSub>
-                    <m:r>
-                      <a:rPr lang="en-US" b="0" i="1" smtClean="0">
-                        <a:latin typeface="Cambria Math" panose="02040503050406030204" pitchFamily="18" charset="0"/>
-                      </a:rPr>
-                      <m:t>⊆</m:t>
-                    </m:r>
-                    <m:r>
-                      <a:rPr lang="en-US" b="0" i="1" smtClean="0">
-                        <a:latin typeface="Cambria Math" panose="02040503050406030204" pitchFamily="18" charset="0"/>
-                      </a:rPr>
-                      <m:t>𝑄</m:t>
-                    </m:r>
-                  </m:oMath>
-                </a14:m>
-                <a:r>
-                  <a:rPr lang="en-US" dirty="0">
-                    <a:latin typeface="+mj-lt"/>
-                  </a:rPr>
-                  <a:t> is the set of </a:t>
-                </a:r>
-                <a:r>
-                  <a:rPr lang="en-US" b="1" dirty="0">
-                    <a:latin typeface="+mj-lt"/>
-                  </a:rPr>
-                  <a:t>initial</a:t>
-                </a:r>
-                <a:r>
-                  <a:rPr lang="en-US" dirty="0">
-                    <a:latin typeface="+mj-lt"/>
-                  </a:rPr>
-                  <a:t> or </a:t>
-                </a:r>
-                <a:r>
-                  <a:rPr lang="en-US" b="1" dirty="0">
-                    <a:latin typeface="+mj-lt"/>
-                  </a:rPr>
-                  <a:t>start states</a:t>
-                </a:r>
-              </a:p>
-              <a:p>
-                <a:pPr>
-                  <a:lnSpc>
-                    <a:spcPct val="120000"/>
-                  </a:lnSpc>
-                </a:pPr>
-                <a14:m>
-                  <m:oMath xmlns:m="http://schemas.openxmlformats.org/officeDocument/2006/math">
-                    <m:r>
-                      <a:rPr lang="en-US" i="1" smtClean="0">
-                        <a:latin typeface="Cambria Math" panose="02040503050406030204" pitchFamily="18" charset="0"/>
-                        <a:ea typeface="Cambria Math" panose="02040503050406030204" pitchFamily="18" charset="0"/>
-                      </a:rPr>
-                      <m:t>𝒟</m:t>
-                    </m:r>
-                    <m:r>
-                      <a:rPr lang="en-US" b="0" i="1" smtClean="0">
-                        <a:latin typeface="Cambria Math" panose="02040503050406030204" pitchFamily="18" charset="0"/>
-                        <a:ea typeface="Cambria Math" panose="02040503050406030204" pitchFamily="18" charset="0"/>
-                      </a:rPr>
-                      <m:t>⊆</m:t>
-                    </m:r>
-                    <m:r>
-                      <a:rPr lang="en-US" b="0" i="1" smtClean="0">
-                        <a:latin typeface="Cambria Math" panose="02040503050406030204" pitchFamily="18" charset="0"/>
-                        <a:ea typeface="Cambria Math" panose="02040503050406030204" pitchFamily="18" charset="0"/>
-                      </a:rPr>
-                      <m:t>𝑄</m:t>
-                    </m:r>
-                    <m:r>
-                      <a:rPr lang="en-US" b="0" i="1" smtClean="0">
-                        <a:latin typeface="Cambria Math" panose="02040503050406030204" pitchFamily="18" charset="0"/>
-                        <a:ea typeface="Cambria Math" panose="02040503050406030204" pitchFamily="18" charset="0"/>
-                      </a:rPr>
-                      <m:t>×</m:t>
-                    </m:r>
-                    <m:r>
-                      <a:rPr lang="en-US" b="0" i="1" smtClean="0">
-                        <a:latin typeface="Cambria Math" panose="02040503050406030204" pitchFamily="18" charset="0"/>
-                        <a:ea typeface="Cambria Math" panose="02040503050406030204" pitchFamily="18" charset="0"/>
-                      </a:rPr>
-                      <m:t>𝑄</m:t>
-                    </m:r>
-                  </m:oMath>
-                </a14:m>
-                <a:r>
-                  <a:rPr lang="en-US" dirty="0">
-                    <a:latin typeface="+mj-lt"/>
-                  </a:rPr>
-                  <a:t> is the set of </a:t>
-                </a:r>
-                <a:r>
-                  <a:rPr lang="en-US" b="1" dirty="0">
-                    <a:latin typeface="+mj-lt"/>
-                  </a:rPr>
-                  <a:t>transitions</a:t>
-                </a:r>
-              </a:p>
-              <a:p>
-                <a:pPr marL="0" indent="0">
-                  <a:lnSpc>
-                    <a:spcPct val="120000"/>
-                  </a:lnSpc>
-                  <a:buNone/>
-                </a:pPr>
-                <a:r>
-                  <a:rPr lang="en-US" dirty="0"/>
-                  <a:t>An </a:t>
-                </a:r>
-                <a:r>
-                  <a:rPr lang="en-US" b="1" i="1" dirty="0">
-                    <a:solidFill>
-                      <a:srgbClr val="0070C0"/>
-                    </a:solidFill>
-                  </a:rPr>
-                  <a:t>execution</a:t>
-                </a:r>
-                <a:r>
-                  <a:rPr lang="en-US" dirty="0"/>
-                  <a:t> of </a:t>
-                </a:r>
-                <a14:m>
-                  <m:oMath xmlns:m="http://schemas.openxmlformats.org/officeDocument/2006/math">
-                    <m:r>
-                      <a:rPr lang="en-US" i="1">
-                        <a:latin typeface="Cambria Math" panose="02040503050406030204" pitchFamily="18" charset="0"/>
-                        <a:ea typeface="Cambria Math" panose="02040503050406030204" pitchFamily="18" charset="0"/>
-                      </a:rPr>
-                      <m:t>𝒜</m:t>
-                    </m:r>
-                  </m:oMath>
-                </a14:m>
-                <a:r>
-                  <a:rPr lang="en-US" dirty="0"/>
-                  <a:t> is an alternating sequence of states and actions </a:t>
-                </a:r>
-                <a14:m>
-                  <m:oMath xmlns:m="http://schemas.openxmlformats.org/officeDocument/2006/math">
-                    <m:r>
-                      <a:rPr lang="en-US" i="1">
-                        <a:latin typeface="Cambria Math" panose="02040503050406030204" pitchFamily="18" charset="0"/>
-                      </a:rPr>
-                      <m:t>𝛼</m:t>
-                    </m:r>
-                    <m:r>
-                      <a:rPr lang="en-US" i="1">
-                        <a:latin typeface="Cambria Math" panose="02040503050406030204" pitchFamily="18" charset="0"/>
-                      </a:rPr>
-                      <m:t>=</m:t>
-                    </m:r>
-                    <m:sSub>
-                      <m:sSubPr>
-                        <m:ctrlPr>
-                          <a:rPr lang="en-US" i="1">
-                            <a:latin typeface="Cambria Math" panose="02040503050406030204" pitchFamily="18" charset="0"/>
-                          </a:rPr>
-                        </m:ctrlPr>
-                      </m:sSubPr>
-                      <m:e>
-                        <m:r>
-                          <a:rPr lang="en-US" b="0" i="1" smtClean="0">
-                            <a:latin typeface="Cambria Math" panose="02040503050406030204" pitchFamily="18" charset="0"/>
-                          </a:rPr>
-                          <m:t>𝑞</m:t>
-                        </m:r>
-                      </m:e>
-                      <m:sub>
-                        <m:r>
-                          <a:rPr lang="en-US" i="1">
-                            <a:latin typeface="Cambria Math" panose="02040503050406030204" pitchFamily="18" charset="0"/>
-                          </a:rPr>
-                          <m:t>0</m:t>
-                        </m:r>
-                      </m:sub>
-                    </m:sSub>
-                    <m:sSub>
-                      <m:sSubPr>
-                        <m:ctrlPr>
-                          <a:rPr lang="en-US" i="1">
-                            <a:latin typeface="Cambria Math" panose="02040503050406030204" pitchFamily="18" charset="0"/>
-                          </a:rPr>
-                        </m:ctrlPr>
-                      </m:sSubPr>
-                      <m:e>
-                        <m:r>
-                          <a:rPr lang="en-US" b="0" i="1" smtClean="0">
-                            <a:latin typeface="Cambria Math" panose="02040503050406030204" pitchFamily="18" charset="0"/>
-                          </a:rPr>
-                          <m:t>𝑞</m:t>
-                        </m:r>
-                      </m:e>
-                      <m:sub>
-                        <m:r>
-                          <a:rPr lang="en-US" i="1">
-                            <a:latin typeface="Cambria Math" panose="02040503050406030204" pitchFamily="18" charset="0"/>
-                          </a:rPr>
-                          <m:t>1</m:t>
-                        </m:r>
-                      </m:sub>
-                    </m:sSub>
-                    <m:sSub>
-                      <m:sSubPr>
-                        <m:ctrlPr>
-                          <a:rPr lang="en-US" i="1">
-                            <a:latin typeface="Cambria Math" panose="02040503050406030204" pitchFamily="18" charset="0"/>
-                          </a:rPr>
-                        </m:ctrlPr>
-                      </m:sSubPr>
-                      <m:e>
-                        <m:r>
-                          <a:rPr lang="en-US" b="0" i="1" smtClean="0">
-                            <a:latin typeface="Cambria Math" panose="02040503050406030204" pitchFamily="18" charset="0"/>
-                          </a:rPr>
-                          <m:t>𝑞</m:t>
-                        </m:r>
-                      </m:e>
-                      <m:sub>
-                        <m:r>
-                          <a:rPr lang="en-US" b="0" i="1" smtClean="0">
-                            <a:latin typeface="Cambria Math" panose="02040503050406030204" pitchFamily="18" charset="0"/>
-                          </a:rPr>
-                          <m:t>2 </m:t>
-                        </m:r>
-                      </m:sub>
-                    </m:sSub>
-                    <m:r>
-                      <a:rPr lang="en-US" b="0" i="1" smtClean="0">
-                        <a:latin typeface="Cambria Math" panose="02040503050406030204" pitchFamily="18" charset="0"/>
-                      </a:rPr>
-                      <m:t>…</m:t>
-                    </m:r>
-                    <m:sSub>
-                      <m:sSubPr>
-                        <m:ctrlPr>
-                          <a:rPr lang="en-US" b="0" i="1" smtClean="0">
-                            <a:latin typeface="Cambria Math" panose="02040503050406030204" pitchFamily="18" charset="0"/>
-                          </a:rPr>
-                        </m:ctrlPr>
-                      </m:sSubPr>
-                      <m:e>
-                        <m:r>
-                          <a:rPr lang="en-US" b="0" i="1" smtClean="0">
-                            <a:latin typeface="Cambria Math" panose="02040503050406030204" pitchFamily="18" charset="0"/>
-                          </a:rPr>
-                          <m:t>𝑞</m:t>
-                        </m:r>
-                      </m:e>
-                      <m:sub>
-                        <m:r>
-                          <a:rPr lang="en-US" b="0" i="1" smtClean="0">
-                            <a:latin typeface="Cambria Math" panose="02040503050406030204" pitchFamily="18" charset="0"/>
-                          </a:rPr>
-                          <m:t>𝑘</m:t>
-                        </m:r>
-                      </m:sub>
-                    </m:sSub>
-                  </m:oMath>
-                </a14:m>
-                <a:r>
-                  <a:rPr lang="en-US" dirty="0"/>
-                  <a:t>such that:</a:t>
-                </a:r>
-              </a:p>
-              <a:p>
-                <a:pPr marL="971550" lvl="1" indent="-514350">
-                  <a:lnSpc>
-                    <a:spcPct val="120000"/>
-                  </a:lnSpc>
-                  <a:buFont typeface="+mj-lt"/>
-                  <a:buAutoNum type="arabicPeriod"/>
-                </a:pPr>
-                <a14:m>
-                  <m:oMath xmlns:m="http://schemas.openxmlformats.org/officeDocument/2006/math">
-                    <m:sSub>
-                      <m:sSubPr>
-                        <m:ctrlPr>
-                          <a:rPr lang="en-US" i="1">
-                            <a:latin typeface="Cambria Math" panose="02040503050406030204" pitchFamily="18" charset="0"/>
-                          </a:rPr>
-                        </m:ctrlPr>
-                      </m:sSubPr>
-                      <m:e>
-                        <m:r>
-                          <a:rPr lang="en-US" b="0" i="1" smtClean="0">
-                            <a:latin typeface="Cambria Math" panose="02040503050406030204" pitchFamily="18" charset="0"/>
-                          </a:rPr>
-                          <m:t>𝑞</m:t>
-                        </m:r>
-                      </m:e>
-                      <m:sub>
-                        <m:r>
-                          <a:rPr lang="en-US" i="1">
-                            <a:latin typeface="Cambria Math" panose="02040503050406030204" pitchFamily="18" charset="0"/>
-                          </a:rPr>
-                          <m:t>0</m:t>
-                        </m:r>
-                      </m:sub>
-                    </m:sSub>
-                    <m:r>
-                      <a:rPr lang="en-US" i="1">
-                        <a:latin typeface="Cambria Math" panose="02040503050406030204" pitchFamily="18" charset="0"/>
-                      </a:rPr>
-                      <m:t>∈</m:t>
-                    </m:r>
-                    <m:sSub>
-                      <m:sSubPr>
-                        <m:ctrlPr>
-                          <a:rPr lang="en-US" b="0" i="0" smtClean="0">
-                            <a:latin typeface="Cambria Math" panose="02040503050406030204" pitchFamily="18" charset="0"/>
-                          </a:rPr>
-                        </m:ctrlPr>
-                      </m:sSubPr>
-                      <m:e>
-                        <m:r>
-                          <m:rPr>
-                            <m:sty m:val="p"/>
-                          </m:rPr>
-                          <a:rPr lang="en-US" b="0" i="0" smtClean="0">
-                            <a:latin typeface="Cambria Math" panose="02040503050406030204" pitchFamily="18" charset="0"/>
-                          </a:rPr>
-                          <m:t>Q</m:t>
-                        </m:r>
-                      </m:e>
-                      <m:sub>
-                        <m:r>
-                          <a:rPr lang="en-US" b="0" i="0" smtClean="0">
-                            <a:latin typeface="Cambria Math" panose="02040503050406030204" pitchFamily="18" charset="0"/>
-                          </a:rPr>
-                          <m:t>0</m:t>
-                        </m:r>
-                      </m:sub>
-                    </m:sSub>
-                    <m:r>
-                      <a:rPr lang="en-US" b="0" i="1" smtClean="0">
-                        <a:latin typeface="Cambria Math" panose="02040503050406030204" pitchFamily="18" charset="0"/>
-                      </a:rPr>
-                      <m:t> 2. </m:t>
-                    </m:r>
-                    <m:r>
-                      <a:rPr lang="en-US" i="1">
-                        <a:latin typeface="Cambria Math" panose="02040503050406030204" pitchFamily="18" charset="0"/>
-                      </a:rPr>
-                      <m:t>∀ </m:t>
-                    </m:r>
-                    <m:r>
-                      <a:rPr lang="en-US" i="1">
-                        <a:latin typeface="Cambria Math" panose="02040503050406030204" pitchFamily="18" charset="0"/>
-                      </a:rPr>
-                      <m:t>𝑖</m:t>
-                    </m:r>
-                    <m:r>
-                      <a:rPr lang="en-US" i="1">
-                        <a:latin typeface="Cambria Math" panose="02040503050406030204" pitchFamily="18" charset="0"/>
-                      </a:rPr>
-                      <m:t> </m:t>
-                    </m:r>
-                  </m:oMath>
-                </a14:m>
-                <a:r>
-                  <a:rPr lang="en-US" dirty="0"/>
-                  <a:t>in the sequence, </a:t>
-                </a:r>
-                <a14:m>
-                  <m:oMath xmlns:m="http://schemas.openxmlformats.org/officeDocument/2006/math">
-                    <m:d>
-                      <m:dPr>
-                        <m:ctrlPr>
-                          <a:rPr lang="en-US" b="0" i="0" smtClean="0">
-                            <a:latin typeface="Cambria Math" panose="02040503050406030204" pitchFamily="18" charset="0"/>
-                          </a:rPr>
-                        </m:ctrlPr>
-                      </m:dPr>
-                      <m:e>
-                        <m:sSub>
-                          <m:sSubPr>
-                            <m:ctrlPr>
-                              <a:rPr lang="en-US" i="1">
-                                <a:latin typeface="Cambria Math" panose="02040503050406030204" pitchFamily="18" charset="0"/>
-                              </a:rPr>
-                            </m:ctrlPr>
-                          </m:sSubPr>
-                          <m:e>
-                            <m:r>
-                              <a:rPr lang="en-US" b="0" i="1" smtClean="0">
-                                <a:latin typeface="Cambria Math" panose="02040503050406030204" pitchFamily="18" charset="0"/>
-                              </a:rPr>
-                              <m:t>𝑞</m:t>
-                            </m:r>
-                          </m:e>
-                          <m:sub>
-                            <m:r>
-                              <a:rPr lang="en-US" i="1">
-                                <a:latin typeface="Cambria Math" panose="02040503050406030204" pitchFamily="18" charset="0"/>
-                              </a:rPr>
-                              <m:t>𝑖</m:t>
-                            </m:r>
-                          </m:sub>
-                        </m:sSub>
-                        <m:r>
-                          <a:rPr lang="en-US" b="0" i="1" smtClean="0">
-                            <a:latin typeface="Cambria Math" panose="02040503050406030204" pitchFamily="18" charset="0"/>
-                          </a:rPr>
-                          <m:t>,</m:t>
-                        </m:r>
-                        <m:sSub>
-                          <m:sSubPr>
-                            <m:ctrlPr>
-                              <a:rPr lang="en-US" i="1">
-                                <a:latin typeface="Cambria Math" panose="02040503050406030204" pitchFamily="18" charset="0"/>
-                              </a:rPr>
-                            </m:ctrlPr>
-                          </m:sSubPr>
-                          <m:e>
-                            <m:r>
-                              <a:rPr lang="en-US" b="0" i="1" smtClean="0">
-                                <a:latin typeface="Cambria Math" panose="02040503050406030204" pitchFamily="18" charset="0"/>
-                              </a:rPr>
-                              <m:t>𝑞</m:t>
-                            </m:r>
-                          </m:e>
-                          <m:sub>
-                            <m:r>
-                              <a:rPr lang="en-US" i="1">
-                                <a:latin typeface="Cambria Math" panose="02040503050406030204" pitchFamily="18" charset="0"/>
-                              </a:rPr>
-                              <m:t>𝑖</m:t>
-                            </m:r>
-                            <m:r>
-                              <a:rPr lang="en-US" i="1">
-                                <a:latin typeface="Cambria Math" panose="02040503050406030204" pitchFamily="18" charset="0"/>
-                              </a:rPr>
-                              <m:t>+1</m:t>
-                            </m:r>
-                          </m:sub>
-                        </m:sSub>
-                      </m:e>
-                    </m:d>
-                    <m:r>
-                      <m:rPr>
-                        <m:lit/>
-                      </m:rPr>
-                      <a:rPr lang="en-US" b="0" i="1" smtClean="0">
-                        <a:latin typeface="Cambria Math" panose="02040503050406030204" pitchFamily="18" charset="0"/>
-                      </a:rPr>
-                      <m:t> </m:t>
-                    </m:r>
-                    <m:r>
-                      <a:rPr lang="en-US" b="0" i="1" smtClean="0">
-                        <a:latin typeface="Cambria Math" panose="02040503050406030204" pitchFamily="18" charset="0"/>
-                      </a:rPr>
-                      <m:t>∈</m:t>
-                    </m:r>
-                    <m:r>
-                      <a:rPr lang="en-US" i="1">
-                        <a:latin typeface="Cambria Math" panose="02040503050406030204" pitchFamily="18" charset="0"/>
-                        <a:ea typeface="Cambria Math" panose="02040503050406030204" pitchFamily="18" charset="0"/>
-                      </a:rPr>
-                      <m:t>𝒟</m:t>
-                    </m:r>
-                  </m:oMath>
-                </a14:m>
-                <a:endParaRPr lang="en-US" b="1" dirty="0">
-                  <a:latin typeface="+mj-lt"/>
-                </a:endParaRPr>
-              </a:p>
-              <a:p>
-                <a:pPr marL="0" indent="0">
-                  <a:lnSpc>
-                    <a:spcPct val="120000"/>
-                  </a:lnSpc>
-                  <a:buNone/>
-                </a:pPr>
-                <a:r>
-                  <a:rPr lang="en-US" dirty="0"/>
-                  <a:t>A state </a:t>
-                </a:r>
-                <a14:m>
-                  <m:oMath xmlns:m="http://schemas.openxmlformats.org/officeDocument/2006/math">
-                    <m:r>
-                      <a:rPr lang="en-US" b="1" i="1" dirty="0">
-                        <a:latin typeface="Cambria Math" panose="02040503050406030204" pitchFamily="18" charset="0"/>
-                      </a:rPr>
-                      <m:t>𝒖</m:t>
-                    </m:r>
-                  </m:oMath>
-                </a14:m>
-                <a:r>
-                  <a:rPr lang="en-US" dirty="0"/>
-                  <a:t> is </a:t>
-                </a:r>
-                <a:r>
-                  <a:rPr lang="en-US" b="1" i="1" dirty="0">
-                    <a:solidFill>
-                      <a:srgbClr val="0070C0"/>
-                    </a:solidFill>
-                  </a:rPr>
-                  <a:t>reachable</a:t>
-                </a:r>
-                <a:r>
-                  <a:rPr lang="en-US" b="1" dirty="0"/>
-                  <a:t> </a:t>
-                </a:r>
-                <a:r>
-                  <a:rPr lang="en-US" dirty="0"/>
-                  <a:t>if there exists an execution </a:t>
-                </a:r>
-                <a14:m>
-                  <m:oMath xmlns:m="http://schemas.openxmlformats.org/officeDocument/2006/math">
-                    <m:r>
-                      <a:rPr lang="en-US" i="1" dirty="0">
-                        <a:latin typeface="Cambria Math" panose="02040503050406030204" pitchFamily="18" charset="0"/>
-                      </a:rPr>
-                      <m:t>𝛼</m:t>
-                    </m:r>
-                  </m:oMath>
-                </a14:m>
-                <a:r>
-                  <a:rPr lang="en-US" dirty="0"/>
-                  <a:t> such that </a:t>
-                </a:r>
-                <a14:m>
-                  <m:oMath xmlns:m="http://schemas.openxmlformats.org/officeDocument/2006/math">
-                    <m:r>
-                      <a:rPr lang="en-US" i="1" dirty="0">
-                        <a:latin typeface="Cambria Math" panose="02040503050406030204" pitchFamily="18" charset="0"/>
-                      </a:rPr>
-                      <m:t>𝛼</m:t>
-                    </m:r>
-                    <m:r>
-                      <a:rPr lang="en-US" i="1" dirty="0">
-                        <a:latin typeface="Cambria Math" panose="02040503050406030204" pitchFamily="18" charset="0"/>
-                      </a:rPr>
-                      <m:t>.</m:t>
-                    </m:r>
-                    <m:r>
-                      <a:rPr lang="en-US" i="1" dirty="0">
-                        <a:latin typeface="Cambria Math" panose="02040503050406030204" pitchFamily="18" charset="0"/>
-                      </a:rPr>
-                      <m:t>𝑙𝑠𝑡𝑎𝑡𝑒</m:t>
-                    </m:r>
-                    <m:r>
-                      <a:rPr lang="en-US" b="0" i="1" dirty="0" smtClean="0">
-                        <a:latin typeface="Cambria Math" panose="02040503050406030204" pitchFamily="18" charset="0"/>
-                      </a:rPr>
-                      <m:t>=</m:t>
-                    </m:r>
-                    <m:sSub>
-                      <m:sSubPr>
-                        <m:ctrlPr>
-                          <a:rPr lang="en-US" b="0" i="1" dirty="0" smtClean="0">
-                            <a:latin typeface="Cambria Math" panose="02040503050406030204" pitchFamily="18" charset="0"/>
-                          </a:rPr>
-                        </m:ctrlPr>
-                      </m:sSubPr>
-                      <m:e>
-                        <m:r>
-                          <a:rPr lang="en-US" b="0" i="1" dirty="0" smtClean="0">
-                            <a:latin typeface="Cambria Math" panose="02040503050406030204" pitchFamily="18" charset="0"/>
-                          </a:rPr>
-                          <m:t>𝑞</m:t>
-                        </m:r>
-                      </m:e>
-                      <m:sub>
-                        <m:r>
-                          <a:rPr lang="en-US" b="0" i="1" dirty="0" smtClean="0">
-                            <a:latin typeface="Cambria Math" panose="02040503050406030204" pitchFamily="18" charset="0"/>
-                          </a:rPr>
-                          <m:t>𝑘</m:t>
-                        </m:r>
-                      </m:sub>
-                    </m:sSub>
-                    <m:r>
-                      <a:rPr lang="en-US" i="1" dirty="0">
-                        <a:latin typeface="Cambria Math" panose="02040503050406030204" pitchFamily="18" charset="0"/>
-                      </a:rPr>
-                      <m:t>=</m:t>
-                    </m:r>
-                    <m:r>
-                      <a:rPr lang="en-US" b="1" i="1" dirty="0">
-                        <a:latin typeface="Cambria Math" panose="02040503050406030204" pitchFamily="18" charset="0"/>
-                      </a:rPr>
-                      <m:t>𝒖</m:t>
-                    </m:r>
-                  </m:oMath>
-                </a14:m>
-                <a:endParaRPr lang="en-US" dirty="0"/>
-              </a:p>
-              <a:p>
-                <a:pPr marL="0" indent="0">
-                  <a:lnSpc>
-                    <a:spcPct val="120000"/>
-                  </a:lnSpc>
-                  <a:buNone/>
-                </a:pPr>
-                <a:endParaRPr lang="en-US" b="1" dirty="0">
-                  <a:latin typeface="+mj-lt"/>
-                </a:endParaRPr>
-              </a:p>
-            </p:txBody>
-          </p:sp>
-        </mc:Choice>
-        <mc:Fallback>
-          <p:sp>
-            <p:nvSpPr>
-              <p:cNvPr id="3" name="Content Placeholder 2"/>
-              <p:cNvSpPr>
-                <a:spLocks noGrp="1" noRot="1" noChangeAspect="1" noMove="1" noResize="1" noEditPoints="1" noAdjustHandles="1" noChangeArrowheads="1" noChangeShapeType="1" noTextEdit="1"/>
-              </p:cNvSpPr>
-              <p:nvPr>
-                <p:ph idx="1"/>
-              </p:nvPr>
-            </p:nvSpPr>
-            <p:spPr>
-              <a:xfrm>
-                <a:off x="628650" y="1417638"/>
-                <a:ext cx="7886700" cy="4456113"/>
-              </a:xfrm>
-              <a:blipFill>
-                <a:blip r:embed="rId2"/>
-                <a:stretch>
-                  <a:fillRect l="-1447" t="-1136"/>
-                </a:stretch>
-              </a:blipFill>
-            </p:spPr>
-            <p:txBody>
-              <a:bodyPr/>
-              <a:lstStyle/>
-              <a:p>
-                <a:r>
-                  <a:rPr lang="en-US">
-                    <a:noFill/>
-                  </a:rPr>
-                  <a:t> </a:t>
-                </a:r>
-              </a:p>
-            </p:txBody>
-          </p:sp>
-        </mc:Fallback>
-      </mc:AlternateContent>
-    </p:spTree>
-    <p:extLst>
-      <p:ext uri="{BB962C8B-B14F-4D97-AF65-F5344CB8AC3E}">
-        <p14:creationId xmlns:p14="http://schemas.microsoft.com/office/powerpoint/2010/main" val="1440860525"/>
-      </p:ext>
-    </p:extLst>
-  </p:cSld>
-  <p:clrMapOvr>
-    <a:masterClrMapping/>
-  </p:clrMapOvr>
-</p:sld>
-</file>
-
-<file path=ppt/slides/slide40.xml><?xml version="1.0" encoding="utf-8"?>
+<file path=ppt/slides/slide43.xml><?xml version="1.0" encoding="utf-8"?>
 <p:sld xmlns:a="http://schemas.openxmlformats.org/drawingml/2006/main" xmlns:r="http://schemas.openxmlformats.org/officeDocument/2006/relationships" xmlns:p="http://schemas.openxmlformats.org/presentationml/2006/main">
   <p:cSld>
     <p:spTree>
@@ -34760,7 +36239,7 @@
 </p:sld>
 </file>
 
-<file path=ppt/slides/slide41.xml><?xml version="1.0" encoding="utf-8"?>
+<file path=ppt/slides/slide44.xml><?xml version="1.0" encoding="utf-8"?>
 <p:sld xmlns:a="http://schemas.openxmlformats.org/drawingml/2006/main" xmlns:r="http://schemas.openxmlformats.org/officeDocument/2006/relationships" xmlns:p="http://schemas.openxmlformats.org/presentationml/2006/main">
   <p:cSld>
     <p:spTree>
@@ -34895,7 +36374,7 @@
 </p:sld>
 </file>
 
-<file path=ppt/slides/slide42.xml><?xml version="1.0" encoding="utf-8"?>
+<file path=ppt/slides/slide45.xml><?xml version="1.0" encoding="utf-8"?>
 <p:sld xmlns:a="http://schemas.openxmlformats.org/drawingml/2006/main" xmlns:r="http://schemas.openxmlformats.org/officeDocument/2006/relationships" xmlns:p="http://schemas.openxmlformats.org/presentationml/2006/main">
   <p:cSld>
     <p:spTree>
@@ -35686,7 +37165,7 @@
 </p:sld>
 </file>
 
-<file path=ppt/slides/slide43.xml><?xml version="1.0" encoding="utf-8"?>
+<file path=ppt/slides/slide46.xml><?xml version="1.0" encoding="utf-8"?>
 <p:sld xmlns:a="http://schemas.openxmlformats.org/drawingml/2006/main" xmlns:r="http://schemas.openxmlformats.org/officeDocument/2006/relationships" xmlns:p="http://schemas.openxmlformats.org/presentationml/2006/main">
   <p:cSld>
     <p:bg>
@@ -35800,7 +37279,7 @@
 </p:sld>
 </file>
 
-<file path=ppt/slides/slide44.xml><?xml version="1.0" encoding="utf-8"?>
+<file path=ppt/slides/slide47.xml><?xml version="1.0" encoding="utf-8"?>
 <p:sld xmlns:a="http://schemas.openxmlformats.org/drawingml/2006/main" xmlns:r="http://schemas.openxmlformats.org/officeDocument/2006/relationships" xmlns:p="http://schemas.openxmlformats.org/presentationml/2006/main">
   <p:cSld>
     <p:spTree>
@@ -35888,7 +37367,7 @@
 </p:sld>
 </file>
 
-<file path=ppt/slides/slide45.xml><?xml version="1.0" encoding="utf-8"?>
+<file path=ppt/slides/slide48.xml><?xml version="1.0" encoding="utf-8"?>
 <p:sld xmlns:a="http://schemas.openxmlformats.org/drawingml/2006/main" xmlns:r="http://schemas.openxmlformats.org/officeDocument/2006/relationships" xmlns:p="http://schemas.openxmlformats.org/presentationml/2006/main">
   <p:cSld>
     <p:spTree>
@@ -36112,8 +37591,8 @@
           </a:p>
         </p:txBody>
       </p:sp>
-      <mc:AlternateContent xmlns:mc="http://schemas.openxmlformats.org/markup-compatibility/2006">
-        <mc:Choice xmlns:a14="http://schemas.microsoft.com/office/drawing/2010/main" Requires="a14">
+      <mc:AlternateContent xmlns:mc="http://schemas.openxmlformats.org/markup-compatibility/2006" xmlns:a14="http://schemas.microsoft.com/office/drawing/2010/main">
+        <mc:Choice Requires="a14">
           <p:sp>
             <p:nvSpPr>
               <p:cNvPr id="3" name="Content Placeholder 2">
@@ -36393,7 +37872,7 @@
             </p:txBody>
           </p:sp>
         </mc:Choice>
-        <mc:Fallback>
+        <mc:Fallback xmlns="">
           <p:sp>
             <p:nvSpPr>
               <p:cNvPr id="3" name="Content Placeholder 2">
@@ -36433,8 +37912,8 @@
           </p:sp>
         </mc:Fallback>
       </mc:AlternateContent>
-      <mc:AlternateContent xmlns:mc="http://schemas.openxmlformats.org/markup-compatibility/2006">
-        <mc:Choice xmlns:a14="http://schemas.microsoft.com/office/drawing/2010/main" Requires="a14">
+      <mc:AlternateContent xmlns:mc="http://schemas.openxmlformats.org/markup-compatibility/2006" xmlns:a14="http://schemas.microsoft.com/office/drawing/2010/main">
+        <mc:Choice Requires="a14">
           <p:sp>
             <p:nvSpPr>
               <p:cNvPr id="4" name="Rectangle 3">
@@ -36556,7 +38035,7 @@
             </p:txBody>
           </p:sp>
         </mc:Choice>
-        <mc:Fallback>
+        <mc:Fallback xmlns="">
           <p:sp>
             <p:nvSpPr>
               <p:cNvPr id="4" name="Rectangle 3">
@@ -36601,8 +38080,8 @@
           </p:sp>
         </mc:Fallback>
       </mc:AlternateContent>
-      <mc:AlternateContent xmlns:mc="http://schemas.openxmlformats.org/markup-compatibility/2006">
-        <mc:Choice xmlns:a14="http://schemas.microsoft.com/office/drawing/2010/main" Requires="a14">
+      <mc:AlternateContent xmlns:mc="http://schemas.openxmlformats.org/markup-compatibility/2006" xmlns:a14="http://schemas.microsoft.com/office/drawing/2010/main">
+        <mc:Choice Requires="a14">
           <p:sp>
             <p:nvSpPr>
               <p:cNvPr id="5" name="Oval 4">
@@ -36697,7 +38176,7 @@
             </p:txBody>
           </p:sp>
         </mc:Choice>
-        <mc:Fallback>
+        <mc:Fallback xmlns="">
           <p:sp>
             <p:nvSpPr>
               <p:cNvPr id="5" name="Oval 4">
@@ -36742,8 +38221,8 @@
           </p:sp>
         </mc:Fallback>
       </mc:AlternateContent>
-      <mc:AlternateContent xmlns:mc="http://schemas.openxmlformats.org/markup-compatibility/2006">
-        <mc:Choice xmlns:a14="http://schemas.microsoft.com/office/drawing/2010/main" Requires="a14">
+      <mc:AlternateContent xmlns:mc="http://schemas.openxmlformats.org/markup-compatibility/2006" xmlns:a14="http://schemas.microsoft.com/office/drawing/2010/main">
+        <mc:Choice Requires="a14">
           <p:sp>
             <p:nvSpPr>
               <p:cNvPr id="6" name="Oval 5">
@@ -36872,7 +38351,7 @@
             </p:txBody>
           </p:sp>
         </mc:Choice>
-        <mc:Fallback>
+        <mc:Fallback xmlns="">
           <p:sp>
             <p:nvSpPr>
               <p:cNvPr id="6" name="Oval 5">
@@ -36917,8 +38396,8 @@
           </p:sp>
         </mc:Fallback>
       </mc:AlternateContent>
-      <mc:AlternateContent xmlns:mc="http://schemas.openxmlformats.org/markup-compatibility/2006">
-        <mc:Choice xmlns:a14="http://schemas.microsoft.com/office/drawing/2010/main" Requires="a14">
+      <mc:AlternateContent xmlns:mc="http://schemas.openxmlformats.org/markup-compatibility/2006" xmlns:a14="http://schemas.microsoft.com/office/drawing/2010/main">
+        <mc:Choice Requires="a14">
           <p:sp>
             <p:nvSpPr>
               <p:cNvPr id="7" name="Oval 6">
@@ -36998,7 +38477,7 @@
             </p:txBody>
           </p:sp>
         </mc:Choice>
-        <mc:Fallback>
+        <mc:Fallback xmlns="">
           <p:sp>
             <p:nvSpPr>
               <p:cNvPr id="7" name="Oval 6">
@@ -37095,8 +38574,8 @@
           </a:p>
         </p:txBody>
       </p:sp>
-      <mc:AlternateContent xmlns:mc="http://schemas.openxmlformats.org/markup-compatibility/2006">
-        <mc:Choice xmlns:a14="http://schemas.microsoft.com/office/drawing/2010/main" Requires="a14">
+      <mc:AlternateContent xmlns:mc="http://schemas.openxmlformats.org/markup-compatibility/2006" xmlns:a14="http://schemas.microsoft.com/office/drawing/2010/main">
+        <mc:Choice Requires="a14">
           <p:sp>
             <p:nvSpPr>
               <p:cNvPr id="3" name="Content Placeholder 2"/>
@@ -37702,7 +39181,7 @@
             </p:txBody>
           </p:sp>
         </mc:Choice>
-        <mc:Fallback>
+        <mc:Fallback xmlns="">
           <p:sp>
             <p:nvSpPr>
               <p:cNvPr id="3" name="Content Placeholder 2"/>
@@ -38269,8 +39748,8 @@
           </a:p>
         </p:txBody>
       </p:sp>
-      <mc:AlternateContent xmlns:mc="http://schemas.openxmlformats.org/markup-compatibility/2006">
-        <mc:Choice xmlns:a14="http://schemas.microsoft.com/office/drawing/2010/main" Requires="a14">
+      <mc:AlternateContent xmlns:mc="http://schemas.openxmlformats.org/markup-compatibility/2006" xmlns:a14="http://schemas.microsoft.com/office/drawing/2010/main">
+        <mc:Choice Requires="a14">
           <p:sp>
             <p:nvSpPr>
               <p:cNvPr id="3" name="Content Placeholder 2">
@@ -38761,7 +40240,7 @@
             </p:txBody>
           </p:sp>
         </mc:Choice>
-        <mc:Fallback>
+        <mc:Fallback xmlns="">
           <p:sp>
             <p:nvSpPr>
               <p:cNvPr id="3" name="Content Placeholder 2">
@@ -38987,8 +40466,8 @@
           </a:p>
         </p:txBody>
       </p:sp>
-      <mc:AlternateContent xmlns:mc="http://schemas.openxmlformats.org/markup-compatibility/2006">
-        <mc:Choice xmlns:a14="http://schemas.microsoft.com/office/drawing/2010/main" Requires="a14">
+      <mc:AlternateContent xmlns:mc="http://schemas.openxmlformats.org/markup-compatibility/2006" xmlns:a14="http://schemas.microsoft.com/office/drawing/2010/main">
+        <mc:Choice Requires="a14">
           <p:sp>
             <p:nvSpPr>
               <p:cNvPr id="3" name="Content Placeholder 2"/>
@@ -39518,7 +40997,7 @@
             </p:txBody>
           </p:sp>
         </mc:Choice>
-        <mc:Fallback>
+        <mc:Fallback xmlns="">
           <p:sp>
             <p:nvSpPr>
               <p:cNvPr id="3" name="Content Placeholder 2"/>
@@ -40000,8 +41479,8 @@
           </a:p>
         </p:txBody>
       </p:sp>
-      <mc:AlternateContent xmlns:mc="http://schemas.openxmlformats.org/markup-compatibility/2006">
-        <mc:Choice xmlns:a14="http://schemas.microsoft.com/office/drawing/2010/main" Requires="a14">
+      <mc:AlternateContent xmlns:mc="http://schemas.openxmlformats.org/markup-compatibility/2006" xmlns:a14="http://schemas.microsoft.com/office/drawing/2010/main">
+        <mc:Choice Requires="a14">
           <p:sp>
             <p:nvSpPr>
               <p:cNvPr id="3" name="Content Placeholder 2"/>
@@ -40551,7 +42030,7 @@
             </p:txBody>
           </p:sp>
         </mc:Choice>
-        <mc:Fallback>
+        <mc:Fallback xmlns="">
           <p:sp>
             <p:nvSpPr>
               <p:cNvPr id="3" name="Content Placeholder 2"/>
